--- a/Design Principles vs. Performance.pptx
+++ b/Design Principles vs. Performance.pptx
@@ -5,7 +5,7 @@
     <p:sldMasterId id="2147483648" r:id="rId1"/>
   </p:sldMasterIdLst>
   <p:notesMasterIdLst>
-    <p:notesMasterId r:id="rId35"/>
+    <p:notesMasterId r:id="rId30"/>
   </p:notesMasterIdLst>
   <p:sldIdLst>
     <p:sldId id="256" r:id="rId2"/>
@@ -22,25 +22,20 @@
     <p:sldId id="267" r:id="rId13"/>
     <p:sldId id="266" r:id="rId14"/>
     <p:sldId id="268" r:id="rId15"/>
-    <p:sldId id="348" r:id="rId16"/>
-    <p:sldId id="269" r:id="rId17"/>
-    <p:sldId id="272" r:id="rId18"/>
-    <p:sldId id="326" r:id="rId19"/>
-    <p:sldId id="325" r:id="rId20"/>
-    <p:sldId id="271" r:id="rId21"/>
-    <p:sldId id="328" r:id="rId22"/>
-    <p:sldId id="329" r:id="rId23"/>
-    <p:sldId id="327" r:id="rId24"/>
-    <p:sldId id="275" r:id="rId25"/>
-    <p:sldId id="276" r:id="rId26"/>
-    <p:sldId id="344" r:id="rId27"/>
-    <p:sldId id="345" r:id="rId28"/>
-    <p:sldId id="277" r:id="rId29"/>
-    <p:sldId id="346" r:id="rId30"/>
-    <p:sldId id="278" r:id="rId31"/>
-    <p:sldId id="279" r:id="rId32"/>
-    <p:sldId id="282" r:id="rId33"/>
-    <p:sldId id="343" r:id="rId34"/>
+    <p:sldId id="269" r:id="rId16"/>
+    <p:sldId id="272" r:id="rId17"/>
+    <p:sldId id="325" r:id="rId18"/>
+    <p:sldId id="271" r:id="rId19"/>
+    <p:sldId id="328" r:id="rId20"/>
+    <p:sldId id="349" r:id="rId21"/>
+    <p:sldId id="350" r:id="rId22"/>
+    <p:sldId id="275" r:id="rId23"/>
+    <p:sldId id="276" r:id="rId24"/>
+    <p:sldId id="277" r:id="rId25"/>
+    <p:sldId id="346" r:id="rId26"/>
+    <p:sldId id="279" r:id="rId27"/>
+    <p:sldId id="282" r:id="rId28"/>
+    <p:sldId id="343" r:id="rId29"/>
   </p:sldIdLst>
   <p:sldSz cx="12192000" cy="6858000"/>
   <p:notesSz cx="6858000" cy="9144000"/>
@@ -1531,2526 +1526,6 @@
 </cs:chartStyle>
 </file>
 
-<file path=ppt/diagrams/colors1.xml><?xml version="1.0" encoding="utf-8"?>
-<dgm:colorsDef xmlns:dgm="http://schemas.openxmlformats.org/drawingml/2006/diagram" xmlns:a="http://schemas.openxmlformats.org/drawingml/2006/main" uniqueId="urn:microsoft.com/office/officeart/2005/8/colors/accent1_2">
-  <dgm:title val=""/>
-  <dgm:desc val=""/>
-  <dgm:catLst>
-    <dgm:cat type="accent1" pri="11200"/>
-  </dgm:catLst>
-  <dgm:styleLbl name="node0">
-    <dgm:fillClrLst meth="repeat">
-      <a:schemeClr val="accent1"/>
-    </dgm:fillClrLst>
-    <dgm:linClrLst meth="repeat">
-      <a:schemeClr val="lt1"/>
-    </dgm:linClrLst>
-    <dgm:effectClrLst/>
-    <dgm:txLinClrLst/>
-    <dgm:txFillClrLst/>
-    <dgm:txEffectClrLst/>
-  </dgm:styleLbl>
-  <dgm:styleLbl name="alignNode1">
-    <dgm:fillClrLst meth="repeat">
-      <a:schemeClr val="accent1"/>
-    </dgm:fillClrLst>
-    <dgm:linClrLst meth="repeat">
-      <a:schemeClr val="accent1"/>
-    </dgm:linClrLst>
-    <dgm:effectClrLst/>
-    <dgm:txLinClrLst/>
-    <dgm:txFillClrLst/>
-    <dgm:txEffectClrLst/>
-  </dgm:styleLbl>
-  <dgm:styleLbl name="node1">
-    <dgm:fillClrLst meth="repeat">
-      <a:schemeClr val="accent1"/>
-    </dgm:fillClrLst>
-    <dgm:linClrLst meth="repeat">
-      <a:schemeClr val="lt1"/>
-    </dgm:linClrLst>
-    <dgm:effectClrLst/>
-    <dgm:txLinClrLst/>
-    <dgm:txFillClrLst/>
-    <dgm:txEffectClrLst/>
-  </dgm:styleLbl>
-  <dgm:styleLbl name="lnNode1">
-    <dgm:fillClrLst meth="repeat">
-      <a:schemeClr val="accent1"/>
-    </dgm:fillClrLst>
-    <dgm:linClrLst meth="repeat">
-      <a:schemeClr val="lt1"/>
-    </dgm:linClrLst>
-    <dgm:effectClrLst/>
-    <dgm:txLinClrLst/>
-    <dgm:txFillClrLst/>
-    <dgm:txEffectClrLst/>
-  </dgm:styleLbl>
-  <dgm:styleLbl name="vennNode1">
-    <dgm:fillClrLst meth="repeat">
-      <a:schemeClr val="accent1">
-        <a:alpha val="50000"/>
-      </a:schemeClr>
-    </dgm:fillClrLst>
-    <dgm:linClrLst meth="repeat">
-      <a:schemeClr val="lt1"/>
-    </dgm:linClrLst>
-    <dgm:effectClrLst/>
-    <dgm:txLinClrLst/>
-    <dgm:txFillClrLst/>
-    <dgm:txEffectClrLst/>
-  </dgm:styleLbl>
-  <dgm:styleLbl name="node2">
-    <dgm:fillClrLst meth="repeat">
-      <a:schemeClr val="accent1"/>
-    </dgm:fillClrLst>
-    <dgm:linClrLst meth="repeat">
-      <a:schemeClr val="lt1"/>
-    </dgm:linClrLst>
-    <dgm:effectClrLst/>
-    <dgm:txLinClrLst/>
-    <dgm:txFillClrLst/>
-    <dgm:txEffectClrLst/>
-  </dgm:styleLbl>
-  <dgm:styleLbl name="node3">
-    <dgm:fillClrLst meth="repeat">
-      <a:schemeClr val="accent1"/>
-    </dgm:fillClrLst>
-    <dgm:linClrLst meth="repeat">
-      <a:schemeClr val="lt1"/>
-    </dgm:linClrLst>
-    <dgm:effectClrLst/>
-    <dgm:txLinClrLst/>
-    <dgm:txFillClrLst/>
-    <dgm:txEffectClrLst/>
-  </dgm:styleLbl>
-  <dgm:styleLbl name="node4">
-    <dgm:fillClrLst meth="repeat">
-      <a:schemeClr val="accent1"/>
-    </dgm:fillClrLst>
-    <dgm:linClrLst meth="repeat">
-      <a:schemeClr val="lt1"/>
-    </dgm:linClrLst>
-    <dgm:effectClrLst/>
-    <dgm:txLinClrLst/>
-    <dgm:txFillClrLst/>
-    <dgm:txEffectClrLst/>
-  </dgm:styleLbl>
-  <dgm:styleLbl name="fgImgPlace1">
-    <dgm:fillClrLst meth="repeat">
-      <a:schemeClr val="accent1">
-        <a:tint val="50000"/>
-      </a:schemeClr>
-    </dgm:fillClrLst>
-    <dgm:linClrLst meth="repeat">
-      <a:schemeClr val="lt1"/>
-    </dgm:linClrLst>
-    <dgm:effectClrLst/>
-    <dgm:txLinClrLst/>
-    <dgm:txFillClrLst meth="repeat">
-      <a:schemeClr val="lt1"/>
-    </dgm:txFillClrLst>
-    <dgm:txEffectClrLst/>
-  </dgm:styleLbl>
-  <dgm:styleLbl name="alignImgPlace1">
-    <dgm:fillClrLst meth="repeat">
-      <a:schemeClr val="accent1">
-        <a:tint val="50000"/>
-      </a:schemeClr>
-    </dgm:fillClrLst>
-    <dgm:linClrLst meth="repeat">
-      <a:schemeClr val="lt1"/>
-    </dgm:linClrLst>
-    <dgm:effectClrLst/>
-    <dgm:txLinClrLst/>
-    <dgm:txFillClrLst meth="repeat">
-      <a:schemeClr val="lt1"/>
-    </dgm:txFillClrLst>
-    <dgm:txEffectClrLst/>
-  </dgm:styleLbl>
-  <dgm:styleLbl name="bgImgPlace1">
-    <dgm:fillClrLst meth="repeat">
-      <a:schemeClr val="accent1">
-        <a:tint val="50000"/>
-      </a:schemeClr>
-    </dgm:fillClrLst>
-    <dgm:linClrLst meth="repeat">
-      <a:schemeClr val="lt1"/>
-    </dgm:linClrLst>
-    <dgm:effectClrLst/>
-    <dgm:txLinClrLst/>
-    <dgm:txFillClrLst meth="repeat">
-      <a:schemeClr val="lt1"/>
-    </dgm:txFillClrLst>
-    <dgm:txEffectClrLst/>
-  </dgm:styleLbl>
-  <dgm:styleLbl name="sibTrans2D1">
-    <dgm:fillClrLst meth="repeat">
-      <a:schemeClr val="accent1">
-        <a:tint val="60000"/>
-      </a:schemeClr>
-    </dgm:fillClrLst>
-    <dgm:linClrLst meth="repeat">
-      <a:schemeClr val="accent1">
-        <a:tint val="60000"/>
-      </a:schemeClr>
-    </dgm:linClrLst>
-    <dgm:effectClrLst/>
-    <dgm:txLinClrLst/>
-    <dgm:txFillClrLst/>
-    <dgm:txEffectClrLst/>
-  </dgm:styleLbl>
-  <dgm:styleLbl name="fgSibTrans2D1">
-    <dgm:fillClrLst meth="repeat">
-      <a:schemeClr val="accent1">
-        <a:tint val="60000"/>
-      </a:schemeClr>
-    </dgm:fillClrLst>
-    <dgm:linClrLst meth="repeat">
-      <a:schemeClr val="accent1">
-        <a:tint val="60000"/>
-      </a:schemeClr>
-    </dgm:linClrLst>
-    <dgm:effectClrLst/>
-    <dgm:txLinClrLst/>
-    <dgm:txFillClrLst/>
-    <dgm:txEffectClrLst/>
-  </dgm:styleLbl>
-  <dgm:styleLbl name="bgSibTrans2D1">
-    <dgm:fillClrLst meth="repeat">
-      <a:schemeClr val="accent1">
-        <a:tint val="60000"/>
-      </a:schemeClr>
-    </dgm:fillClrLst>
-    <dgm:linClrLst meth="repeat">
-      <a:schemeClr val="accent1">
-        <a:tint val="60000"/>
-      </a:schemeClr>
-    </dgm:linClrLst>
-    <dgm:effectClrLst/>
-    <dgm:txLinClrLst/>
-    <dgm:txFillClrLst/>
-    <dgm:txEffectClrLst/>
-  </dgm:styleLbl>
-  <dgm:styleLbl name="sibTrans1D1">
-    <dgm:fillClrLst meth="repeat">
-      <a:schemeClr val="accent1"/>
-    </dgm:fillClrLst>
-    <dgm:linClrLst meth="repeat">
-      <a:schemeClr val="accent1"/>
-    </dgm:linClrLst>
-    <dgm:effectClrLst/>
-    <dgm:txLinClrLst/>
-    <dgm:txFillClrLst meth="repeat">
-      <a:schemeClr val="tx1"/>
-    </dgm:txFillClrLst>
-    <dgm:txEffectClrLst/>
-  </dgm:styleLbl>
-  <dgm:styleLbl name="callout">
-    <dgm:fillClrLst meth="repeat">
-      <a:schemeClr val="accent1"/>
-    </dgm:fillClrLst>
-    <dgm:linClrLst meth="repeat">
-      <a:schemeClr val="accent1">
-        <a:tint val="50000"/>
-      </a:schemeClr>
-    </dgm:linClrLst>
-    <dgm:effectClrLst/>
-    <dgm:txLinClrLst/>
-    <dgm:txFillClrLst meth="repeat">
-      <a:schemeClr val="tx1"/>
-    </dgm:txFillClrLst>
-    <dgm:txEffectClrLst/>
-  </dgm:styleLbl>
-  <dgm:styleLbl name="asst0">
-    <dgm:fillClrLst meth="repeat">
-      <a:schemeClr val="accent1"/>
-    </dgm:fillClrLst>
-    <dgm:linClrLst meth="repeat">
-      <a:schemeClr val="lt1"/>
-    </dgm:linClrLst>
-    <dgm:effectClrLst/>
-    <dgm:txLinClrLst/>
-    <dgm:txFillClrLst/>
-    <dgm:txEffectClrLst/>
-  </dgm:styleLbl>
-  <dgm:styleLbl name="asst1">
-    <dgm:fillClrLst meth="repeat">
-      <a:schemeClr val="accent1"/>
-    </dgm:fillClrLst>
-    <dgm:linClrLst meth="repeat">
-      <a:schemeClr val="lt1"/>
-    </dgm:linClrLst>
-    <dgm:effectClrLst/>
-    <dgm:txLinClrLst/>
-    <dgm:txFillClrLst/>
-    <dgm:txEffectClrLst/>
-  </dgm:styleLbl>
-  <dgm:styleLbl name="asst2">
-    <dgm:fillClrLst meth="repeat">
-      <a:schemeClr val="accent1"/>
-    </dgm:fillClrLst>
-    <dgm:linClrLst meth="repeat">
-      <a:schemeClr val="lt1"/>
-    </dgm:linClrLst>
-    <dgm:effectClrLst/>
-    <dgm:txLinClrLst/>
-    <dgm:txFillClrLst/>
-    <dgm:txEffectClrLst/>
-  </dgm:styleLbl>
-  <dgm:styleLbl name="asst3">
-    <dgm:fillClrLst meth="repeat">
-      <a:schemeClr val="accent1"/>
-    </dgm:fillClrLst>
-    <dgm:linClrLst meth="repeat">
-      <a:schemeClr val="lt1"/>
-    </dgm:linClrLst>
-    <dgm:effectClrLst/>
-    <dgm:txLinClrLst/>
-    <dgm:txFillClrLst/>
-    <dgm:txEffectClrLst/>
-  </dgm:styleLbl>
-  <dgm:styleLbl name="asst4">
-    <dgm:fillClrLst meth="repeat">
-      <a:schemeClr val="accent1"/>
-    </dgm:fillClrLst>
-    <dgm:linClrLst meth="repeat">
-      <a:schemeClr val="lt1"/>
-    </dgm:linClrLst>
-    <dgm:effectClrLst/>
-    <dgm:txLinClrLst/>
-    <dgm:txFillClrLst/>
-    <dgm:txEffectClrLst/>
-  </dgm:styleLbl>
-  <dgm:styleLbl name="parChTrans2D1">
-    <dgm:fillClrLst meth="repeat">
-      <a:schemeClr val="accent1">
-        <a:tint val="60000"/>
-      </a:schemeClr>
-    </dgm:fillClrLst>
-    <dgm:linClrLst meth="repeat">
-      <a:schemeClr val="accent1">
-        <a:tint val="60000"/>
-      </a:schemeClr>
-    </dgm:linClrLst>
-    <dgm:effectClrLst/>
-    <dgm:txLinClrLst/>
-    <dgm:txFillClrLst meth="repeat">
-      <a:schemeClr val="lt1"/>
-    </dgm:txFillClrLst>
-    <dgm:txEffectClrLst/>
-  </dgm:styleLbl>
-  <dgm:styleLbl name="parChTrans2D2">
-    <dgm:fillClrLst meth="repeat">
-      <a:schemeClr val="accent1"/>
-    </dgm:fillClrLst>
-    <dgm:linClrLst meth="repeat">
-      <a:schemeClr val="accent1"/>
-    </dgm:linClrLst>
-    <dgm:effectClrLst/>
-    <dgm:txLinClrLst/>
-    <dgm:txFillClrLst meth="repeat">
-      <a:schemeClr val="lt1"/>
-    </dgm:txFillClrLst>
-    <dgm:txEffectClrLst/>
-  </dgm:styleLbl>
-  <dgm:styleLbl name="parChTrans2D3">
-    <dgm:fillClrLst meth="repeat">
-      <a:schemeClr val="accent1"/>
-    </dgm:fillClrLst>
-    <dgm:linClrLst meth="repeat">
-      <a:schemeClr val="accent1"/>
-    </dgm:linClrLst>
-    <dgm:effectClrLst/>
-    <dgm:txLinClrLst/>
-    <dgm:txFillClrLst meth="repeat">
-      <a:schemeClr val="lt1"/>
-    </dgm:txFillClrLst>
-    <dgm:txEffectClrLst/>
-  </dgm:styleLbl>
-  <dgm:styleLbl name="parChTrans2D4">
-    <dgm:fillClrLst meth="repeat">
-      <a:schemeClr val="accent1"/>
-    </dgm:fillClrLst>
-    <dgm:linClrLst meth="repeat">
-      <a:schemeClr val="accent1"/>
-    </dgm:linClrLst>
-    <dgm:effectClrLst/>
-    <dgm:txLinClrLst/>
-    <dgm:txFillClrLst meth="repeat">
-      <a:schemeClr val="lt1"/>
-    </dgm:txFillClrLst>
-    <dgm:txEffectClrLst/>
-  </dgm:styleLbl>
-  <dgm:styleLbl name="parChTrans1D1">
-    <dgm:fillClrLst meth="repeat">
-      <a:schemeClr val="accent1"/>
-    </dgm:fillClrLst>
-    <dgm:linClrLst meth="repeat">
-      <a:schemeClr val="accent1">
-        <a:shade val="60000"/>
-      </a:schemeClr>
-    </dgm:linClrLst>
-    <dgm:effectClrLst/>
-    <dgm:txLinClrLst/>
-    <dgm:txFillClrLst meth="repeat">
-      <a:schemeClr val="tx1"/>
-    </dgm:txFillClrLst>
-    <dgm:txEffectClrLst/>
-  </dgm:styleLbl>
-  <dgm:styleLbl name="parChTrans1D2">
-    <dgm:fillClrLst meth="repeat">
-      <a:schemeClr val="accent1"/>
-    </dgm:fillClrLst>
-    <dgm:linClrLst meth="repeat">
-      <a:schemeClr val="accent1">
-        <a:shade val="60000"/>
-      </a:schemeClr>
-    </dgm:linClrLst>
-    <dgm:effectClrLst/>
-    <dgm:txLinClrLst/>
-    <dgm:txFillClrLst meth="repeat">
-      <a:schemeClr val="tx1"/>
-    </dgm:txFillClrLst>
-    <dgm:txEffectClrLst/>
-  </dgm:styleLbl>
-  <dgm:styleLbl name="parChTrans1D3">
-    <dgm:fillClrLst meth="repeat">
-      <a:schemeClr val="accent1"/>
-    </dgm:fillClrLst>
-    <dgm:linClrLst meth="repeat">
-      <a:schemeClr val="accent1">
-        <a:shade val="80000"/>
-      </a:schemeClr>
-    </dgm:linClrLst>
-    <dgm:effectClrLst/>
-    <dgm:txLinClrLst/>
-    <dgm:txFillClrLst meth="repeat">
-      <a:schemeClr val="tx1"/>
-    </dgm:txFillClrLst>
-    <dgm:txEffectClrLst/>
-  </dgm:styleLbl>
-  <dgm:styleLbl name="parChTrans1D4">
-    <dgm:fillClrLst meth="repeat">
-      <a:schemeClr val="accent1"/>
-    </dgm:fillClrLst>
-    <dgm:linClrLst meth="repeat">
-      <a:schemeClr val="accent1">
-        <a:shade val="80000"/>
-      </a:schemeClr>
-    </dgm:linClrLst>
-    <dgm:effectClrLst/>
-    <dgm:txLinClrLst/>
-    <dgm:txFillClrLst meth="repeat">
-      <a:schemeClr val="tx1"/>
-    </dgm:txFillClrLst>
-    <dgm:txEffectClrLst/>
-  </dgm:styleLbl>
-  <dgm:styleLbl name="fgAcc1">
-    <dgm:fillClrLst meth="repeat">
-      <a:schemeClr val="lt1">
-        <a:alpha val="90000"/>
-      </a:schemeClr>
-    </dgm:fillClrLst>
-    <dgm:linClrLst meth="repeat">
-      <a:schemeClr val="accent1"/>
-    </dgm:linClrLst>
-    <dgm:effectClrLst/>
-    <dgm:txLinClrLst/>
-    <dgm:txFillClrLst meth="repeat">
-      <a:schemeClr val="dk1"/>
-    </dgm:txFillClrLst>
-    <dgm:txEffectClrLst/>
-  </dgm:styleLbl>
-  <dgm:styleLbl name="conFgAcc1">
-    <dgm:fillClrLst meth="repeat">
-      <a:schemeClr val="lt1">
-        <a:alpha val="90000"/>
-      </a:schemeClr>
-    </dgm:fillClrLst>
-    <dgm:linClrLst meth="repeat">
-      <a:schemeClr val="accent1"/>
-    </dgm:linClrLst>
-    <dgm:effectClrLst/>
-    <dgm:txLinClrLst/>
-    <dgm:txFillClrLst meth="repeat">
-      <a:schemeClr val="dk1"/>
-    </dgm:txFillClrLst>
-    <dgm:txEffectClrLst/>
-  </dgm:styleLbl>
-  <dgm:styleLbl name="alignAcc1">
-    <dgm:fillClrLst meth="repeat">
-      <a:schemeClr val="lt1">
-        <a:alpha val="90000"/>
-      </a:schemeClr>
-    </dgm:fillClrLst>
-    <dgm:linClrLst meth="repeat">
-      <a:schemeClr val="accent1"/>
-    </dgm:linClrLst>
-    <dgm:effectClrLst/>
-    <dgm:txLinClrLst/>
-    <dgm:txFillClrLst meth="repeat">
-      <a:schemeClr val="dk1"/>
-    </dgm:txFillClrLst>
-    <dgm:txEffectClrLst/>
-  </dgm:styleLbl>
-  <dgm:styleLbl name="trAlignAcc1">
-    <dgm:fillClrLst meth="repeat">
-      <a:schemeClr val="lt1">
-        <a:alpha val="40000"/>
-      </a:schemeClr>
-    </dgm:fillClrLst>
-    <dgm:linClrLst meth="repeat">
-      <a:schemeClr val="accent1"/>
-    </dgm:linClrLst>
-    <dgm:effectClrLst/>
-    <dgm:txLinClrLst/>
-    <dgm:txFillClrLst meth="repeat">
-      <a:schemeClr val="dk1"/>
-    </dgm:txFillClrLst>
-    <dgm:txEffectClrLst/>
-  </dgm:styleLbl>
-  <dgm:styleLbl name="bgAcc1">
-    <dgm:fillClrLst meth="repeat">
-      <a:schemeClr val="lt1">
-        <a:alpha val="90000"/>
-      </a:schemeClr>
-    </dgm:fillClrLst>
-    <dgm:linClrLst meth="repeat">
-      <a:schemeClr val="accent1"/>
-    </dgm:linClrLst>
-    <dgm:effectClrLst/>
-    <dgm:txLinClrLst/>
-    <dgm:txFillClrLst meth="repeat">
-      <a:schemeClr val="dk1"/>
-    </dgm:txFillClrLst>
-    <dgm:txEffectClrLst/>
-  </dgm:styleLbl>
-  <dgm:styleLbl name="solidFgAcc1">
-    <dgm:fillClrLst meth="repeat">
-      <a:schemeClr val="lt1"/>
-    </dgm:fillClrLst>
-    <dgm:linClrLst meth="repeat">
-      <a:schemeClr val="accent1"/>
-    </dgm:linClrLst>
-    <dgm:effectClrLst/>
-    <dgm:txLinClrLst/>
-    <dgm:txFillClrLst meth="repeat">
-      <a:schemeClr val="dk1"/>
-    </dgm:txFillClrLst>
-    <dgm:txEffectClrLst/>
-  </dgm:styleLbl>
-  <dgm:styleLbl name="solidAlignAcc1">
-    <dgm:fillClrLst meth="repeat">
-      <a:schemeClr val="lt1"/>
-    </dgm:fillClrLst>
-    <dgm:linClrLst meth="repeat">
-      <a:schemeClr val="accent1"/>
-    </dgm:linClrLst>
-    <dgm:effectClrLst/>
-    <dgm:txLinClrLst/>
-    <dgm:txFillClrLst meth="repeat">
-      <a:schemeClr val="dk1"/>
-    </dgm:txFillClrLst>
-    <dgm:txEffectClrLst/>
-  </dgm:styleLbl>
-  <dgm:styleLbl name="solidBgAcc1">
-    <dgm:fillClrLst meth="repeat">
-      <a:schemeClr val="lt1"/>
-    </dgm:fillClrLst>
-    <dgm:linClrLst meth="repeat">
-      <a:schemeClr val="accent1"/>
-    </dgm:linClrLst>
-    <dgm:effectClrLst/>
-    <dgm:txLinClrLst/>
-    <dgm:txFillClrLst meth="repeat">
-      <a:schemeClr val="dk1"/>
-    </dgm:txFillClrLst>
-    <dgm:txEffectClrLst/>
-  </dgm:styleLbl>
-  <dgm:styleLbl name="fgAccFollowNode1">
-    <dgm:fillClrLst meth="repeat">
-      <a:schemeClr val="accent1">
-        <a:alpha val="90000"/>
-        <a:tint val="40000"/>
-      </a:schemeClr>
-    </dgm:fillClrLst>
-    <dgm:linClrLst meth="repeat">
-      <a:schemeClr val="accent1">
-        <a:alpha val="90000"/>
-        <a:tint val="40000"/>
-      </a:schemeClr>
-    </dgm:linClrLst>
-    <dgm:effectClrLst/>
-    <dgm:txLinClrLst/>
-    <dgm:txFillClrLst meth="repeat">
-      <a:schemeClr val="dk1"/>
-    </dgm:txFillClrLst>
-    <dgm:txEffectClrLst/>
-  </dgm:styleLbl>
-  <dgm:styleLbl name="alignAccFollowNode1">
-    <dgm:fillClrLst meth="repeat">
-      <a:schemeClr val="accent1">
-        <a:alpha val="90000"/>
-        <a:tint val="40000"/>
-      </a:schemeClr>
-    </dgm:fillClrLst>
-    <dgm:linClrLst meth="repeat">
-      <a:schemeClr val="accent1">
-        <a:alpha val="90000"/>
-        <a:tint val="40000"/>
-      </a:schemeClr>
-    </dgm:linClrLst>
-    <dgm:effectClrLst/>
-    <dgm:txLinClrLst/>
-    <dgm:txFillClrLst meth="repeat">
-      <a:schemeClr val="dk1"/>
-    </dgm:txFillClrLst>
-    <dgm:txEffectClrLst/>
-  </dgm:styleLbl>
-  <dgm:styleLbl name="bgAccFollowNode1">
-    <dgm:fillClrLst meth="repeat">
-      <a:schemeClr val="accent1">
-        <a:alpha val="90000"/>
-        <a:tint val="40000"/>
-      </a:schemeClr>
-    </dgm:fillClrLst>
-    <dgm:linClrLst meth="repeat">
-      <a:schemeClr val="accent1">
-        <a:alpha val="90000"/>
-        <a:tint val="40000"/>
-      </a:schemeClr>
-    </dgm:linClrLst>
-    <dgm:effectClrLst/>
-    <dgm:txLinClrLst/>
-    <dgm:txFillClrLst meth="repeat">
-      <a:schemeClr val="dk1"/>
-    </dgm:txFillClrLst>
-    <dgm:txEffectClrLst/>
-  </dgm:styleLbl>
-  <dgm:styleLbl name="fgAcc0">
-    <dgm:fillClrLst meth="repeat">
-      <a:schemeClr val="lt1">
-        <a:alpha val="90000"/>
-      </a:schemeClr>
-    </dgm:fillClrLst>
-    <dgm:linClrLst meth="repeat">
-      <a:schemeClr val="accent1"/>
-    </dgm:linClrLst>
-    <dgm:effectClrLst/>
-    <dgm:txLinClrLst/>
-    <dgm:txFillClrLst meth="repeat">
-      <a:schemeClr val="dk1"/>
-    </dgm:txFillClrLst>
-    <dgm:txEffectClrLst/>
-  </dgm:styleLbl>
-  <dgm:styleLbl name="fgAcc2">
-    <dgm:fillClrLst meth="repeat">
-      <a:schemeClr val="lt1">
-        <a:alpha val="90000"/>
-      </a:schemeClr>
-    </dgm:fillClrLst>
-    <dgm:linClrLst meth="repeat">
-      <a:schemeClr val="accent1"/>
-    </dgm:linClrLst>
-    <dgm:effectClrLst/>
-    <dgm:txLinClrLst/>
-    <dgm:txFillClrLst meth="repeat">
-      <a:schemeClr val="dk1"/>
-    </dgm:txFillClrLst>
-    <dgm:txEffectClrLst/>
-  </dgm:styleLbl>
-  <dgm:styleLbl name="fgAcc3">
-    <dgm:fillClrLst meth="repeat">
-      <a:schemeClr val="lt1">
-        <a:alpha val="90000"/>
-      </a:schemeClr>
-    </dgm:fillClrLst>
-    <dgm:linClrLst meth="repeat">
-      <a:schemeClr val="accent1"/>
-    </dgm:linClrLst>
-    <dgm:effectClrLst/>
-    <dgm:txLinClrLst/>
-    <dgm:txFillClrLst meth="repeat">
-      <a:schemeClr val="dk1"/>
-    </dgm:txFillClrLst>
-    <dgm:txEffectClrLst/>
-  </dgm:styleLbl>
-  <dgm:styleLbl name="fgAcc4">
-    <dgm:fillClrLst meth="repeat">
-      <a:schemeClr val="lt1">
-        <a:alpha val="90000"/>
-      </a:schemeClr>
-    </dgm:fillClrLst>
-    <dgm:linClrLst meth="repeat">
-      <a:schemeClr val="accent1"/>
-    </dgm:linClrLst>
-    <dgm:effectClrLst/>
-    <dgm:txLinClrLst/>
-    <dgm:txFillClrLst meth="repeat">
-      <a:schemeClr val="dk1"/>
-    </dgm:txFillClrLst>
-    <dgm:txEffectClrLst/>
-  </dgm:styleLbl>
-  <dgm:styleLbl name="bgShp">
-    <dgm:fillClrLst meth="repeat">
-      <a:schemeClr val="accent1">
-        <a:tint val="40000"/>
-      </a:schemeClr>
-    </dgm:fillClrLst>
-    <dgm:linClrLst meth="repeat">
-      <a:schemeClr val="accent1"/>
-    </dgm:linClrLst>
-    <dgm:effectClrLst/>
-    <dgm:txLinClrLst/>
-    <dgm:txFillClrLst meth="repeat">
-      <a:schemeClr val="dk1"/>
-    </dgm:txFillClrLst>
-    <dgm:txEffectClrLst/>
-  </dgm:styleLbl>
-  <dgm:styleLbl name="dkBgShp">
-    <dgm:fillClrLst meth="repeat">
-      <a:schemeClr val="accent1">
-        <a:shade val="80000"/>
-      </a:schemeClr>
-    </dgm:fillClrLst>
-    <dgm:linClrLst meth="repeat">
-      <a:schemeClr val="accent1"/>
-    </dgm:linClrLst>
-    <dgm:effectClrLst/>
-    <dgm:txLinClrLst/>
-    <dgm:txFillClrLst meth="repeat">
-      <a:schemeClr val="lt1"/>
-    </dgm:txFillClrLst>
-    <dgm:txEffectClrLst/>
-  </dgm:styleLbl>
-  <dgm:styleLbl name="trBgShp">
-    <dgm:fillClrLst meth="repeat">
-      <a:schemeClr val="accent1">
-        <a:tint val="50000"/>
-        <a:alpha val="40000"/>
-      </a:schemeClr>
-    </dgm:fillClrLst>
-    <dgm:linClrLst meth="repeat">
-      <a:schemeClr val="accent1"/>
-    </dgm:linClrLst>
-    <dgm:effectClrLst/>
-    <dgm:txLinClrLst/>
-    <dgm:txFillClrLst meth="repeat">
-      <a:schemeClr val="lt1"/>
-    </dgm:txFillClrLst>
-    <dgm:txEffectClrLst/>
-  </dgm:styleLbl>
-  <dgm:styleLbl name="fgShp">
-    <dgm:fillClrLst meth="repeat">
-      <a:schemeClr val="accent1">
-        <a:tint val="60000"/>
-      </a:schemeClr>
-    </dgm:fillClrLst>
-    <dgm:linClrLst meth="repeat">
-      <a:schemeClr val="lt1"/>
-    </dgm:linClrLst>
-    <dgm:effectClrLst/>
-    <dgm:txLinClrLst/>
-    <dgm:txFillClrLst meth="repeat">
-      <a:schemeClr val="dk1"/>
-    </dgm:txFillClrLst>
-    <dgm:txEffectClrLst/>
-  </dgm:styleLbl>
-  <dgm:styleLbl name="revTx">
-    <dgm:fillClrLst meth="repeat">
-      <a:schemeClr val="lt1">
-        <a:alpha val="0"/>
-      </a:schemeClr>
-    </dgm:fillClrLst>
-    <dgm:linClrLst meth="repeat">
-      <a:schemeClr val="dk1">
-        <a:alpha val="0"/>
-      </a:schemeClr>
-    </dgm:linClrLst>
-    <dgm:effectClrLst/>
-    <dgm:txLinClrLst/>
-    <dgm:txFillClrLst meth="repeat">
-      <a:schemeClr val="tx1"/>
-    </dgm:txFillClrLst>
-    <dgm:txEffectClrLst/>
-  </dgm:styleLbl>
-</dgm:colorsDef>
-</file>
-
-<file path=ppt/diagrams/data1.xml><?xml version="1.0" encoding="utf-8"?>
-<dgm:dataModel xmlns:dgm="http://schemas.openxmlformats.org/drawingml/2006/diagram" xmlns:a="http://schemas.openxmlformats.org/drawingml/2006/main">
-  <dgm:ptLst>
-    <dgm:pt modelId="{51960F7B-ED9F-46B7-BF7C-34606BE9FC00}" type="doc">
-      <dgm:prSet loTypeId="urn:microsoft.com/office/officeart/2005/8/layout/process1" loCatId="process" qsTypeId="urn:microsoft.com/office/officeart/2005/8/quickstyle/simple1" qsCatId="simple" csTypeId="urn:microsoft.com/office/officeart/2005/8/colors/accent1_2" csCatId="accent1" phldr="1"/>
-      <dgm:spPr/>
-    </dgm:pt>
-    <dgm:pt modelId="{05C52C1A-F56D-482E-B26D-0CEE513D3318}">
-      <dgm:prSet phldrT="[Text]"/>
-      <dgm:spPr/>
-      <dgm:t>
-        <a:bodyPr/>
-        <a:lstStyle/>
-        <a:p>
-          <a:r>
-            <a:rPr lang="de-DE" dirty="0"/>
-            <a:t>Input</a:t>
-          </a:r>
-          <a:endParaRPr lang="en-DE" dirty="0"/>
-        </a:p>
-      </dgm:t>
-    </dgm:pt>
-    <dgm:pt modelId="{F8196684-7091-466E-BD17-576F19C984E6}" type="parTrans" cxnId="{4F978922-6465-433A-8F49-D50012C7E624}">
-      <dgm:prSet/>
-      <dgm:spPr/>
-      <dgm:t>
-        <a:bodyPr/>
-        <a:lstStyle/>
-        <a:p>
-          <a:endParaRPr lang="en-DE"/>
-        </a:p>
-      </dgm:t>
-    </dgm:pt>
-    <dgm:pt modelId="{F1C36DB0-9131-42FB-A1C9-15E7D86B26E9}" type="sibTrans" cxnId="{4F978922-6465-433A-8F49-D50012C7E624}">
-      <dgm:prSet/>
-      <dgm:spPr/>
-      <dgm:t>
-        <a:bodyPr/>
-        <a:lstStyle/>
-        <a:p>
-          <a:endParaRPr lang="en-DE"/>
-        </a:p>
-      </dgm:t>
-    </dgm:pt>
-    <dgm:pt modelId="{7A368404-F624-4CCC-864F-DA8EF1150350}">
-      <dgm:prSet phldrT="[Text]"/>
-      <dgm:spPr/>
-      <dgm:t>
-        <a:bodyPr/>
-        <a:lstStyle/>
-        <a:p>
-          <a:r>
-            <a:rPr lang="de-DE" dirty="0" err="1"/>
-            <a:t>Process</a:t>
-          </a:r>
-          <a:endParaRPr lang="en-DE" dirty="0"/>
-        </a:p>
-      </dgm:t>
-    </dgm:pt>
-    <dgm:pt modelId="{BDD988A1-EEE2-45EB-A9EB-5561CF81587C}" type="parTrans" cxnId="{A0AA460F-D570-449D-B017-7D14B2C26928}">
-      <dgm:prSet/>
-      <dgm:spPr/>
-      <dgm:t>
-        <a:bodyPr/>
-        <a:lstStyle/>
-        <a:p>
-          <a:endParaRPr lang="en-DE"/>
-        </a:p>
-      </dgm:t>
-    </dgm:pt>
-    <dgm:pt modelId="{48378732-8821-4BA5-9776-3A255BEE747A}" type="sibTrans" cxnId="{A0AA460F-D570-449D-B017-7D14B2C26928}">
-      <dgm:prSet/>
-      <dgm:spPr/>
-      <dgm:t>
-        <a:bodyPr/>
-        <a:lstStyle/>
-        <a:p>
-          <a:endParaRPr lang="en-DE"/>
-        </a:p>
-      </dgm:t>
-    </dgm:pt>
-    <dgm:pt modelId="{84096A68-0DD4-41B2-A8BF-F69B98F965E7}">
-      <dgm:prSet phldrT="[Text]"/>
-      <dgm:spPr/>
-      <dgm:t>
-        <a:bodyPr/>
-        <a:lstStyle/>
-        <a:p>
-          <a:r>
-            <a:rPr lang="de-DE" dirty="0"/>
-            <a:t>Output</a:t>
-          </a:r>
-          <a:endParaRPr lang="en-DE" dirty="0"/>
-        </a:p>
-      </dgm:t>
-    </dgm:pt>
-    <dgm:pt modelId="{6C209F3C-937A-467B-94D5-DDCD3DC2E4CB}" type="parTrans" cxnId="{580C260E-D04B-461D-8CA7-0DE9608DD476}">
-      <dgm:prSet/>
-      <dgm:spPr/>
-      <dgm:t>
-        <a:bodyPr/>
-        <a:lstStyle/>
-        <a:p>
-          <a:endParaRPr lang="en-DE"/>
-        </a:p>
-      </dgm:t>
-    </dgm:pt>
-    <dgm:pt modelId="{BAB2C1CA-DFF0-453C-93A1-49CA161A2517}" type="sibTrans" cxnId="{580C260E-D04B-461D-8CA7-0DE9608DD476}">
-      <dgm:prSet/>
-      <dgm:spPr/>
-      <dgm:t>
-        <a:bodyPr/>
-        <a:lstStyle/>
-        <a:p>
-          <a:endParaRPr lang="en-DE"/>
-        </a:p>
-      </dgm:t>
-    </dgm:pt>
-    <dgm:pt modelId="{CED59912-0999-4366-BDF6-F23E9D09F5EF}" type="pres">
-      <dgm:prSet presAssocID="{51960F7B-ED9F-46B7-BF7C-34606BE9FC00}" presName="Name0" presStyleCnt="0">
-        <dgm:presLayoutVars>
-          <dgm:dir/>
-          <dgm:resizeHandles val="exact"/>
-        </dgm:presLayoutVars>
-      </dgm:prSet>
-      <dgm:spPr/>
-    </dgm:pt>
-    <dgm:pt modelId="{8791D3AA-6045-45C1-9712-D5981A55D9DC}" type="pres">
-      <dgm:prSet presAssocID="{05C52C1A-F56D-482E-B26D-0CEE513D3318}" presName="node" presStyleLbl="node1" presStyleIdx="0" presStyleCnt="3">
-        <dgm:presLayoutVars>
-          <dgm:bulletEnabled val="1"/>
-        </dgm:presLayoutVars>
-      </dgm:prSet>
-      <dgm:spPr/>
-    </dgm:pt>
-    <dgm:pt modelId="{FC0FF44F-BAF2-46EC-B96D-C9E69C8DA446}" type="pres">
-      <dgm:prSet presAssocID="{F1C36DB0-9131-42FB-A1C9-15E7D86B26E9}" presName="sibTrans" presStyleLbl="sibTrans2D1" presStyleIdx="0" presStyleCnt="2"/>
-      <dgm:spPr/>
-    </dgm:pt>
-    <dgm:pt modelId="{7CFDDBB2-AD8D-4364-9728-672337D45F79}" type="pres">
-      <dgm:prSet presAssocID="{F1C36DB0-9131-42FB-A1C9-15E7D86B26E9}" presName="connectorText" presStyleLbl="sibTrans2D1" presStyleIdx="0" presStyleCnt="2"/>
-      <dgm:spPr/>
-    </dgm:pt>
-    <dgm:pt modelId="{56EB8DE6-1729-4CED-9787-B7E03E898E1D}" type="pres">
-      <dgm:prSet presAssocID="{7A368404-F624-4CCC-864F-DA8EF1150350}" presName="node" presStyleLbl="node1" presStyleIdx="1" presStyleCnt="3">
-        <dgm:presLayoutVars>
-          <dgm:bulletEnabled val="1"/>
-        </dgm:presLayoutVars>
-      </dgm:prSet>
-      <dgm:spPr/>
-    </dgm:pt>
-    <dgm:pt modelId="{AAC78434-87BD-492D-81BC-A3973FBED6F5}" type="pres">
-      <dgm:prSet presAssocID="{48378732-8821-4BA5-9776-3A255BEE747A}" presName="sibTrans" presStyleLbl="sibTrans2D1" presStyleIdx="1" presStyleCnt="2"/>
-      <dgm:spPr/>
-    </dgm:pt>
-    <dgm:pt modelId="{E1F0F431-2C07-4569-A6DB-1D6E8186C076}" type="pres">
-      <dgm:prSet presAssocID="{48378732-8821-4BA5-9776-3A255BEE747A}" presName="connectorText" presStyleLbl="sibTrans2D1" presStyleIdx="1" presStyleCnt="2"/>
-      <dgm:spPr/>
-    </dgm:pt>
-    <dgm:pt modelId="{335E7403-D358-484D-AF22-9333E49D555D}" type="pres">
-      <dgm:prSet presAssocID="{84096A68-0DD4-41B2-A8BF-F69B98F965E7}" presName="node" presStyleLbl="node1" presStyleIdx="2" presStyleCnt="3">
-        <dgm:presLayoutVars>
-          <dgm:bulletEnabled val="1"/>
-        </dgm:presLayoutVars>
-      </dgm:prSet>
-      <dgm:spPr/>
-    </dgm:pt>
-  </dgm:ptLst>
-  <dgm:cxnLst>
-    <dgm:cxn modelId="{580C260E-D04B-461D-8CA7-0DE9608DD476}" srcId="{51960F7B-ED9F-46B7-BF7C-34606BE9FC00}" destId="{84096A68-0DD4-41B2-A8BF-F69B98F965E7}" srcOrd="2" destOrd="0" parTransId="{6C209F3C-937A-467B-94D5-DDCD3DC2E4CB}" sibTransId="{BAB2C1CA-DFF0-453C-93A1-49CA161A2517}"/>
-    <dgm:cxn modelId="{A0AA460F-D570-449D-B017-7D14B2C26928}" srcId="{51960F7B-ED9F-46B7-BF7C-34606BE9FC00}" destId="{7A368404-F624-4CCC-864F-DA8EF1150350}" srcOrd="1" destOrd="0" parTransId="{BDD988A1-EEE2-45EB-A9EB-5561CF81587C}" sibTransId="{48378732-8821-4BA5-9776-3A255BEE747A}"/>
-    <dgm:cxn modelId="{4F978922-6465-433A-8F49-D50012C7E624}" srcId="{51960F7B-ED9F-46B7-BF7C-34606BE9FC00}" destId="{05C52C1A-F56D-482E-B26D-0CEE513D3318}" srcOrd="0" destOrd="0" parTransId="{F8196684-7091-466E-BD17-576F19C984E6}" sibTransId="{F1C36DB0-9131-42FB-A1C9-15E7D86B26E9}"/>
-    <dgm:cxn modelId="{48FEA062-5770-4599-866F-A36A852E40F8}" type="presOf" srcId="{51960F7B-ED9F-46B7-BF7C-34606BE9FC00}" destId="{CED59912-0999-4366-BDF6-F23E9D09F5EF}" srcOrd="0" destOrd="0" presId="urn:microsoft.com/office/officeart/2005/8/layout/process1"/>
-    <dgm:cxn modelId="{E2B90247-43AC-40AF-AA2A-E18E9B0ADC76}" type="presOf" srcId="{7A368404-F624-4CCC-864F-DA8EF1150350}" destId="{56EB8DE6-1729-4CED-9787-B7E03E898E1D}" srcOrd="0" destOrd="0" presId="urn:microsoft.com/office/officeart/2005/8/layout/process1"/>
-    <dgm:cxn modelId="{1B538E87-89F2-4BBC-AA9B-BEA81E3E8439}" type="presOf" srcId="{F1C36DB0-9131-42FB-A1C9-15E7D86B26E9}" destId="{7CFDDBB2-AD8D-4364-9728-672337D45F79}" srcOrd="1" destOrd="0" presId="urn:microsoft.com/office/officeart/2005/8/layout/process1"/>
-    <dgm:cxn modelId="{E1A39788-9AEE-4813-85FE-A1EBD55624C0}" type="presOf" srcId="{48378732-8821-4BA5-9776-3A255BEE747A}" destId="{E1F0F431-2C07-4569-A6DB-1D6E8186C076}" srcOrd="1" destOrd="0" presId="urn:microsoft.com/office/officeart/2005/8/layout/process1"/>
-    <dgm:cxn modelId="{FC0E9395-A325-48C1-A1FE-A22884EDFFB2}" type="presOf" srcId="{F1C36DB0-9131-42FB-A1C9-15E7D86B26E9}" destId="{FC0FF44F-BAF2-46EC-B96D-C9E69C8DA446}" srcOrd="0" destOrd="0" presId="urn:microsoft.com/office/officeart/2005/8/layout/process1"/>
-    <dgm:cxn modelId="{0011A096-4B8A-43CF-8F87-A3995284DA88}" type="presOf" srcId="{84096A68-0DD4-41B2-A8BF-F69B98F965E7}" destId="{335E7403-D358-484D-AF22-9333E49D555D}" srcOrd="0" destOrd="0" presId="urn:microsoft.com/office/officeart/2005/8/layout/process1"/>
-    <dgm:cxn modelId="{C05D01F4-AA80-47EF-BE64-5AABC36FECB2}" type="presOf" srcId="{05C52C1A-F56D-482E-B26D-0CEE513D3318}" destId="{8791D3AA-6045-45C1-9712-D5981A55D9DC}" srcOrd="0" destOrd="0" presId="urn:microsoft.com/office/officeart/2005/8/layout/process1"/>
-    <dgm:cxn modelId="{8B72AAF9-6E5C-4529-9CED-56EAAB9DD612}" type="presOf" srcId="{48378732-8821-4BA5-9776-3A255BEE747A}" destId="{AAC78434-87BD-492D-81BC-A3973FBED6F5}" srcOrd="0" destOrd="0" presId="urn:microsoft.com/office/officeart/2005/8/layout/process1"/>
-    <dgm:cxn modelId="{D65E5B22-7830-4346-966D-263609A6F228}" type="presParOf" srcId="{CED59912-0999-4366-BDF6-F23E9D09F5EF}" destId="{8791D3AA-6045-45C1-9712-D5981A55D9DC}" srcOrd="0" destOrd="0" presId="urn:microsoft.com/office/officeart/2005/8/layout/process1"/>
-    <dgm:cxn modelId="{49C0200C-856E-4A52-919C-D5848F437467}" type="presParOf" srcId="{CED59912-0999-4366-BDF6-F23E9D09F5EF}" destId="{FC0FF44F-BAF2-46EC-B96D-C9E69C8DA446}" srcOrd="1" destOrd="0" presId="urn:microsoft.com/office/officeart/2005/8/layout/process1"/>
-    <dgm:cxn modelId="{6ABF04BA-87B8-4D38-A01B-C4A8B6751C1A}" type="presParOf" srcId="{FC0FF44F-BAF2-46EC-B96D-C9E69C8DA446}" destId="{7CFDDBB2-AD8D-4364-9728-672337D45F79}" srcOrd="0" destOrd="0" presId="urn:microsoft.com/office/officeart/2005/8/layout/process1"/>
-    <dgm:cxn modelId="{9501963E-241F-450E-8C7D-CEED76089F3B}" type="presParOf" srcId="{CED59912-0999-4366-BDF6-F23E9D09F5EF}" destId="{56EB8DE6-1729-4CED-9787-B7E03E898E1D}" srcOrd="2" destOrd="0" presId="urn:microsoft.com/office/officeart/2005/8/layout/process1"/>
-    <dgm:cxn modelId="{48002717-531A-4386-8D7F-690A63E591FE}" type="presParOf" srcId="{CED59912-0999-4366-BDF6-F23E9D09F5EF}" destId="{AAC78434-87BD-492D-81BC-A3973FBED6F5}" srcOrd="3" destOrd="0" presId="urn:microsoft.com/office/officeart/2005/8/layout/process1"/>
-    <dgm:cxn modelId="{95D109BD-97A9-4208-B2F1-568DD038F12E}" type="presParOf" srcId="{AAC78434-87BD-492D-81BC-A3973FBED6F5}" destId="{E1F0F431-2C07-4569-A6DB-1D6E8186C076}" srcOrd="0" destOrd="0" presId="urn:microsoft.com/office/officeart/2005/8/layout/process1"/>
-    <dgm:cxn modelId="{83C92AB9-4DF5-4EEA-B94B-F5F24533106C}" type="presParOf" srcId="{CED59912-0999-4366-BDF6-F23E9D09F5EF}" destId="{335E7403-D358-484D-AF22-9333E49D555D}" srcOrd="4" destOrd="0" presId="urn:microsoft.com/office/officeart/2005/8/layout/process1"/>
-  </dgm:cxnLst>
-  <dgm:bg/>
-  <dgm:whole/>
-  <dgm:extLst>
-    <a:ext uri="http://schemas.microsoft.com/office/drawing/2008/diagram">
-      <dsp:dataModelExt xmlns:dsp="http://schemas.microsoft.com/office/drawing/2008/diagram" relId="rId6" minVer="http://schemas.openxmlformats.org/drawingml/2006/diagram"/>
-    </a:ext>
-  </dgm:extLst>
-</dgm:dataModel>
-</file>
-
-<file path=ppt/diagrams/drawing1.xml><?xml version="1.0" encoding="utf-8"?>
-<dsp:drawing xmlns:dgm="http://schemas.openxmlformats.org/drawingml/2006/diagram" xmlns:dsp="http://schemas.microsoft.com/office/drawing/2008/diagram" xmlns:a="http://schemas.openxmlformats.org/drawingml/2006/main">
-  <dsp:spTree>
-    <dsp:nvGrpSpPr>
-      <dsp:cNvPr id="0" name=""/>
-      <dsp:cNvGrpSpPr/>
-    </dsp:nvGrpSpPr>
-    <dsp:grpSpPr/>
-    <dsp:sp modelId="{8791D3AA-6045-45C1-9712-D5981A55D9DC}">
-      <dsp:nvSpPr>
-        <dsp:cNvPr id="0" name=""/>
-        <dsp:cNvSpPr/>
-      </dsp:nvSpPr>
-      <dsp:spPr>
-        <a:xfrm>
-          <a:off x="9242" y="1835105"/>
-          <a:ext cx="2762398" cy="1657439"/>
-        </a:xfrm>
-        <a:prstGeom prst="roundRect">
-          <a:avLst>
-            <a:gd name="adj" fmla="val 10000"/>
-          </a:avLst>
-        </a:prstGeom>
-        <a:solidFill>
-          <a:schemeClr val="accent1">
-            <a:hueOff val="0"/>
-            <a:satOff val="0"/>
-            <a:lumOff val="0"/>
-            <a:alphaOff val="0"/>
-          </a:schemeClr>
-        </a:solidFill>
-        <a:ln w="12700" cap="flat" cmpd="sng" algn="ctr">
-          <a:solidFill>
-            <a:schemeClr val="lt1">
-              <a:hueOff val="0"/>
-              <a:satOff val="0"/>
-              <a:lumOff val="0"/>
-              <a:alphaOff val="0"/>
-            </a:schemeClr>
-          </a:solidFill>
-          <a:prstDash val="solid"/>
-          <a:miter lim="800000"/>
-        </a:ln>
-        <a:effectLst/>
-      </dsp:spPr>
-      <dsp:style>
-        <a:lnRef idx="2">
-          <a:scrgbClr r="0" g="0" b="0"/>
-        </a:lnRef>
-        <a:fillRef idx="1">
-          <a:scrgbClr r="0" g="0" b="0"/>
-        </a:fillRef>
-        <a:effectRef idx="0">
-          <a:scrgbClr r="0" g="0" b="0"/>
-        </a:effectRef>
-        <a:fontRef idx="minor">
-          <a:schemeClr val="lt1"/>
-        </a:fontRef>
-      </dsp:style>
-      <dsp:txBody>
-        <a:bodyPr spcFirstLastPara="0" vert="horz" wrap="square" lIns="201930" tIns="201930" rIns="201930" bIns="201930" numCol="1" spcCol="1270" anchor="ctr" anchorCtr="0">
-          <a:noAutofit/>
-        </a:bodyPr>
-        <a:lstStyle/>
-        <a:p>
-          <a:pPr marL="0" lvl="0" indent="0" algn="ctr" defTabSz="2355850">
-            <a:lnSpc>
-              <a:spcPct val="90000"/>
-            </a:lnSpc>
-            <a:spcBef>
-              <a:spcPct val="0"/>
-            </a:spcBef>
-            <a:spcAft>
-              <a:spcPct val="35000"/>
-            </a:spcAft>
-            <a:buNone/>
-          </a:pPr>
-          <a:r>
-            <a:rPr lang="de-DE" sz="5300" kern="1200" dirty="0"/>
-            <a:t>Input</a:t>
-          </a:r>
-          <a:endParaRPr lang="en-DE" sz="5300" kern="1200" dirty="0"/>
-        </a:p>
-      </dsp:txBody>
-      <dsp:txXfrm>
-        <a:off x="57787" y="1883650"/>
-        <a:ext cx="2665308" cy="1560349"/>
-      </dsp:txXfrm>
-    </dsp:sp>
-    <dsp:sp modelId="{FC0FF44F-BAF2-46EC-B96D-C9E69C8DA446}">
-      <dsp:nvSpPr>
-        <dsp:cNvPr id="0" name=""/>
-        <dsp:cNvSpPr/>
-      </dsp:nvSpPr>
-      <dsp:spPr>
-        <a:xfrm>
-          <a:off x="3047880" y="2321287"/>
-          <a:ext cx="585628" cy="685074"/>
-        </a:xfrm>
-        <a:prstGeom prst="rightArrow">
-          <a:avLst>
-            <a:gd name="adj1" fmla="val 60000"/>
-            <a:gd name="adj2" fmla="val 50000"/>
-          </a:avLst>
-        </a:prstGeom>
-        <a:solidFill>
-          <a:schemeClr val="accent1">
-            <a:tint val="60000"/>
-            <a:hueOff val="0"/>
-            <a:satOff val="0"/>
-            <a:lumOff val="0"/>
-            <a:alphaOff val="0"/>
-          </a:schemeClr>
-        </a:solidFill>
-        <a:ln>
-          <a:noFill/>
-        </a:ln>
-        <a:effectLst/>
-      </dsp:spPr>
-      <dsp:style>
-        <a:lnRef idx="0">
-          <a:scrgbClr r="0" g="0" b="0"/>
-        </a:lnRef>
-        <a:fillRef idx="1">
-          <a:scrgbClr r="0" g="0" b="0"/>
-        </a:fillRef>
-        <a:effectRef idx="0">
-          <a:scrgbClr r="0" g="0" b="0"/>
-        </a:effectRef>
-        <a:fontRef idx="minor">
-          <a:schemeClr val="lt1"/>
-        </a:fontRef>
-      </dsp:style>
-      <dsp:txBody>
-        <a:bodyPr spcFirstLastPara="0" vert="horz" wrap="square" lIns="0" tIns="0" rIns="0" bIns="0" numCol="1" spcCol="1270" anchor="ctr" anchorCtr="0">
-          <a:noAutofit/>
-        </a:bodyPr>
-        <a:lstStyle/>
-        <a:p>
-          <a:pPr marL="0" lvl="0" indent="0" algn="ctr" defTabSz="1200150">
-            <a:lnSpc>
-              <a:spcPct val="90000"/>
-            </a:lnSpc>
-            <a:spcBef>
-              <a:spcPct val="0"/>
-            </a:spcBef>
-            <a:spcAft>
-              <a:spcPct val="35000"/>
-            </a:spcAft>
-            <a:buNone/>
-          </a:pPr>
-          <a:endParaRPr lang="en-DE" sz="2700" kern="1200"/>
-        </a:p>
-      </dsp:txBody>
-      <dsp:txXfrm>
-        <a:off x="3047880" y="2458302"/>
-        <a:ext cx="409940" cy="411044"/>
-      </dsp:txXfrm>
-    </dsp:sp>
-    <dsp:sp modelId="{56EB8DE6-1729-4CED-9787-B7E03E898E1D}">
-      <dsp:nvSpPr>
-        <dsp:cNvPr id="0" name=""/>
-        <dsp:cNvSpPr/>
-      </dsp:nvSpPr>
-      <dsp:spPr>
-        <a:xfrm>
-          <a:off x="3876600" y="1835105"/>
-          <a:ext cx="2762398" cy="1657439"/>
-        </a:xfrm>
-        <a:prstGeom prst="roundRect">
-          <a:avLst>
-            <a:gd name="adj" fmla="val 10000"/>
-          </a:avLst>
-        </a:prstGeom>
-        <a:solidFill>
-          <a:schemeClr val="accent1">
-            <a:hueOff val="0"/>
-            <a:satOff val="0"/>
-            <a:lumOff val="0"/>
-            <a:alphaOff val="0"/>
-          </a:schemeClr>
-        </a:solidFill>
-        <a:ln w="12700" cap="flat" cmpd="sng" algn="ctr">
-          <a:solidFill>
-            <a:schemeClr val="lt1">
-              <a:hueOff val="0"/>
-              <a:satOff val="0"/>
-              <a:lumOff val="0"/>
-              <a:alphaOff val="0"/>
-            </a:schemeClr>
-          </a:solidFill>
-          <a:prstDash val="solid"/>
-          <a:miter lim="800000"/>
-        </a:ln>
-        <a:effectLst/>
-      </dsp:spPr>
-      <dsp:style>
-        <a:lnRef idx="2">
-          <a:scrgbClr r="0" g="0" b="0"/>
-        </a:lnRef>
-        <a:fillRef idx="1">
-          <a:scrgbClr r="0" g="0" b="0"/>
-        </a:fillRef>
-        <a:effectRef idx="0">
-          <a:scrgbClr r="0" g="0" b="0"/>
-        </a:effectRef>
-        <a:fontRef idx="minor">
-          <a:schemeClr val="lt1"/>
-        </a:fontRef>
-      </dsp:style>
-      <dsp:txBody>
-        <a:bodyPr spcFirstLastPara="0" vert="horz" wrap="square" lIns="201930" tIns="201930" rIns="201930" bIns="201930" numCol="1" spcCol="1270" anchor="ctr" anchorCtr="0">
-          <a:noAutofit/>
-        </a:bodyPr>
-        <a:lstStyle/>
-        <a:p>
-          <a:pPr marL="0" lvl="0" indent="0" algn="ctr" defTabSz="2355850">
-            <a:lnSpc>
-              <a:spcPct val="90000"/>
-            </a:lnSpc>
-            <a:spcBef>
-              <a:spcPct val="0"/>
-            </a:spcBef>
-            <a:spcAft>
-              <a:spcPct val="35000"/>
-            </a:spcAft>
-            <a:buNone/>
-          </a:pPr>
-          <a:r>
-            <a:rPr lang="de-DE" sz="5300" kern="1200" dirty="0" err="1"/>
-            <a:t>Process</a:t>
-          </a:r>
-          <a:endParaRPr lang="en-DE" sz="5300" kern="1200" dirty="0"/>
-        </a:p>
-      </dsp:txBody>
-      <dsp:txXfrm>
-        <a:off x="3925145" y="1883650"/>
-        <a:ext cx="2665308" cy="1560349"/>
-      </dsp:txXfrm>
-    </dsp:sp>
-    <dsp:sp modelId="{AAC78434-87BD-492D-81BC-A3973FBED6F5}">
-      <dsp:nvSpPr>
-        <dsp:cNvPr id="0" name=""/>
-        <dsp:cNvSpPr/>
-      </dsp:nvSpPr>
-      <dsp:spPr>
-        <a:xfrm>
-          <a:off x="6915239" y="2321287"/>
-          <a:ext cx="585628" cy="685074"/>
-        </a:xfrm>
-        <a:prstGeom prst="rightArrow">
-          <a:avLst>
-            <a:gd name="adj1" fmla="val 60000"/>
-            <a:gd name="adj2" fmla="val 50000"/>
-          </a:avLst>
-        </a:prstGeom>
-        <a:solidFill>
-          <a:schemeClr val="accent1">
-            <a:tint val="60000"/>
-            <a:hueOff val="0"/>
-            <a:satOff val="0"/>
-            <a:lumOff val="0"/>
-            <a:alphaOff val="0"/>
-          </a:schemeClr>
-        </a:solidFill>
-        <a:ln>
-          <a:noFill/>
-        </a:ln>
-        <a:effectLst/>
-      </dsp:spPr>
-      <dsp:style>
-        <a:lnRef idx="0">
-          <a:scrgbClr r="0" g="0" b="0"/>
-        </a:lnRef>
-        <a:fillRef idx="1">
-          <a:scrgbClr r="0" g="0" b="0"/>
-        </a:fillRef>
-        <a:effectRef idx="0">
-          <a:scrgbClr r="0" g="0" b="0"/>
-        </a:effectRef>
-        <a:fontRef idx="minor">
-          <a:schemeClr val="lt1"/>
-        </a:fontRef>
-      </dsp:style>
-      <dsp:txBody>
-        <a:bodyPr spcFirstLastPara="0" vert="horz" wrap="square" lIns="0" tIns="0" rIns="0" bIns="0" numCol="1" spcCol="1270" anchor="ctr" anchorCtr="0">
-          <a:noAutofit/>
-        </a:bodyPr>
-        <a:lstStyle/>
-        <a:p>
-          <a:pPr marL="0" lvl="0" indent="0" algn="ctr" defTabSz="1200150">
-            <a:lnSpc>
-              <a:spcPct val="90000"/>
-            </a:lnSpc>
-            <a:spcBef>
-              <a:spcPct val="0"/>
-            </a:spcBef>
-            <a:spcAft>
-              <a:spcPct val="35000"/>
-            </a:spcAft>
-            <a:buNone/>
-          </a:pPr>
-          <a:endParaRPr lang="en-DE" sz="2700" kern="1200"/>
-        </a:p>
-      </dsp:txBody>
-      <dsp:txXfrm>
-        <a:off x="6915239" y="2458302"/>
-        <a:ext cx="409940" cy="411044"/>
-      </dsp:txXfrm>
-    </dsp:sp>
-    <dsp:sp modelId="{335E7403-D358-484D-AF22-9333E49D555D}">
-      <dsp:nvSpPr>
-        <dsp:cNvPr id="0" name=""/>
-        <dsp:cNvSpPr/>
-      </dsp:nvSpPr>
-      <dsp:spPr>
-        <a:xfrm>
-          <a:off x="7743958" y="1835105"/>
-          <a:ext cx="2762398" cy="1657439"/>
-        </a:xfrm>
-        <a:prstGeom prst="roundRect">
-          <a:avLst>
-            <a:gd name="adj" fmla="val 10000"/>
-          </a:avLst>
-        </a:prstGeom>
-        <a:solidFill>
-          <a:schemeClr val="accent1">
-            <a:hueOff val="0"/>
-            <a:satOff val="0"/>
-            <a:lumOff val="0"/>
-            <a:alphaOff val="0"/>
-          </a:schemeClr>
-        </a:solidFill>
-        <a:ln w="12700" cap="flat" cmpd="sng" algn="ctr">
-          <a:solidFill>
-            <a:schemeClr val="lt1">
-              <a:hueOff val="0"/>
-              <a:satOff val="0"/>
-              <a:lumOff val="0"/>
-              <a:alphaOff val="0"/>
-            </a:schemeClr>
-          </a:solidFill>
-          <a:prstDash val="solid"/>
-          <a:miter lim="800000"/>
-        </a:ln>
-        <a:effectLst/>
-      </dsp:spPr>
-      <dsp:style>
-        <a:lnRef idx="2">
-          <a:scrgbClr r="0" g="0" b="0"/>
-        </a:lnRef>
-        <a:fillRef idx="1">
-          <a:scrgbClr r="0" g="0" b="0"/>
-        </a:fillRef>
-        <a:effectRef idx="0">
-          <a:scrgbClr r="0" g="0" b="0"/>
-        </a:effectRef>
-        <a:fontRef idx="minor">
-          <a:schemeClr val="lt1"/>
-        </a:fontRef>
-      </dsp:style>
-      <dsp:txBody>
-        <a:bodyPr spcFirstLastPara="0" vert="horz" wrap="square" lIns="201930" tIns="201930" rIns="201930" bIns="201930" numCol="1" spcCol="1270" anchor="ctr" anchorCtr="0">
-          <a:noAutofit/>
-        </a:bodyPr>
-        <a:lstStyle/>
-        <a:p>
-          <a:pPr marL="0" lvl="0" indent="0" algn="ctr" defTabSz="2355850">
-            <a:lnSpc>
-              <a:spcPct val="90000"/>
-            </a:lnSpc>
-            <a:spcBef>
-              <a:spcPct val="0"/>
-            </a:spcBef>
-            <a:spcAft>
-              <a:spcPct val="35000"/>
-            </a:spcAft>
-            <a:buNone/>
-          </a:pPr>
-          <a:r>
-            <a:rPr lang="de-DE" sz="5300" kern="1200" dirty="0"/>
-            <a:t>Output</a:t>
-          </a:r>
-          <a:endParaRPr lang="en-DE" sz="5300" kern="1200" dirty="0"/>
-        </a:p>
-      </dsp:txBody>
-      <dsp:txXfrm>
-        <a:off x="7792503" y="1883650"/>
-        <a:ext cx="2665308" cy="1560349"/>
-      </dsp:txXfrm>
-    </dsp:sp>
-  </dsp:spTree>
-</dsp:drawing>
-</file>
-
-<file path=ppt/diagrams/layout1.xml><?xml version="1.0" encoding="utf-8"?>
-<dgm:layoutDef xmlns:dgm="http://schemas.openxmlformats.org/drawingml/2006/diagram" xmlns:a="http://schemas.openxmlformats.org/drawingml/2006/main" uniqueId="urn:microsoft.com/office/officeart/2005/8/layout/process1">
-  <dgm:title val=""/>
-  <dgm:desc val=""/>
-  <dgm:catLst>
-    <dgm:cat type="process" pri="1000"/>
-    <dgm:cat type="convert" pri="15000"/>
-  </dgm:catLst>
-  <dgm:sampData useDef="1">
-    <dgm:dataModel>
-      <dgm:ptLst/>
-      <dgm:bg/>
-      <dgm:whole/>
-    </dgm:dataModel>
-  </dgm:sampData>
-  <dgm:styleData>
-    <dgm:dataModel>
-      <dgm:ptLst>
-        <dgm:pt modelId="0" type="doc"/>
-        <dgm:pt modelId="1"/>
-        <dgm:pt modelId="2"/>
-      </dgm:ptLst>
-      <dgm:cxnLst>
-        <dgm:cxn modelId="3" srcId="0" destId="1" srcOrd="0" destOrd="0"/>
-        <dgm:cxn modelId="4" srcId="0" destId="2" srcOrd="1" destOrd="0"/>
-      </dgm:cxnLst>
-      <dgm:bg/>
-      <dgm:whole/>
-    </dgm:dataModel>
-  </dgm:styleData>
-  <dgm:clrData>
-    <dgm:dataModel>
-      <dgm:ptLst>
-        <dgm:pt modelId="0" type="doc"/>
-        <dgm:pt modelId="1"/>
-        <dgm:pt modelId="2"/>
-        <dgm:pt modelId="3"/>
-        <dgm:pt modelId="4"/>
-      </dgm:ptLst>
-      <dgm:cxnLst>
-        <dgm:cxn modelId="5" srcId="0" destId="1" srcOrd="0" destOrd="0"/>
-        <dgm:cxn modelId="6" srcId="0" destId="2" srcOrd="1" destOrd="0"/>
-        <dgm:cxn modelId="7" srcId="0" destId="3" srcOrd="2" destOrd="0"/>
-        <dgm:cxn modelId="8" srcId="0" destId="4" srcOrd="3" destOrd="0"/>
-      </dgm:cxnLst>
-      <dgm:bg/>
-      <dgm:whole/>
-    </dgm:dataModel>
-  </dgm:clrData>
-  <dgm:layoutNode name="Name0">
-    <dgm:varLst>
-      <dgm:dir/>
-      <dgm:resizeHandles val="exact"/>
-    </dgm:varLst>
-    <dgm:choose name="Name1">
-      <dgm:if name="Name2" func="var" arg="dir" op="equ" val="norm">
-        <dgm:alg type="lin"/>
-      </dgm:if>
-      <dgm:else name="Name3">
-        <dgm:alg type="lin">
-          <dgm:param type="linDir" val="fromR"/>
-        </dgm:alg>
-      </dgm:else>
-    </dgm:choose>
-    <dgm:shape xmlns:r="http://schemas.openxmlformats.org/officeDocument/2006/relationships" r:blip="">
-      <dgm:adjLst/>
-    </dgm:shape>
-    <dgm:presOf/>
-    <dgm:constrLst>
-      <dgm:constr type="w" for="ch" ptType="node" refType="w"/>
-      <dgm:constr type="h" for="ch" ptType="node" op="equ"/>
-      <dgm:constr type="primFontSz" for="ch" ptType="node" op="equ" val="65"/>
-      <dgm:constr type="w" for="ch" ptType="sibTrans" refType="w" refFor="ch" refPtType="node" op="equ" fact="0.4"/>
-      <dgm:constr type="h" for="ch" ptType="sibTrans" op="equ"/>
-      <dgm:constr type="primFontSz" for="des" forName="connectorText" op="equ" val="55"/>
-      <dgm:constr type="primFontSz" for="des" forName="connectorText" refType="primFontSz" refFor="ch" refPtType="node" op="lte" fact="0.8"/>
-    </dgm:constrLst>
-    <dgm:ruleLst/>
-    <dgm:forEach name="nodesForEach" axis="ch" ptType="node">
-      <dgm:layoutNode name="node">
-        <dgm:varLst>
-          <dgm:bulletEnabled val="1"/>
-        </dgm:varLst>
-        <dgm:alg type="tx"/>
-        <dgm:shape xmlns:r="http://schemas.openxmlformats.org/officeDocument/2006/relationships" type="roundRect" r:blip="">
-          <dgm:adjLst>
-            <dgm:adj idx="1" val="0.1"/>
-          </dgm:adjLst>
-        </dgm:shape>
-        <dgm:presOf axis="desOrSelf" ptType="node"/>
-        <dgm:constrLst>
-          <dgm:constr type="h" refType="w" fact="0.6"/>
-          <dgm:constr type="tMarg" refType="primFontSz" fact="0.3"/>
-          <dgm:constr type="bMarg" refType="primFontSz" fact="0.3"/>
-          <dgm:constr type="lMarg" refType="primFontSz" fact="0.3"/>
-          <dgm:constr type="rMarg" refType="primFontSz" fact="0.3"/>
-        </dgm:constrLst>
-        <dgm:ruleLst>
-          <dgm:rule type="primFontSz" val="18" fact="NaN" max="NaN"/>
-          <dgm:rule type="h" val="NaN" fact="1.5" max="NaN"/>
-          <dgm:rule type="primFontSz" val="5" fact="NaN" max="NaN"/>
-          <dgm:rule type="h" val="INF" fact="NaN" max="NaN"/>
-        </dgm:ruleLst>
-      </dgm:layoutNode>
-      <dgm:forEach name="sibTransForEach" axis="followSib" ptType="sibTrans" cnt="1">
-        <dgm:layoutNode name="sibTrans">
-          <dgm:alg type="conn">
-            <dgm:param type="begPts" val="auto"/>
-            <dgm:param type="endPts" val="auto"/>
-          </dgm:alg>
-          <dgm:shape xmlns:r="http://schemas.openxmlformats.org/officeDocument/2006/relationships" type="conn" r:blip="">
-            <dgm:adjLst/>
-          </dgm:shape>
-          <dgm:presOf axis="self"/>
-          <dgm:constrLst>
-            <dgm:constr type="h" refType="w" fact="0.62"/>
-            <dgm:constr type="connDist"/>
-            <dgm:constr type="begPad" refType="connDist" fact="0.25"/>
-            <dgm:constr type="endPad" refType="connDist" fact="0.22"/>
-          </dgm:constrLst>
-          <dgm:ruleLst/>
-          <dgm:layoutNode name="connectorText">
-            <dgm:alg type="tx">
-              <dgm:param type="autoTxRot" val="grav"/>
-            </dgm:alg>
-            <dgm:shape xmlns:r="http://schemas.openxmlformats.org/officeDocument/2006/relationships" type="conn" r:blip="" hideGeom="1">
-              <dgm:adjLst/>
-            </dgm:shape>
-            <dgm:presOf axis="self"/>
-            <dgm:constrLst>
-              <dgm:constr type="lMarg"/>
-              <dgm:constr type="rMarg"/>
-              <dgm:constr type="tMarg"/>
-              <dgm:constr type="bMarg"/>
-            </dgm:constrLst>
-            <dgm:ruleLst>
-              <dgm:rule type="primFontSz" val="5" fact="NaN" max="NaN"/>
-            </dgm:ruleLst>
-          </dgm:layoutNode>
-        </dgm:layoutNode>
-      </dgm:forEach>
-    </dgm:forEach>
-  </dgm:layoutNode>
-</dgm:layoutDef>
-</file>
-
-<file path=ppt/diagrams/quickStyle1.xml><?xml version="1.0" encoding="utf-8"?>
-<dgm:styleDef xmlns:dgm="http://schemas.openxmlformats.org/drawingml/2006/diagram" xmlns:a="http://schemas.openxmlformats.org/drawingml/2006/main" uniqueId="urn:microsoft.com/office/officeart/2005/8/quickstyle/simple1">
-  <dgm:title val=""/>
-  <dgm:desc val=""/>
-  <dgm:catLst>
-    <dgm:cat type="simple" pri="10100"/>
-  </dgm:catLst>
-  <dgm:scene3d>
-    <a:camera prst="orthographicFront"/>
-    <a:lightRig rig="threePt" dir="t"/>
-  </dgm:scene3d>
-  <dgm:styleLbl name="node0">
-    <dgm:scene3d>
-      <a:camera prst="orthographicFront"/>
-      <a:lightRig rig="threePt" dir="t"/>
-    </dgm:scene3d>
-    <dgm:sp3d/>
-    <dgm:txPr/>
-    <dgm:style>
-      <a:lnRef idx="2">
-        <a:scrgbClr r="0" g="0" b="0"/>
-      </a:lnRef>
-      <a:fillRef idx="1">
-        <a:scrgbClr r="0" g="0" b="0"/>
-      </a:fillRef>
-      <a:effectRef idx="0">
-        <a:scrgbClr r="0" g="0" b="0"/>
-      </a:effectRef>
-      <a:fontRef idx="minor">
-        <a:schemeClr val="lt1"/>
-      </a:fontRef>
-    </dgm:style>
-  </dgm:styleLbl>
-  <dgm:styleLbl name="lnNode1">
-    <dgm:scene3d>
-      <a:camera prst="orthographicFront"/>
-      <a:lightRig rig="threePt" dir="t"/>
-    </dgm:scene3d>
-    <dgm:sp3d/>
-    <dgm:txPr/>
-    <dgm:style>
-      <a:lnRef idx="2">
-        <a:scrgbClr r="0" g="0" b="0"/>
-      </a:lnRef>
-      <a:fillRef idx="1">
-        <a:scrgbClr r="0" g="0" b="0"/>
-      </a:fillRef>
-      <a:effectRef idx="0">
-        <a:scrgbClr r="0" g="0" b="0"/>
-      </a:effectRef>
-      <a:fontRef idx="minor">
-        <a:schemeClr val="lt1"/>
-      </a:fontRef>
-    </dgm:style>
-  </dgm:styleLbl>
-  <dgm:styleLbl name="vennNode1">
-    <dgm:scene3d>
-      <a:camera prst="orthographicFront"/>
-      <a:lightRig rig="threePt" dir="t"/>
-    </dgm:scene3d>
-    <dgm:sp3d/>
-    <dgm:txPr/>
-    <dgm:style>
-      <a:lnRef idx="2">
-        <a:scrgbClr r="0" g="0" b="0"/>
-      </a:lnRef>
-      <a:fillRef idx="1">
-        <a:scrgbClr r="0" g="0" b="0"/>
-      </a:fillRef>
-      <a:effectRef idx="0">
-        <a:scrgbClr r="0" g="0" b="0"/>
-      </a:effectRef>
-      <a:fontRef idx="minor">
-        <a:schemeClr val="tx1"/>
-      </a:fontRef>
-    </dgm:style>
-  </dgm:styleLbl>
-  <dgm:styleLbl name="alignNode1">
-    <dgm:scene3d>
-      <a:camera prst="orthographicFront"/>
-      <a:lightRig rig="threePt" dir="t"/>
-    </dgm:scene3d>
-    <dgm:sp3d/>
-    <dgm:txPr/>
-    <dgm:style>
-      <a:lnRef idx="2">
-        <a:scrgbClr r="0" g="0" b="0"/>
-      </a:lnRef>
-      <a:fillRef idx="1">
-        <a:scrgbClr r="0" g="0" b="0"/>
-      </a:fillRef>
-      <a:effectRef idx="0">
-        <a:scrgbClr r="0" g="0" b="0"/>
-      </a:effectRef>
-      <a:fontRef idx="minor">
-        <a:schemeClr val="lt1"/>
-      </a:fontRef>
-    </dgm:style>
-  </dgm:styleLbl>
-  <dgm:styleLbl name="node1">
-    <dgm:scene3d>
-      <a:camera prst="orthographicFront"/>
-      <a:lightRig rig="threePt" dir="t"/>
-    </dgm:scene3d>
-    <dgm:sp3d/>
-    <dgm:txPr/>
-    <dgm:style>
-      <a:lnRef idx="2">
-        <a:scrgbClr r="0" g="0" b="0"/>
-      </a:lnRef>
-      <a:fillRef idx="1">
-        <a:scrgbClr r="0" g="0" b="0"/>
-      </a:fillRef>
-      <a:effectRef idx="0">
-        <a:scrgbClr r="0" g="0" b="0"/>
-      </a:effectRef>
-      <a:fontRef idx="minor">
-        <a:schemeClr val="lt1"/>
-      </a:fontRef>
-    </dgm:style>
-  </dgm:styleLbl>
-  <dgm:styleLbl name="node2">
-    <dgm:scene3d>
-      <a:camera prst="orthographicFront"/>
-      <a:lightRig rig="threePt" dir="t"/>
-    </dgm:scene3d>
-    <dgm:sp3d/>
-    <dgm:txPr/>
-    <dgm:style>
-      <a:lnRef idx="2">
-        <a:scrgbClr r="0" g="0" b="0"/>
-      </a:lnRef>
-      <a:fillRef idx="1">
-        <a:scrgbClr r="0" g="0" b="0"/>
-      </a:fillRef>
-      <a:effectRef idx="0">
-        <a:scrgbClr r="0" g="0" b="0"/>
-      </a:effectRef>
-      <a:fontRef idx="minor">
-        <a:schemeClr val="lt1"/>
-      </a:fontRef>
-    </dgm:style>
-  </dgm:styleLbl>
-  <dgm:styleLbl name="node3">
-    <dgm:scene3d>
-      <a:camera prst="orthographicFront"/>
-      <a:lightRig rig="threePt" dir="t"/>
-    </dgm:scene3d>
-    <dgm:sp3d/>
-    <dgm:txPr/>
-    <dgm:style>
-      <a:lnRef idx="2">
-        <a:scrgbClr r="0" g="0" b="0"/>
-      </a:lnRef>
-      <a:fillRef idx="1">
-        <a:scrgbClr r="0" g="0" b="0"/>
-      </a:fillRef>
-      <a:effectRef idx="0">
-        <a:scrgbClr r="0" g="0" b="0"/>
-      </a:effectRef>
-      <a:fontRef idx="minor">
-        <a:schemeClr val="lt1"/>
-      </a:fontRef>
-    </dgm:style>
-  </dgm:styleLbl>
-  <dgm:styleLbl name="node4">
-    <dgm:scene3d>
-      <a:camera prst="orthographicFront"/>
-      <a:lightRig rig="threePt" dir="t"/>
-    </dgm:scene3d>
-    <dgm:sp3d/>
-    <dgm:txPr/>
-    <dgm:style>
-      <a:lnRef idx="2">
-        <a:scrgbClr r="0" g="0" b="0"/>
-      </a:lnRef>
-      <a:fillRef idx="1">
-        <a:scrgbClr r="0" g="0" b="0"/>
-      </a:fillRef>
-      <a:effectRef idx="0">
-        <a:scrgbClr r="0" g="0" b="0"/>
-      </a:effectRef>
-      <a:fontRef idx="minor">
-        <a:schemeClr val="lt1"/>
-      </a:fontRef>
-    </dgm:style>
-  </dgm:styleLbl>
-  <dgm:styleLbl name="fgImgPlace1">
-    <dgm:scene3d>
-      <a:camera prst="orthographicFront"/>
-      <a:lightRig rig="threePt" dir="t"/>
-    </dgm:scene3d>
-    <dgm:sp3d/>
-    <dgm:txPr/>
-    <dgm:style>
-      <a:lnRef idx="2">
-        <a:scrgbClr r="0" g="0" b="0"/>
-      </a:lnRef>
-      <a:fillRef idx="1">
-        <a:scrgbClr r="0" g="0" b="0"/>
-      </a:fillRef>
-      <a:effectRef idx="0">
-        <a:scrgbClr r="0" g="0" b="0"/>
-      </a:effectRef>
-      <a:fontRef idx="minor"/>
-    </dgm:style>
-  </dgm:styleLbl>
-  <dgm:styleLbl name="alignImgPlace1">
-    <dgm:scene3d>
-      <a:camera prst="orthographicFront"/>
-      <a:lightRig rig="threePt" dir="t"/>
-    </dgm:scene3d>
-    <dgm:sp3d/>
-    <dgm:txPr/>
-    <dgm:style>
-      <a:lnRef idx="2">
-        <a:scrgbClr r="0" g="0" b="0"/>
-      </a:lnRef>
-      <a:fillRef idx="1">
-        <a:scrgbClr r="0" g="0" b="0"/>
-      </a:fillRef>
-      <a:effectRef idx="0">
-        <a:scrgbClr r="0" g="0" b="0"/>
-      </a:effectRef>
-      <a:fontRef idx="minor"/>
-    </dgm:style>
-  </dgm:styleLbl>
-  <dgm:styleLbl name="bgImgPlace1">
-    <dgm:scene3d>
-      <a:camera prst="orthographicFront"/>
-      <a:lightRig rig="threePt" dir="t"/>
-    </dgm:scene3d>
-    <dgm:sp3d/>
-    <dgm:txPr/>
-    <dgm:style>
-      <a:lnRef idx="2">
-        <a:scrgbClr r="0" g="0" b="0"/>
-      </a:lnRef>
-      <a:fillRef idx="1">
-        <a:scrgbClr r="0" g="0" b="0"/>
-      </a:fillRef>
-      <a:effectRef idx="0">
-        <a:scrgbClr r="0" g="0" b="0"/>
-      </a:effectRef>
-      <a:fontRef idx="minor"/>
-    </dgm:style>
-  </dgm:styleLbl>
-  <dgm:styleLbl name="sibTrans2D1">
-    <dgm:scene3d>
-      <a:camera prst="orthographicFront"/>
-      <a:lightRig rig="threePt" dir="t"/>
-    </dgm:scene3d>
-    <dgm:sp3d/>
-    <dgm:txPr/>
-    <dgm:style>
-      <a:lnRef idx="0">
-        <a:scrgbClr r="0" g="0" b="0"/>
-      </a:lnRef>
-      <a:fillRef idx="1">
-        <a:scrgbClr r="0" g="0" b="0"/>
-      </a:fillRef>
-      <a:effectRef idx="0">
-        <a:scrgbClr r="0" g="0" b="0"/>
-      </a:effectRef>
-      <a:fontRef idx="minor">
-        <a:schemeClr val="lt1"/>
-      </a:fontRef>
-    </dgm:style>
-  </dgm:styleLbl>
-  <dgm:styleLbl name="fgSibTrans2D1">
-    <dgm:scene3d>
-      <a:camera prst="orthographicFront"/>
-      <a:lightRig rig="threePt" dir="t"/>
-    </dgm:scene3d>
-    <dgm:sp3d/>
-    <dgm:txPr/>
-    <dgm:style>
-      <a:lnRef idx="0">
-        <a:scrgbClr r="0" g="0" b="0"/>
-      </a:lnRef>
-      <a:fillRef idx="1">
-        <a:scrgbClr r="0" g="0" b="0"/>
-      </a:fillRef>
-      <a:effectRef idx="0">
-        <a:scrgbClr r="0" g="0" b="0"/>
-      </a:effectRef>
-      <a:fontRef idx="minor">
-        <a:schemeClr val="lt1"/>
-      </a:fontRef>
-    </dgm:style>
-  </dgm:styleLbl>
-  <dgm:styleLbl name="bgSibTrans2D1">
-    <dgm:scene3d>
-      <a:camera prst="orthographicFront"/>
-      <a:lightRig rig="threePt" dir="t"/>
-    </dgm:scene3d>
-    <dgm:sp3d/>
-    <dgm:txPr/>
-    <dgm:style>
-      <a:lnRef idx="0">
-        <a:scrgbClr r="0" g="0" b="0"/>
-      </a:lnRef>
-      <a:fillRef idx="1">
-        <a:scrgbClr r="0" g="0" b="0"/>
-      </a:fillRef>
-      <a:effectRef idx="0">
-        <a:scrgbClr r="0" g="0" b="0"/>
-      </a:effectRef>
-      <a:fontRef idx="minor">
-        <a:schemeClr val="lt1"/>
-      </a:fontRef>
-    </dgm:style>
-  </dgm:styleLbl>
-  <dgm:styleLbl name="sibTrans1D1">
-    <dgm:scene3d>
-      <a:camera prst="orthographicFront"/>
-      <a:lightRig rig="threePt" dir="t"/>
-    </dgm:scene3d>
-    <dgm:sp3d/>
-    <dgm:txPr/>
-    <dgm:style>
-      <a:lnRef idx="1">
-        <a:scrgbClr r="0" g="0" b="0"/>
-      </a:lnRef>
-      <a:fillRef idx="0">
-        <a:scrgbClr r="0" g="0" b="0"/>
-      </a:fillRef>
-      <a:effectRef idx="0">
-        <a:scrgbClr r="0" g="0" b="0"/>
-      </a:effectRef>
-      <a:fontRef idx="minor"/>
-    </dgm:style>
-  </dgm:styleLbl>
-  <dgm:styleLbl name="callout">
-    <dgm:scene3d>
-      <a:camera prst="orthographicFront"/>
-      <a:lightRig rig="threePt" dir="t"/>
-    </dgm:scene3d>
-    <dgm:sp3d/>
-    <dgm:txPr/>
-    <dgm:style>
-      <a:lnRef idx="2">
-        <a:scrgbClr r="0" g="0" b="0"/>
-      </a:lnRef>
-      <a:fillRef idx="1">
-        <a:scrgbClr r="0" g="0" b="0"/>
-      </a:fillRef>
-      <a:effectRef idx="0">
-        <a:scrgbClr r="0" g="0" b="0"/>
-      </a:effectRef>
-      <a:fontRef idx="minor"/>
-    </dgm:style>
-  </dgm:styleLbl>
-  <dgm:styleLbl name="asst0">
-    <dgm:scene3d>
-      <a:camera prst="orthographicFront"/>
-      <a:lightRig rig="threePt" dir="t"/>
-    </dgm:scene3d>
-    <dgm:sp3d/>
-    <dgm:txPr/>
-    <dgm:style>
-      <a:lnRef idx="2">
-        <a:scrgbClr r="0" g="0" b="0"/>
-      </a:lnRef>
-      <a:fillRef idx="1">
-        <a:scrgbClr r="0" g="0" b="0"/>
-      </a:fillRef>
-      <a:effectRef idx="0">
-        <a:scrgbClr r="0" g="0" b="0"/>
-      </a:effectRef>
-      <a:fontRef idx="minor">
-        <a:schemeClr val="lt1"/>
-      </a:fontRef>
-    </dgm:style>
-  </dgm:styleLbl>
-  <dgm:styleLbl name="asst1">
-    <dgm:scene3d>
-      <a:camera prst="orthographicFront"/>
-      <a:lightRig rig="threePt" dir="t"/>
-    </dgm:scene3d>
-    <dgm:sp3d/>
-    <dgm:txPr/>
-    <dgm:style>
-      <a:lnRef idx="2">
-        <a:scrgbClr r="0" g="0" b="0"/>
-      </a:lnRef>
-      <a:fillRef idx="1">
-        <a:scrgbClr r="0" g="0" b="0"/>
-      </a:fillRef>
-      <a:effectRef idx="0">
-        <a:scrgbClr r="0" g="0" b="0"/>
-      </a:effectRef>
-      <a:fontRef idx="minor">
-        <a:schemeClr val="lt1"/>
-      </a:fontRef>
-    </dgm:style>
-  </dgm:styleLbl>
-  <dgm:styleLbl name="asst2">
-    <dgm:scene3d>
-      <a:camera prst="orthographicFront"/>
-      <a:lightRig rig="threePt" dir="t"/>
-    </dgm:scene3d>
-    <dgm:sp3d/>
-    <dgm:txPr/>
-    <dgm:style>
-      <a:lnRef idx="2">
-        <a:scrgbClr r="0" g="0" b="0"/>
-      </a:lnRef>
-      <a:fillRef idx="1">
-        <a:scrgbClr r="0" g="0" b="0"/>
-      </a:fillRef>
-      <a:effectRef idx="0">
-        <a:scrgbClr r="0" g="0" b="0"/>
-      </a:effectRef>
-      <a:fontRef idx="minor">
-        <a:schemeClr val="lt1"/>
-      </a:fontRef>
-    </dgm:style>
-  </dgm:styleLbl>
-  <dgm:styleLbl name="asst3">
-    <dgm:scene3d>
-      <a:camera prst="orthographicFront"/>
-      <a:lightRig rig="threePt" dir="t"/>
-    </dgm:scene3d>
-    <dgm:sp3d/>
-    <dgm:txPr/>
-    <dgm:style>
-      <a:lnRef idx="2">
-        <a:scrgbClr r="0" g="0" b="0"/>
-      </a:lnRef>
-      <a:fillRef idx="1">
-        <a:scrgbClr r="0" g="0" b="0"/>
-      </a:fillRef>
-      <a:effectRef idx="0">
-        <a:scrgbClr r="0" g="0" b="0"/>
-      </a:effectRef>
-      <a:fontRef idx="minor">
-        <a:schemeClr val="lt1"/>
-      </a:fontRef>
-    </dgm:style>
-  </dgm:styleLbl>
-  <dgm:styleLbl name="asst4">
-    <dgm:scene3d>
-      <a:camera prst="orthographicFront"/>
-      <a:lightRig rig="threePt" dir="t"/>
-    </dgm:scene3d>
-    <dgm:sp3d/>
-    <dgm:txPr/>
-    <dgm:style>
-      <a:lnRef idx="2">
-        <a:scrgbClr r="0" g="0" b="0"/>
-      </a:lnRef>
-      <a:fillRef idx="1">
-        <a:scrgbClr r="0" g="0" b="0"/>
-      </a:fillRef>
-      <a:effectRef idx="0">
-        <a:scrgbClr r="0" g="0" b="0"/>
-      </a:effectRef>
-      <a:fontRef idx="minor">
-        <a:schemeClr val="lt1"/>
-      </a:fontRef>
-    </dgm:style>
-  </dgm:styleLbl>
-  <dgm:styleLbl name="parChTrans2D1">
-    <dgm:scene3d>
-      <a:camera prst="orthographicFront"/>
-      <a:lightRig rig="threePt" dir="t"/>
-    </dgm:scene3d>
-    <dgm:sp3d/>
-    <dgm:txPr/>
-    <dgm:style>
-      <a:lnRef idx="2">
-        <a:scrgbClr r="0" g="0" b="0"/>
-      </a:lnRef>
-      <a:fillRef idx="1">
-        <a:scrgbClr r="0" g="0" b="0"/>
-      </a:fillRef>
-      <a:effectRef idx="0">
-        <a:scrgbClr r="0" g="0" b="0"/>
-      </a:effectRef>
-      <a:fontRef idx="minor">
-        <a:schemeClr val="lt1"/>
-      </a:fontRef>
-    </dgm:style>
-  </dgm:styleLbl>
-  <dgm:styleLbl name="parChTrans2D2">
-    <dgm:scene3d>
-      <a:camera prst="orthographicFront"/>
-      <a:lightRig rig="threePt" dir="t"/>
-    </dgm:scene3d>
-    <dgm:sp3d/>
-    <dgm:txPr/>
-    <dgm:style>
-      <a:lnRef idx="2">
-        <a:scrgbClr r="0" g="0" b="0"/>
-      </a:lnRef>
-      <a:fillRef idx="1">
-        <a:scrgbClr r="0" g="0" b="0"/>
-      </a:fillRef>
-      <a:effectRef idx="0">
-        <a:scrgbClr r="0" g="0" b="0"/>
-      </a:effectRef>
-      <a:fontRef idx="minor">
-        <a:schemeClr val="lt1"/>
-      </a:fontRef>
-    </dgm:style>
-  </dgm:styleLbl>
-  <dgm:styleLbl name="parChTrans2D3">
-    <dgm:scene3d>
-      <a:camera prst="orthographicFront"/>
-      <a:lightRig rig="threePt" dir="t"/>
-    </dgm:scene3d>
-    <dgm:sp3d/>
-    <dgm:txPr/>
-    <dgm:style>
-      <a:lnRef idx="2">
-        <a:scrgbClr r="0" g="0" b="0"/>
-      </a:lnRef>
-      <a:fillRef idx="1">
-        <a:scrgbClr r="0" g="0" b="0"/>
-      </a:fillRef>
-      <a:effectRef idx="0">
-        <a:scrgbClr r="0" g="0" b="0"/>
-      </a:effectRef>
-      <a:fontRef idx="minor">
-        <a:schemeClr val="lt1"/>
-      </a:fontRef>
-    </dgm:style>
-  </dgm:styleLbl>
-  <dgm:styleLbl name="parChTrans2D4">
-    <dgm:scene3d>
-      <a:camera prst="orthographicFront"/>
-      <a:lightRig rig="threePt" dir="t"/>
-    </dgm:scene3d>
-    <dgm:sp3d/>
-    <dgm:txPr/>
-    <dgm:style>
-      <a:lnRef idx="2">
-        <a:scrgbClr r="0" g="0" b="0"/>
-      </a:lnRef>
-      <a:fillRef idx="1">
-        <a:scrgbClr r="0" g="0" b="0"/>
-      </a:fillRef>
-      <a:effectRef idx="0">
-        <a:scrgbClr r="0" g="0" b="0"/>
-      </a:effectRef>
-      <a:fontRef idx="minor">
-        <a:schemeClr val="lt1"/>
-      </a:fontRef>
-    </dgm:style>
-  </dgm:styleLbl>
-  <dgm:styleLbl name="parChTrans1D1">
-    <dgm:scene3d>
-      <a:camera prst="orthographicFront"/>
-      <a:lightRig rig="threePt" dir="t"/>
-    </dgm:scene3d>
-    <dgm:sp3d/>
-    <dgm:txPr/>
-    <dgm:style>
-      <a:lnRef idx="2">
-        <a:scrgbClr r="0" g="0" b="0"/>
-      </a:lnRef>
-      <a:fillRef idx="0">
-        <a:scrgbClr r="0" g="0" b="0"/>
-      </a:fillRef>
-      <a:effectRef idx="0">
-        <a:scrgbClr r="0" g="0" b="0"/>
-      </a:effectRef>
-      <a:fontRef idx="minor"/>
-    </dgm:style>
-  </dgm:styleLbl>
-  <dgm:styleLbl name="parChTrans1D2">
-    <dgm:scene3d>
-      <a:camera prst="orthographicFront"/>
-      <a:lightRig rig="threePt" dir="t"/>
-    </dgm:scene3d>
-    <dgm:sp3d/>
-    <dgm:txPr/>
-    <dgm:style>
-      <a:lnRef idx="2">
-        <a:scrgbClr r="0" g="0" b="0"/>
-      </a:lnRef>
-      <a:fillRef idx="0">
-        <a:scrgbClr r="0" g="0" b="0"/>
-      </a:fillRef>
-      <a:effectRef idx="0">
-        <a:scrgbClr r="0" g="0" b="0"/>
-      </a:effectRef>
-      <a:fontRef idx="minor"/>
-    </dgm:style>
-  </dgm:styleLbl>
-  <dgm:styleLbl name="parChTrans1D3">
-    <dgm:scene3d>
-      <a:camera prst="orthographicFront"/>
-      <a:lightRig rig="threePt" dir="t"/>
-    </dgm:scene3d>
-    <dgm:sp3d/>
-    <dgm:txPr/>
-    <dgm:style>
-      <a:lnRef idx="2">
-        <a:scrgbClr r="0" g="0" b="0"/>
-      </a:lnRef>
-      <a:fillRef idx="0">
-        <a:scrgbClr r="0" g="0" b="0"/>
-      </a:fillRef>
-      <a:effectRef idx="0">
-        <a:scrgbClr r="0" g="0" b="0"/>
-      </a:effectRef>
-      <a:fontRef idx="minor"/>
-    </dgm:style>
-  </dgm:styleLbl>
-  <dgm:styleLbl name="parChTrans1D4">
-    <dgm:scene3d>
-      <a:camera prst="orthographicFront"/>
-      <a:lightRig rig="threePt" dir="t"/>
-    </dgm:scene3d>
-    <dgm:sp3d/>
-    <dgm:txPr/>
-    <dgm:style>
-      <a:lnRef idx="2">
-        <a:scrgbClr r="0" g="0" b="0"/>
-      </a:lnRef>
-      <a:fillRef idx="0">
-        <a:scrgbClr r="0" g="0" b="0"/>
-      </a:fillRef>
-      <a:effectRef idx="0">
-        <a:scrgbClr r="0" g="0" b="0"/>
-      </a:effectRef>
-      <a:fontRef idx="minor"/>
-    </dgm:style>
-  </dgm:styleLbl>
-  <dgm:styleLbl name="fgAcc1">
-    <dgm:scene3d>
-      <a:camera prst="orthographicFront"/>
-      <a:lightRig rig="threePt" dir="t"/>
-    </dgm:scene3d>
-    <dgm:sp3d/>
-    <dgm:txPr/>
-    <dgm:style>
-      <a:lnRef idx="2">
-        <a:scrgbClr r="0" g="0" b="0"/>
-      </a:lnRef>
-      <a:fillRef idx="1">
-        <a:scrgbClr r="0" g="0" b="0"/>
-      </a:fillRef>
-      <a:effectRef idx="0">
-        <a:scrgbClr r="0" g="0" b="0"/>
-      </a:effectRef>
-      <a:fontRef idx="minor"/>
-    </dgm:style>
-  </dgm:styleLbl>
-  <dgm:styleLbl name="conFgAcc1">
-    <dgm:scene3d>
-      <a:camera prst="orthographicFront"/>
-      <a:lightRig rig="threePt" dir="t"/>
-    </dgm:scene3d>
-    <dgm:sp3d/>
-    <dgm:txPr/>
-    <dgm:style>
-      <a:lnRef idx="2">
-        <a:scrgbClr r="0" g="0" b="0"/>
-      </a:lnRef>
-      <a:fillRef idx="1">
-        <a:scrgbClr r="0" g="0" b="0"/>
-      </a:fillRef>
-      <a:effectRef idx="0">
-        <a:scrgbClr r="0" g="0" b="0"/>
-      </a:effectRef>
-      <a:fontRef idx="minor"/>
-    </dgm:style>
-  </dgm:styleLbl>
-  <dgm:styleLbl name="alignAcc1">
-    <dgm:scene3d>
-      <a:camera prst="orthographicFront"/>
-      <a:lightRig rig="threePt" dir="t"/>
-    </dgm:scene3d>
-    <dgm:sp3d/>
-    <dgm:txPr/>
-    <dgm:style>
-      <a:lnRef idx="2">
-        <a:scrgbClr r="0" g="0" b="0"/>
-      </a:lnRef>
-      <a:fillRef idx="1">
-        <a:scrgbClr r="0" g="0" b="0"/>
-      </a:fillRef>
-      <a:effectRef idx="0">
-        <a:scrgbClr r="0" g="0" b="0"/>
-      </a:effectRef>
-      <a:fontRef idx="minor"/>
-    </dgm:style>
-  </dgm:styleLbl>
-  <dgm:styleLbl name="trAlignAcc1">
-    <dgm:scene3d>
-      <a:camera prst="orthographicFront"/>
-      <a:lightRig rig="threePt" dir="t"/>
-    </dgm:scene3d>
-    <dgm:sp3d/>
-    <dgm:txPr/>
-    <dgm:style>
-      <a:lnRef idx="1">
-        <a:scrgbClr r="0" g="0" b="0"/>
-      </a:lnRef>
-      <a:fillRef idx="1">
-        <a:scrgbClr r="0" g="0" b="0"/>
-      </a:fillRef>
-      <a:effectRef idx="0">
-        <a:scrgbClr r="0" g="0" b="0"/>
-      </a:effectRef>
-      <a:fontRef idx="minor"/>
-    </dgm:style>
-  </dgm:styleLbl>
-  <dgm:styleLbl name="bgAcc1">
-    <dgm:scene3d>
-      <a:camera prst="orthographicFront"/>
-      <a:lightRig rig="threePt" dir="t"/>
-    </dgm:scene3d>
-    <dgm:sp3d/>
-    <dgm:txPr/>
-    <dgm:style>
-      <a:lnRef idx="2">
-        <a:scrgbClr r="0" g="0" b="0"/>
-      </a:lnRef>
-      <a:fillRef idx="1">
-        <a:scrgbClr r="0" g="0" b="0"/>
-      </a:fillRef>
-      <a:effectRef idx="0">
-        <a:scrgbClr r="0" g="0" b="0"/>
-      </a:effectRef>
-      <a:fontRef idx="minor"/>
-    </dgm:style>
-  </dgm:styleLbl>
-  <dgm:styleLbl name="solidFgAcc1">
-    <dgm:scene3d>
-      <a:camera prst="orthographicFront"/>
-      <a:lightRig rig="threePt" dir="t"/>
-    </dgm:scene3d>
-    <dgm:sp3d/>
-    <dgm:txPr/>
-    <dgm:style>
-      <a:lnRef idx="2">
-        <a:scrgbClr r="0" g="0" b="0"/>
-      </a:lnRef>
-      <a:fillRef idx="1">
-        <a:scrgbClr r="0" g="0" b="0"/>
-      </a:fillRef>
-      <a:effectRef idx="0">
-        <a:scrgbClr r="0" g="0" b="0"/>
-      </a:effectRef>
-      <a:fontRef idx="minor"/>
-    </dgm:style>
-  </dgm:styleLbl>
-  <dgm:styleLbl name="solidAlignAcc1">
-    <dgm:scene3d>
-      <a:camera prst="orthographicFront"/>
-      <a:lightRig rig="threePt" dir="t"/>
-    </dgm:scene3d>
-    <dgm:sp3d/>
-    <dgm:txPr/>
-    <dgm:style>
-      <a:lnRef idx="2">
-        <a:scrgbClr r="0" g="0" b="0"/>
-      </a:lnRef>
-      <a:fillRef idx="1">
-        <a:scrgbClr r="0" g="0" b="0"/>
-      </a:fillRef>
-      <a:effectRef idx="0">
-        <a:scrgbClr r="0" g="0" b="0"/>
-      </a:effectRef>
-      <a:fontRef idx="minor"/>
-    </dgm:style>
-  </dgm:styleLbl>
-  <dgm:styleLbl name="solidBgAcc1">
-    <dgm:scene3d>
-      <a:camera prst="orthographicFront"/>
-      <a:lightRig rig="threePt" dir="t"/>
-    </dgm:scene3d>
-    <dgm:sp3d/>
-    <dgm:txPr/>
-    <dgm:style>
-      <a:lnRef idx="2">
-        <a:scrgbClr r="0" g="0" b="0"/>
-      </a:lnRef>
-      <a:fillRef idx="1">
-        <a:scrgbClr r="0" g="0" b="0"/>
-      </a:fillRef>
-      <a:effectRef idx="0">
-        <a:scrgbClr r="0" g="0" b="0"/>
-      </a:effectRef>
-      <a:fontRef idx="minor"/>
-    </dgm:style>
-  </dgm:styleLbl>
-  <dgm:styleLbl name="fgAccFollowNode1">
-    <dgm:scene3d>
-      <a:camera prst="orthographicFront"/>
-      <a:lightRig rig="threePt" dir="t"/>
-    </dgm:scene3d>
-    <dgm:sp3d/>
-    <dgm:txPr/>
-    <dgm:style>
-      <a:lnRef idx="2">
-        <a:scrgbClr r="0" g="0" b="0"/>
-      </a:lnRef>
-      <a:fillRef idx="1">
-        <a:scrgbClr r="0" g="0" b="0"/>
-      </a:fillRef>
-      <a:effectRef idx="0">
-        <a:scrgbClr r="0" g="0" b="0"/>
-      </a:effectRef>
-      <a:fontRef idx="minor"/>
-    </dgm:style>
-  </dgm:styleLbl>
-  <dgm:styleLbl name="alignAccFollowNode1">
-    <dgm:scene3d>
-      <a:camera prst="orthographicFront"/>
-      <a:lightRig rig="threePt" dir="t"/>
-    </dgm:scene3d>
-    <dgm:sp3d/>
-    <dgm:txPr/>
-    <dgm:style>
-      <a:lnRef idx="2">
-        <a:scrgbClr r="0" g="0" b="0"/>
-      </a:lnRef>
-      <a:fillRef idx="1">
-        <a:scrgbClr r="0" g="0" b="0"/>
-      </a:fillRef>
-      <a:effectRef idx="0">
-        <a:scrgbClr r="0" g="0" b="0"/>
-      </a:effectRef>
-      <a:fontRef idx="minor"/>
-    </dgm:style>
-  </dgm:styleLbl>
-  <dgm:styleLbl name="bgAccFollowNode1">
-    <dgm:scene3d>
-      <a:camera prst="orthographicFront"/>
-      <a:lightRig rig="threePt" dir="t"/>
-    </dgm:scene3d>
-    <dgm:sp3d/>
-    <dgm:txPr/>
-    <dgm:style>
-      <a:lnRef idx="2">
-        <a:scrgbClr r="0" g="0" b="0"/>
-      </a:lnRef>
-      <a:fillRef idx="1">
-        <a:scrgbClr r="0" g="0" b="0"/>
-      </a:fillRef>
-      <a:effectRef idx="0">
-        <a:scrgbClr r="0" g="0" b="0"/>
-      </a:effectRef>
-      <a:fontRef idx="minor"/>
-    </dgm:style>
-  </dgm:styleLbl>
-  <dgm:styleLbl name="fgAcc0">
-    <dgm:scene3d>
-      <a:camera prst="orthographicFront"/>
-      <a:lightRig rig="threePt" dir="t"/>
-    </dgm:scene3d>
-    <dgm:sp3d/>
-    <dgm:txPr/>
-    <dgm:style>
-      <a:lnRef idx="2">
-        <a:scrgbClr r="0" g="0" b="0"/>
-      </a:lnRef>
-      <a:fillRef idx="1">
-        <a:scrgbClr r="0" g="0" b="0"/>
-      </a:fillRef>
-      <a:effectRef idx="0">
-        <a:scrgbClr r="0" g="0" b="0"/>
-      </a:effectRef>
-      <a:fontRef idx="minor"/>
-    </dgm:style>
-  </dgm:styleLbl>
-  <dgm:styleLbl name="fgAcc2">
-    <dgm:scene3d>
-      <a:camera prst="orthographicFront"/>
-      <a:lightRig rig="threePt" dir="t"/>
-    </dgm:scene3d>
-    <dgm:sp3d/>
-    <dgm:txPr/>
-    <dgm:style>
-      <a:lnRef idx="2">
-        <a:scrgbClr r="0" g="0" b="0"/>
-      </a:lnRef>
-      <a:fillRef idx="1">
-        <a:scrgbClr r="0" g="0" b="0"/>
-      </a:fillRef>
-      <a:effectRef idx="0">
-        <a:scrgbClr r="0" g="0" b="0"/>
-      </a:effectRef>
-      <a:fontRef idx="minor"/>
-    </dgm:style>
-  </dgm:styleLbl>
-  <dgm:styleLbl name="fgAcc3">
-    <dgm:scene3d>
-      <a:camera prst="orthographicFront"/>
-      <a:lightRig rig="threePt" dir="t"/>
-    </dgm:scene3d>
-    <dgm:sp3d/>
-    <dgm:txPr/>
-    <dgm:style>
-      <a:lnRef idx="2">
-        <a:scrgbClr r="0" g="0" b="0"/>
-      </a:lnRef>
-      <a:fillRef idx="1">
-        <a:scrgbClr r="0" g="0" b="0"/>
-      </a:fillRef>
-      <a:effectRef idx="0">
-        <a:scrgbClr r="0" g="0" b="0"/>
-      </a:effectRef>
-      <a:fontRef idx="minor"/>
-    </dgm:style>
-  </dgm:styleLbl>
-  <dgm:styleLbl name="fgAcc4">
-    <dgm:scene3d>
-      <a:camera prst="orthographicFront"/>
-      <a:lightRig rig="threePt" dir="t"/>
-    </dgm:scene3d>
-    <dgm:sp3d/>
-    <dgm:txPr/>
-    <dgm:style>
-      <a:lnRef idx="2">
-        <a:scrgbClr r="0" g="0" b="0"/>
-      </a:lnRef>
-      <a:fillRef idx="1">
-        <a:scrgbClr r="0" g="0" b="0"/>
-      </a:fillRef>
-      <a:effectRef idx="0">
-        <a:scrgbClr r="0" g="0" b="0"/>
-      </a:effectRef>
-      <a:fontRef idx="minor"/>
-    </dgm:style>
-  </dgm:styleLbl>
-  <dgm:styleLbl name="bgShp">
-    <dgm:scene3d>
-      <a:camera prst="orthographicFront"/>
-      <a:lightRig rig="threePt" dir="t"/>
-    </dgm:scene3d>
-    <dgm:sp3d/>
-    <dgm:txPr/>
-    <dgm:style>
-      <a:lnRef idx="0">
-        <a:scrgbClr r="0" g="0" b="0"/>
-      </a:lnRef>
-      <a:fillRef idx="1">
-        <a:scrgbClr r="0" g="0" b="0"/>
-      </a:fillRef>
-      <a:effectRef idx="0">
-        <a:scrgbClr r="0" g="0" b="0"/>
-      </a:effectRef>
-      <a:fontRef idx="minor"/>
-    </dgm:style>
-  </dgm:styleLbl>
-  <dgm:styleLbl name="dkBgShp">
-    <dgm:scene3d>
-      <a:camera prst="orthographicFront"/>
-      <a:lightRig rig="threePt" dir="t"/>
-    </dgm:scene3d>
-    <dgm:sp3d/>
-    <dgm:txPr/>
-    <dgm:style>
-      <a:lnRef idx="0">
-        <a:scrgbClr r="0" g="0" b="0"/>
-      </a:lnRef>
-      <a:fillRef idx="1">
-        <a:scrgbClr r="0" g="0" b="0"/>
-      </a:fillRef>
-      <a:effectRef idx="0">
-        <a:scrgbClr r="0" g="0" b="0"/>
-      </a:effectRef>
-      <a:fontRef idx="minor"/>
-    </dgm:style>
-  </dgm:styleLbl>
-  <dgm:styleLbl name="trBgShp">
-    <dgm:scene3d>
-      <a:camera prst="orthographicFront"/>
-      <a:lightRig rig="threePt" dir="t"/>
-    </dgm:scene3d>
-    <dgm:sp3d/>
-    <dgm:txPr/>
-    <dgm:style>
-      <a:lnRef idx="0">
-        <a:scrgbClr r="0" g="0" b="0"/>
-      </a:lnRef>
-      <a:fillRef idx="1">
-        <a:scrgbClr r="0" g="0" b="0"/>
-      </a:fillRef>
-      <a:effectRef idx="0">
-        <a:scrgbClr r="0" g="0" b="0"/>
-      </a:effectRef>
-      <a:fontRef idx="minor"/>
-    </dgm:style>
-  </dgm:styleLbl>
-  <dgm:styleLbl name="fgShp">
-    <dgm:scene3d>
-      <a:camera prst="orthographicFront"/>
-      <a:lightRig rig="threePt" dir="t"/>
-    </dgm:scene3d>
-    <dgm:sp3d/>
-    <dgm:txPr/>
-    <dgm:style>
-      <a:lnRef idx="2">
-        <a:scrgbClr r="0" g="0" b="0"/>
-      </a:lnRef>
-      <a:fillRef idx="1">
-        <a:scrgbClr r="0" g="0" b="0"/>
-      </a:fillRef>
-      <a:effectRef idx="0">
-        <a:scrgbClr r="0" g="0" b="0"/>
-      </a:effectRef>
-      <a:fontRef idx="minor"/>
-    </dgm:style>
-  </dgm:styleLbl>
-  <dgm:styleLbl name="revTx">
-    <dgm:scene3d>
-      <a:camera prst="orthographicFront"/>
-      <a:lightRig rig="threePt" dir="t"/>
-    </dgm:scene3d>
-    <dgm:sp3d/>
-    <dgm:txPr/>
-    <dgm:style>
-      <a:lnRef idx="0">
-        <a:scrgbClr r="0" g="0" b="0"/>
-      </a:lnRef>
-      <a:fillRef idx="0">
-        <a:scrgbClr r="0" g="0" b="0"/>
-      </a:fillRef>
-      <a:effectRef idx="0">
-        <a:scrgbClr r="0" g="0" b="0"/>
-      </a:effectRef>
-      <a:fontRef idx="minor"/>
-    </dgm:style>
-  </dgm:styleLbl>
-</dgm:styleDef>
-</file>
-
 <file path=ppt/notesMasters/notesMaster1.xml><?xml version="1.0" encoding="utf-8"?>
 <p:notesMaster xmlns:a="http://schemas.openxmlformats.org/drawingml/2006/main" xmlns:r="http://schemas.openxmlformats.org/officeDocument/2006/relationships" xmlns:p="http://schemas.openxmlformats.org/presentationml/2006/main">
   <p:cSld>
@@ -4133,7 +1608,7 @@
           <a:p>
             <a:fld id="{588181D3-5A26-4341-A76D-A589AD088889}" type="datetimeFigureOut">
               <a:rPr lang="de-DE" smtClean="0"/>
-              <a:t>25.11.2021</a:t>
+              <a:t>30.11.2021</a:t>
             </a:fld>
             <a:endParaRPr lang="de-DE"/>
           </a:p>
@@ -10671,10 +8146,10 @@
       </p:grpSpPr>
       <p:sp>
         <p:nvSpPr>
-          <p:cNvPr id="2" name="Title 1">
-            <a:extLst>
-              <a:ext uri="{FF2B5EF4-FFF2-40B4-BE49-F238E27FC236}">
-                <a16:creationId xmlns:a16="http://schemas.microsoft.com/office/drawing/2014/main" id="{63A5719D-90BB-472E-BEB3-2DA78CA30F83}"/>
+          <p:cNvPr id="7" name="Title 6">
+            <a:extLst>
+              <a:ext uri="{FF2B5EF4-FFF2-40B4-BE49-F238E27FC236}">
+                <a16:creationId xmlns:a16="http://schemas.microsoft.com/office/drawing/2014/main" id="{57D297FC-AE0D-4197-98D6-D975F71C5779}"/>
               </a:ext>
             </a:extLst>
           </p:cNvPr>
@@ -10692,52 +8167,43 @@
           <a:p>
             <a:r>
               <a:rPr lang="de-DE" dirty="0"/>
-              <a:t>Pro .NET Memory Management</a:t>
-            </a:r>
-          </a:p>
-        </p:txBody>
-      </p:sp>
-      <p:pic>
-        <p:nvPicPr>
-          <p:cNvPr id="8" name="Content Placeholder 7" descr="A close up of a sign&#10;&#10;Description automatically generated">
-            <a:extLst>
-              <a:ext uri="{FF2B5EF4-FFF2-40B4-BE49-F238E27FC236}">
-                <a16:creationId xmlns:a16="http://schemas.microsoft.com/office/drawing/2014/main" id="{A432F613-0898-42D2-AC7A-33FCB250FE88}"/>
-              </a:ext>
-            </a:extLst>
-          </p:cNvPr>
-          <p:cNvPicPr>
-            <a:picLocks noGrp="1" noChangeAspect="1"/>
-          </p:cNvPicPr>
+              <a:t>Skalierbare Services</a:t>
+            </a:r>
+            <a:endParaRPr lang="en-DE" dirty="0"/>
+          </a:p>
+        </p:txBody>
+      </p:sp>
+      <p:sp>
+        <p:nvSpPr>
+          <p:cNvPr id="8" name="Text Placeholder 7">
+            <a:extLst>
+              <a:ext uri="{FF2B5EF4-FFF2-40B4-BE49-F238E27FC236}">
+                <a16:creationId xmlns:a16="http://schemas.microsoft.com/office/drawing/2014/main" id="{594CA20F-7F58-4AAA-9556-6AE379C7B163}"/>
+              </a:ext>
+            </a:extLst>
+          </p:cNvPr>
+          <p:cNvSpPr>
+            <a:spLocks noGrp="1"/>
+          </p:cNvSpPr>
           <p:nvPr>
-            <p:ph idx="1"/>
+            <p:ph type="body" idx="1"/>
           </p:nvPr>
-        </p:nvPicPr>
-        <p:blipFill>
-          <a:blip r:embed="rId2">
-            <a:extLst>
-              <a:ext uri="{28A0092B-C50C-407E-A947-70E740481C1C}">
-                <a14:useLocalDpi xmlns:a14="http://schemas.microsoft.com/office/drawing/2010/main" val="0"/>
-              </a:ext>
-            </a:extLst>
-          </a:blip>
-          <a:stretch>
-            <a:fillRect/>
-          </a:stretch>
-        </p:blipFill>
-        <p:spPr>
-          <a:xfrm>
-            <a:off x="4228051" y="935178"/>
-            <a:ext cx="3735898" cy="5330544"/>
-          </a:xfrm>
-        </p:spPr>
-      </p:pic>
+        </p:nvSpPr>
+        <p:spPr/>
+        <p:txBody>
+          <a:bodyPr/>
+          <a:lstStyle/>
+          <a:p>
+            <a:endParaRPr lang="en-DE" dirty="0"/>
+          </a:p>
+        </p:txBody>
+      </p:sp>
       <p:sp>
         <p:nvSpPr>
           <p:cNvPr id="5" name="Footer Placeholder 4">
             <a:extLst>
               <a:ext uri="{FF2B5EF4-FFF2-40B4-BE49-F238E27FC236}">
-                <a16:creationId xmlns:a16="http://schemas.microsoft.com/office/drawing/2014/main" id="{AB21BEA8-AC5E-4B42-8965-7E85F7750546}"/>
+                <a16:creationId xmlns:a16="http://schemas.microsoft.com/office/drawing/2014/main" id="{FB33A25B-7E32-43F9-8A6E-DB6C2C83BE07}"/>
               </a:ext>
             </a:extLst>
           </p:cNvPr>
@@ -10765,7 +8231,7 @@
           <p:cNvPr id="6" name="Slide Number Placeholder 5">
             <a:extLst>
               <a:ext uri="{FF2B5EF4-FFF2-40B4-BE49-F238E27FC236}">
-                <a16:creationId xmlns:a16="http://schemas.microsoft.com/office/drawing/2014/main" id="{88B94C9E-7C87-40BA-8122-DFA7CE3279A6}"/>
+                <a16:creationId xmlns:a16="http://schemas.microsoft.com/office/drawing/2014/main" id="{0FE1C823-7368-4810-97CF-5AF86F05728E}"/>
               </a:ext>
             </a:extLst>
           </p:cNvPr>
@@ -10784,157 +8250,6 @@
             <a:fld id="{5A14344A-9BDE-4E14-9F68-42155428760A}" type="slidenum">
               <a:rPr lang="de-DE" smtClean="0"/>
               <a:t>15</a:t>
-            </a:fld>
-            <a:endParaRPr lang="de-DE"/>
-          </a:p>
-        </p:txBody>
-      </p:sp>
-    </p:spTree>
-    <p:extLst>
-      <p:ext uri="{BB962C8B-B14F-4D97-AF65-F5344CB8AC3E}">
-        <p14:creationId xmlns:p14="http://schemas.microsoft.com/office/powerpoint/2010/main" val="636553154"/>
-      </p:ext>
-    </p:extLst>
-  </p:cSld>
-  <p:clrMapOvr>
-    <a:masterClrMapping/>
-  </p:clrMapOvr>
-  <p:transition spd="med">
-    <p:cover/>
-  </p:transition>
-</p:sld>
-</file>
-
-<file path=ppt/slides/slide16.xml><?xml version="1.0" encoding="utf-8"?>
-<p:sld xmlns:a="http://schemas.openxmlformats.org/drawingml/2006/main" xmlns:r="http://schemas.openxmlformats.org/officeDocument/2006/relationships" xmlns:p="http://schemas.openxmlformats.org/presentationml/2006/main">
-  <p:cSld>
-    <p:spTree>
-      <p:nvGrpSpPr>
-        <p:cNvPr id="1" name=""/>
-        <p:cNvGrpSpPr/>
-        <p:nvPr/>
-      </p:nvGrpSpPr>
-      <p:grpSpPr>
-        <a:xfrm>
-          <a:off x="0" y="0"/>
-          <a:ext cx="0" cy="0"/>
-          <a:chOff x="0" y="0"/>
-          <a:chExt cx="0" cy="0"/>
-        </a:xfrm>
-      </p:grpSpPr>
-      <p:sp>
-        <p:nvSpPr>
-          <p:cNvPr id="7" name="Title 6">
-            <a:extLst>
-              <a:ext uri="{FF2B5EF4-FFF2-40B4-BE49-F238E27FC236}">
-                <a16:creationId xmlns:a16="http://schemas.microsoft.com/office/drawing/2014/main" id="{57D297FC-AE0D-4197-98D6-D975F71C5779}"/>
-              </a:ext>
-            </a:extLst>
-          </p:cNvPr>
-          <p:cNvSpPr>
-            <a:spLocks noGrp="1"/>
-          </p:cNvSpPr>
-          <p:nvPr>
-            <p:ph type="title"/>
-          </p:nvPr>
-        </p:nvSpPr>
-        <p:spPr/>
-        <p:txBody>
-          <a:bodyPr/>
-          <a:lstStyle/>
-          <a:p>
-            <a:r>
-              <a:rPr lang="de-DE" dirty="0"/>
-              <a:t>Asynchrones Programmieren</a:t>
-            </a:r>
-            <a:br>
-              <a:rPr lang="de-DE" dirty="0"/>
-            </a:br>
-            <a:r>
-              <a:rPr lang="de-DE" dirty="0"/>
-              <a:t>in .NET</a:t>
-            </a:r>
-            <a:endParaRPr lang="en-DE" dirty="0"/>
-          </a:p>
-        </p:txBody>
-      </p:sp>
-      <p:sp>
-        <p:nvSpPr>
-          <p:cNvPr id="8" name="Text Placeholder 7">
-            <a:extLst>
-              <a:ext uri="{FF2B5EF4-FFF2-40B4-BE49-F238E27FC236}">
-                <a16:creationId xmlns:a16="http://schemas.microsoft.com/office/drawing/2014/main" id="{594CA20F-7F58-4AAA-9556-6AE379C7B163}"/>
-              </a:ext>
-            </a:extLst>
-          </p:cNvPr>
-          <p:cNvSpPr>
-            <a:spLocks noGrp="1"/>
-          </p:cNvSpPr>
-          <p:nvPr>
-            <p:ph type="body" idx="1"/>
-          </p:nvPr>
-        </p:nvSpPr>
-        <p:spPr/>
-        <p:txBody>
-          <a:bodyPr/>
-          <a:lstStyle/>
-          <a:p>
-            <a:endParaRPr lang="en-DE" dirty="0"/>
-          </a:p>
-        </p:txBody>
-      </p:sp>
-      <p:sp>
-        <p:nvSpPr>
-          <p:cNvPr id="5" name="Footer Placeholder 4">
-            <a:extLst>
-              <a:ext uri="{FF2B5EF4-FFF2-40B4-BE49-F238E27FC236}">
-                <a16:creationId xmlns:a16="http://schemas.microsoft.com/office/drawing/2014/main" id="{FB33A25B-7E32-43F9-8A6E-DB6C2C83BE07}"/>
-              </a:ext>
-            </a:extLst>
-          </p:cNvPr>
-          <p:cNvSpPr>
-            <a:spLocks noGrp="1"/>
-          </p:cNvSpPr>
-          <p:nvPr>
-            <p:ph type="ftr" sz="quarter" idx="11"/>
-          </p:nvPr>
-        </p:nvSpPr>
-        <p:spPr/>
-        <p:txBody>
-          <a:bodyPr/>
-          <a:lstStyle/>
-          <a:p>
-            <a:r>
-              <a:rPr lang="de-DE"/>
-              <a:t>Design Principles vs. Performance - Kenny Pflug</a:t>
-            </a:r>
-          </a:p>
-        </p:txBody>
-      </p:sp>
-      <p:sp>
-        <p:nvSpPr>
-          <p:cNvPr id="6" name="Slide Number Placeholder 5">
-            <a:extLst>
-              <a:ext uri="{FF2B5EF4-FFF2-40B4-BE49-F238E27FC236}">
-                <a16:creationId xmlns:a16="http://schemas.microsoft.com/office/drawing/2014/main" id="{0FE1C823-7368-4810-97CF-5AF86F05728E}"/>
-              </a:ext>
-            </a:extLst>
-          </p:cNvPr>
-          <p:cNvSpPr>
-            <a:spLocks noGrp="1"/>
-          </p:cNvSpPr>
-          <p:nvPr>
-            <p:ph type="sldNum" sz="quarter" idx="12"/>
-          </p:nvPr>
-        </p:nvSpPr>
-        <p:spPr/>
-        <p:txBody>
-          <a:bodyPr/>
-          <a:lstStyle/>
-          <a:p>
-            <a:fld id="{5A14344A-9BDE-4E14-9F68-42155428760A}" type="slidenum">
-              <a:rPr lang="de-DE" smtClean="0"/>
-              <a:t>16</a:t>
             </a:fld>
             <a:endParaRPr lang="de-DE"/>
           </a:p>
@@ -10956,7 +8271,7 @@
 </p:sld>
 </file>
 
-<file path=ppt/slides/slide17.xml><?xml version="1.0" encoding="utf-8"?>
+<file path=ppt/slides/slide16.xml><?xml version="1.0" encoding="utf-8"?>
 <p:sld xmlns:a="http://schemas.openxmlformats.org/drawingml/2006/main" xmlns:r="http://schemas.openxmlformats.org/officeDocument/2006/relationships" xmlns:p="http://schemas.openxmlformats.org/presentationml/2006/main" showMasterPhAnim="0">
   <p:cSld>
     <p:spTree>
@@ -11140,7 +8455,7 @@
             <a:fld id="{5A14344A-9BDE-4E14-9F68-42155428760A}" type="slidenum">
               <a:rPr lang="de-DE" smtClean="0"/>
               <a:pPr/>
-              <a:t>17</a:t>
+              <a:t>16</a:t>
             </a:fld>
             <a:endParaRPr lang="de-DE"/>
           </a:p>
@@ -11491,7 +8806,7 @@
 </p:sld>
 </file>
 
-<file path=ppt/slides/slide18.xml><?xml version="1.0" encoding="utf-8"?>
+<file path=ppt/slides/slide17.xml><?xml version="1.0" encoding="utf-8"?>
 <p:sld xmlns:a="http://schemas.openxmlformats.org/drawingml/2006/main" xmlns:r="http://schemas.openxmlformats.org/officeDocument/2006/relationships" xmlns:p="http://schemas.openxmlformats.org/presentationml/2006/main">
   <p:cSld>
     <p:spTree>
@@ -11510,10 +8825,10 @@
       </p:grpSpPr>
       <p:sp>
         <p:nvSpPr>
-          <p:cNvPr id="7" name="Title 6">
-            <a:extLst>
-              <a:ext uri="{FF2B5EF4-FFF2-40B4-BE49-F238E27FC236}">
-                <a16:creationId xmlns:a16="http://schemas.microsoft.com/office/drawing/2014/main" id="{D554404C-A9AC-470E-BEE5-B1AC3FF36A0E}"/>
+          <p:cNvPr id="2" name="Title 1">
+            <a:extLst>
+              <a:ext uri="{FF2B5EF4-FFF2-40B4-BE49-F238E27FC236}">
+                <a16:creationId xmlns:a16="http://schemas.microsoft.com/office/drawing/2014/main" id="{E7A3B1F5-2A98-4A08-845A-EA8D076A7E36}"/>
               </a:ext>
             </a:extLst>
           </p:cNvPr>
@@ -11531,7 +8846,15 @@
           <a:p>
             <a:r>
               <a:rPr lang="de-DE" dirty="0"/>
-              <a:t>Ein paar Sachen über Threads</a:t>
+              <a:t>Warum ist </a:t>
+            </a:r>
+            <a:r>
+              <a:rPr lang="de-DE" dirty="0" err="1"/>
+              <a:t>Async</a:t>
+            </a:r>
+            <a:r>
+              <a:rPr lang="de-DE" dirty="0"/>
+              <a:t> I/O wichtig?</a:t>
             </a:r>
             <a:endParaRPr lang="en-DE" dirty="0"/>
           </a:p>
@@ -11539,10 +8862,10 @@
       </p:sp>
       <p:sp>
         <p:nvSpPr>
-          <p:cNvPr id="8" name="Content Placeholder 7">
-            <a:extLst>
-              <a:ext uri="{FF2B5EF4-FFF2-40B4-BE49-F238E27FC236}">
-                <a16:creationId xmlns:a16="http://schemas.microsoft.com/office/drawing/2014/main" id="{13B87DE1-1896-4BEB-9EDB-35C845FF9948}"/>
+          <p:cNvPr id="3" name="Content Placeholder 2">
+            <a:extLst>
+              <a:ext uri="{FF2B5EF4-FFF2-40B4-BE49-F238E27FC236}">
+                <a16:creationId xmlns:a16="http://schemas.microsoft.com/office/drawing/2014/main" id="{9147E05B-A11B-4B13-B920-F9C2AB74AB1A}"/>
               </a:ext>
             </a:extLst>
           </p:cNvPr>
@@ -11560,39 +8883,23 @@
           <a:p>
             <a:r>
               <a:rPr lang="de-DE" dirty="0"/>
-              <a:t>Speicherverbrauch:</a:t>
-            </a:r>
-          </a:p>
-          <a:p>
-            <a:pPr lvl="1"/>
+              <a:t>Wenn Sie I/O über synchrone APIs ausführen, blockiert der aufrufende Thread, bis das Ergebnis da ist.</a:t>
+            </a:r>
+          </a:p>
+          <a:p>
             <a:r>
               <a:rPr lang="de-DE" dirty="0"/>
-              <a:t>standardmäßig 1 MB (x86) oder 4 MB (x64) Thread Stack (User Mode)</a:t>
-            </a:r>
-          </a:p>
-          <a:p>
-            <a:pPr lvl="1"/>
+              <a:t>Wenn der Thread Pool blockierte Threads sieht, erzeugt er neue</a:t>
+            </a:r>
+          </a:p>
+          <a:p>
             <a:r>
               <a:rPr lang="de-DE" dirty="0"/>
-              <a:t>12 KB (x86) oder 14 KB (x64) Kernel Mode </a:t>
-            </a:r>
-            <a:r>
-              <a:rPr lang="de-DE" dirty="0" err="1"/>
-              <a:t>Object</a:t>
-            </a:r>
-            <a:endParaRPr lang="de-DE" dirty="0"/>
-          </a:p>
-          <a:p>
-            <a:r>
-              <a:rPr lang="en-US" dirty="0"/>
-              <a:t>Context Switching</a:t>
-            </a:r>
-          </a:p>
-          <a:p>
-            <a:r>
-              <a:rPr lang="en-US" dirty="0"/>
-              <a:t>Lx Cache Misses</a:t>
-            </a:r>
+              <a:t>Threads sind teuer</a:t>
+            </a:r>
+          </a:p>
+          <a:p>
+            <a:endParaRPr lang="en-DE" dirty="0"/>
           </a:p>
         </p:txBody>
       </p:sp>
@@ -11601,7 +8908,7 @@
           <p:cNvPr id="5" name="Footer Placeholder 4">
             <a:extLst>
               <a:ext uri="{FF2B5EF4-FFF2-40B4-BE49-F238E27FC236}">
-                <a16:creationId xmlns:a16="http://schemas.microsoft.com/office/drawing/2014/main" id="{15A1990B-8A6A-423F-A0F6-89C8D270BE95}"/>
+                <a16:creationId xmlns:a16="http://schemas.microsoft.com/office/drawing/2014/main" id="{6C68B6D3-4ACA-4790-A244-082E26A1B4D4}"/>
               </a:ext>
             </a:extLst>
           </p:cNvPr>
@@ -11629,7 +8936,7 @@
           <p:cNvPr id="6" name="Slide Number Placeholder 5">
             <a:extLst>
               <a:ext uri="{FF2B5EF4-FFF2-40B4-BE49-F238E27FC236}">
-                <a16:creationId xmlns:a16="http://schemas.microsoft.com/office/drawing/2014/main" id="{B8871001-0DDE-4EEF-8DC9-BF3CFC2D8E65}"/>
+                <a16:creationId xmlns:a16="http://schemas.microsoft.com/office/drawing/2014/main" id="{A9009750-99D9-476C-8CDD-EF80A71C74B2}"/>
               </a:ext>
             </a:extLst>
           </p:cNvPr>
@@ -11647,182 +8954,7 @@
           <a:p>
             <a:fld id="{5A14344A-9BDE-4E14-9F68-42155428760A}" type="slidenum">
               <a:rPr lang="de-DE" smtClean="0"/>
-              <a:t>18</a:t>
-            </a:fld>
-            <a:endParaRPr lang="de-DE"/>
-          </a:p>
-        </p:txBody>
-      </p:sp>
-    </p:spTree>
-    <p:extLst>
-      <p:ext uri="{BB962C8B-B14F-4D97-AF65-F5344CB8AC3E}">
-        <p14:creationId xmlns:p14="http://schemas.microsoft.com/office/powerpoint/2010/main" val="1719310878"/>
-      </p:ext>
-    </p:extLst>
-  </p:cSld>
-  <p:clrMapOvr>
-    <a:masterClrMapping/>
-  </p:clrMapOvr>
-  <mc:AlternateContent xmlns:mc="http://schemas.openxmlformats.org/markup-compatibility/2006" xmlns:p14="http://schemas.microsoft.com/office/powerpoint/2010/main">
-    <mc:Choice Requires="p14">
-      <p:transition p14:dur="0"/>
-    </mc:Choice>
-    <mc:Fallback xmlns="">
-      <p:transition/>
-    </mc:Fallback>
-  </mc:AlternateContent>
-</p:sld>
-</file>
-
-<file path=ppt/slides/slide19.xml><?xml version="1.0" encoding="utf-8"?>
-<p:sld xmlns:a="http://schemas.openxmlformats.org/drawingml/2006/main" xmlns:r="http://schemas.openxmlformats.org/officeDocument/2006/relationships" xmlns:p="http://schemas.openxmlformats.org/presentationml/2006/main">
-  <p:cSld>
-    <p:spTree>
-      <p:nvGrpSpPr>
-        <p:cNvPr id="1" name=""/>
-        <p:cNvGrpSpPr/>
-        <p:nvPr/>
-      </p:nvGrpSpPr>
-      <p:grpSpPr>
-        <a:xfrm>
-          <a:off x="0" y="0"/>
-          <a:ext cx="0" cy="0"/>
-          <a:chOff x="0" y="0"/>
-          <a:chExt cx="0" cy="0"/>
-        </a:xfrm>
-      </p:grpSpPr>
-      <p:sp>
-        <p:nvSpPr>
-          <p:cNvPr id="2" name="Title 1">
-            <a:extLst>
-              <a:ext uri="{FF2B5EF4-FFF2-40B4-BE49-F238E27FC236}">
-                <a16:creationId xmlns:a16="http://schemas.microsoft.com/office/drawing/2014/main" id="{E7A3B1F5-2A98-4A08-845A-EA8D076A7E36}"/>
-              </a:ext>
-            </a:extLst>
-          </p:cNvPr>
-          <p:cNvSpPr>
-            <a:spLocks noGrp="1"/>
-          </p:cNvSpPr>
-          <p:nvPr>
-            <p:ph type="title"/>
-          </p:nvPr>
-        </p:nvSpPr>
-        <p:spPr/>
-        <p:txBody>
-          <a:bodyPr/>
-          <a:lstStyle/>
-          <a:p>
-            <a:r>
-              <a:rPr lang="de-DE" dirty="0"/>
-              <a:t>Warum ist </a:t>
-            </a:r>
-            <a:r>
-              <a:rPr lang="de-DE" dirty="0" err="1"/>
-              <a:t>Async</a:t>
-            </a:r>
-            <a:r>
-              <a:rPr lang="de-DE" dirty="0"/>
-              <a:t> I/O wichtig?</a:t>
-            </a:r>
-            <a:endParaRPr lang="en-DE" dirty="0"/>
-          </a:p>
-        </p:txBody>
-      </p:sp>
-      <p:sp>
-        <p:nvSpPr>
-          <p:cNvPr id="3" name="Content Placeholder 2">
-            <a:extLst>
-              <a:ext uri="{FF2B5EF4-FFF2-40B4-BE49-F238E27FC236}">
-                <a16:creationId xmlns:a16="http://schemas.microsoft.com/office/drawing/2014/main" id="{9147E05B-A11B-4B13-B920-F9C2AB74AB1A}"/>
-              </a:ext>
-            </a:extLst>
-          </p:cNvPr>
-          <p:cNvSpPr>
-            <a:spLocks noGrp="1"/>
-          </p:cNvSpPr>
-          <p:nvPr>
-            <p:ph idx="1"/>
-          </p:nvPr>
-        </p:nvSpPr>
-        <p:spPr/>
-        <p:txBody>
-          <a:bodyPr/>
-          <a:lstStyle/>
-          <a:p>
-            <a:r>
-              <a:rPr lang="de-DE" dirty="0"/>
-              <a:t>Wenn Sie I/O über synchrone APIs ausführen, blockiert der aufrufende Thread, bis das Ergebnis da ist.</a:t>
-            </a:r>
-          </a:p>
-          <a:p>
-            <a:r>
-              <a:rPr lang="de-DE" dirty="0"/>
-              <a:t>Wenn der Thread Pool blockierte Threads sieht, erzeugt er neue</a:t>
-            </a:r>
-          </a:p>
-          <a:p>
-            <a:r>
-              <a:rPr lang="de-DE" dirty="0"/>
-              <a:t>Threads sind teuer</a:t>
-            </a:r>
-          </a:p>
-          <a:p>
-            <a:endParaRPr lang="en-DE" dirty="0"/>
-          </a:p>
-        </p:txBody>
-      </p:sp>
-      <p:sp>
-        <p:nvSpPr>
-          <p:cNvPr id="5" name="Footer Placeholder 4">
-            <a:extLst>
-              <a:ext uri="{FF2B5EF4-FFF2-40B4-BE49-F238E27FC236}">
-                <a16:creationId xmlns:a16="http://schemas.microsoft.com/office/drawing/2014/main" id="{6C68B6D3-4ACA-4790-A244-082E26A1B4D4}"/>
-              </a:ext>
-            </a:extLst>
-          </p:cNvPr>
-          <p:cNvSpPr>
-            <a:spLocks noGrp="1"/>
-          </p:cNvSpPr>
-          <p:nvPr>
-            <p:ph type="ftr" sz="quarter" idx="11"/>
-          </p:nvPr>
-        </p:nvSpPr>
-        <p:spPr/>
-        <p:txBody>
-          <a:bodyPr/>
-          <a:lstStyle/>
-          <a:p>
-            <a:r>
-              <a:rPr lang="de-DE"/>
-              <a:t>Design Principles vs. Performance - Kenny Pflug</a:t>
-            </a:r>
-          </a:p>
-        </p:txBody>
-      </p:sp>
-      <p:sp>
-        <p:nvSpPr>
-          <p:cNvPr id="6" name="Slide Number Placeholder 5">
-            <a:extLst>
-              <a:ext uri="{FF2B5EF4-FFF2-40B4-BE49-F238E27FC236}">
-                <a16:creationId xmlns:a16="http://schemas.microsoft.com/office/drawing/2014/main" id="{A9009750-99D9-476C-8CDD-EF80A71C74B2}"/>
-              </a:ext>
-            </a:extLst>
-          </p:cNvPr>
-          <p:cNvSpPr>
-            <a:spLocks noGrp="1"/>
-          </p:cNvSpPr>
-          <p:nvPr>
-            <p:ph type="sldNum" sz="quarter" idx="12"/>
-          </p:nvPr>
-        </p:nvSpPr>
-        <p:spPr/>
-        <p:txBody>
-          <a:bodyPr/>
-          <a:lstStyle/>
-          <a:p>
-            <a:fld id="{5A14344A-9BDE-4E14-9F68-42155428760A}" type="slidenum">
-              <a:rPr lang="de-DE" smtClean="0"/>
-              <a:t>19</a:t>
+              <a:t>17</a:t>
             </a:fld>
             <a:endParaRPr lang="de-DE"/>
           </a:p>
@@ -11849,7 +8981,7 @@
 </p:sld>
 </file>
 
-<file path=ppt/slides/slide2.xml><?xml version="1.0" encoding="utf-8"?>
+<file path=ppt/slides/slide18.xml><?xml version="1.0" encoding="utf-8"?>
 <p:sld xmlns:a="http://schemas.openxmlformats.org/drawingml/2006/main" xmlns:r="http://schemas.openxmlformats.org/officeDocument/2006/relationships" xmlns:p="http://schemas.openxmlformats.org/presentationml/2006/main">
   <p:cSld>
     <p:spTree>
@@ -11871,7 +9003,7 @@
           <p:cNvPr id="2" name="Title 1">
             <a:extLst>
               <a:ext uri="{FF2B5EF4-FFF2-40B4-BE49-F238E27FC236}">
-                <a16:creationId xmlns:a16="http://schemas.microsoft.com/office/drawing/2014/main" id="{BC1A53B9-B6B3-4498-BA6A-0F859D6E7ABB}"/>
+                <a16:creationId xmlns:a16="http://schemas.microsoft.com/office/drawing/2014/main" id="{185AE7EE-E169-487D-9C9A-1A5E17BA603C}"/>
               </a:ext>
             </a:extLst>
           </p:cNvPr>
@@ -11889,87 +9021,9 @@
           <a:p>
             <a:r>
               <a:rPr lang="de-DE" dirty="0"/>
-              <a:t>Agenda</a:t>
-            </a:r>
-          </a:p>
-        </p:txBody>
-      </p:sp>
-      <p:sp>
-        <p:nvSpPr>
-          <p:cNvPr id="3" name="Content Placeholder 2">
-            <a:extLst>
-              <a:ext uri="{FF2B5EF4-FFF2-40B4-BE49-F238E27FC236}">
-                <a16:creationId xmlns:a16="http://schemas.microsoft.com/office/drawing/2014/main" id="{94D6F9F2-18A9-4F90-AC61-21608D3E65E2}"/>
-              </a:ext>
-            </a:extLst>
-          </p:cNvPr>
-          <p:cNvSpPr>
-            <a:spLocks noGrp="1"/>
-          </p:cNvSpPr>
-          <p:nvPr>
-            <p:ph idx="1"/>
-          </p:nvPr>
-        </p:nvSpPr>
-        <p:spPr/>
-        <p:txBody>
-          <a:bodyPr/>
-          <a:lstStyle/>
-          <a:p>
-            <a:r>
-              <a:rPr lang="de-DE" dirty="0"/>
-              <a:t>Wie habe ich bis 2015 meine Software-Applikationen gestaltet?</a:t>
-            </a:r>
-          </a:p>
-          <a:p>
-            <a:r>
-              <a:rPr lang="de-DE" dirty="0"/>
-              <a:t>Was habe ich über Performance gelernt?</a:t>
-            </a:r>
-          </a:p>
-          <a:p>
-            <a:pPr lvl="1"/>
-            <a:r>
-              <a:rPr lang="de-DE" dirty="0"/>
-              <a:t>Speichermanagement und GC in der .NET </a:t>
-            </a:r>
-            <a:r>
-              <a:rPr lang="de-DE" dirty="0" err="1"/>
-              <a:t>Runtime</a:t>
-            </a:r>
-            <a:endParaRPr lang="de-DE" dirty="0"/>
-          </a:p>
-          <a:p>
-            <a:pPr lvl="1"/>
-            <a:r>
-              <a:rPr lang="de-DE" dirty="0" err="1"/>
-              <a:t>async</a:t>
-            </a:r>
-            <a:r>
-              <a:rPr lang="de-DE" dirty="0"/>
-              <a:t> </a:t>
-            </a:r>
-            <a:r>
-              <a:rPr lang="de-DE" dirty="0" err="1"/>
-              <a:t>await</a:t>
-            </a:r>
-            <a:r>
-              <a:rPr lang="de-DE" dirty="0"/>
-              <a:t>, Threading und Thread Pool in der .NET </a:t>
-            </a:r>
-            <a:r>
-              <a:rPr lang="de-DE" dirty="0" err="1"/>
-              <a:t>Runtime</a:t>
-            </a:r>
-            <a:endParaRPr lang="de-DE" dirty="0"/>
-          </a:p>
-          <a:p>
-            <a:r>
-              <a:rPr lang="de-DE" dirty="0"/>
-              <a:t>Auswirkungen auf Software-Design</a:t>
-            </a:r>
-          </a:p>
-          <a:p>
-            <a:endParaRPr lang="de-DE" dirty="0"/>
+              <a:t>Threading in Services in .NET</a:t>
+            </a:r>
+            <a:endParaRPr lang="en-DE" dirty="0"/>
           </a:p>
         </p:txBody>
       </p:sp>
@@ -11978,7 +9032,7 @@
           <p:cNvPr id="5" name="Footer Placeholder 4">
             <a:extLst>
               <a:ext uri="{FF2B5EF4-FFF2-40B4-BE49-F238E27FC236}">
-                <a16:creationId xmlns:a16="http://schemas.microsoft.com/office/drawing/2014/main" id="{35936494-1751-4A84-8371-DF78A79CF496}"/>
+                <a16:creationId xmlns:a16="http://schemas.microsoft.com/office/drawing/2014/main" id="{74C17835-83FB-4EB2-A1F3-DEA15DE7D723}"/>
               </a:ext>
             </a:extLst>
           </p:cNvPr>
@@ -12003,10 +9057,10 @@
       </p:sp>
       <p:sp>
         <p:nvSpPr>
-          <p:cNvPr id="7" name="Slide Number Placeholder 6">
-            <a:extLst>
-              <a:ext uri="{FF2B5EF4-FFF2-40B4-BE49-F238E27FC236}">
-                <a16:creationId xmlns:a16="http://schemas.microsoft.com/office/drawing/2014/main" id="{1E00650A-3508-4172-A670-F521014D4BF3}"/>
+          <p:cNvPr id="6" name="Slide Number Placeholder 5">
+            <a:extLst>
+              <a:ext uri="{FF2B5EF4-FFF2-40B4-BE49-F238E27FC236}">
+                <a16:creationId xmlns:a16="http://schemas.microsoft.com/office/drawing/2014/main" id="{9A42C9C7-B663-4C2D-811E-7A0383F3BAF5}"/>
               </a:ext>
             </a:extLst>
           </p:cNvPr>
@@ -12024,131 +9078,7 @@
           <a:p>
             <a:fld id="{5A14344A-9BDE-4E14-9F68-42155428760A}" type="slidenum">
               <a:rPr lang="de-DE" smtClean="0"/>
-              <a:t>2</a:t>
-            </a:fld>
-            <a:endParaRPr lang="de-DE"/>
-          </a:p>
-        </p:txBody>
-      </p:sp>
-    </p:spTree>
-    <p:extLst>
-      <p:ext uri="{BB962C8B-B14F-4D97-AF65-F5344CB8AC3E}">
-        <p14:creationId xmlns:p14="http://schemas.microsoft.com/office/powerpoint/2010/main" val="1459733017"/>
-      </p:ext>
-    </p:extLst>
-  </p:cSld>
-  <p:clrMapOvr>
-    <a:masterClrMapping/>
-  </p:clrMapOvr>
-  <mc:AlternateContent xmlns:mc="http://schemas.openxmlformats.org/markup-compatibility/2006" xmlns:p14="http://schemas.microsoft.com/office/powerpoint/2010/main">
-    <mc:Choice Requires="p14">
-      <p:transition p14:dur="0"/>
-    </mc:Choice>
-    <mc:Fallback xmlns="">
-      <p:transition/>
-    </mc:Fallback>
-  </mc:AlternateContent>
-</p:sld>
-</file>
-
-<file path=ppt/slides/slide20.xml><?xml version="1.0" encoding="utf-8"?>
-<p:sld xmlns:a="http://schemas.openxmlformats.org/drawingml/2006/main" xmlns:r="http://schemas.openxmlformats.org/officeDocument/2006/relationships" xmlns:p="http://schemas.openxmlformats.org/presentationml/2006/main">
-  <p:cSld>
-    <p:spTree>
-      <p:nvGrpSpPr>
-        <p:cNvPr id="1" name=""/>
-        <p:cNvGrpSpPr/>
-        <p:nvPr/>
-      </p:nvGrpSpPr>
-      <p:grpSpPr>
-        <a:xfrm>
-          <a:off x="0" y="0"/>
-          <a:ext cx="0" cy="0"/>
-          <a:chOff x="0" y="0"/>
-          <a:chExt cx="0" cy="0"/>
-        </a:xfrm>
-      </p:grpSpPr>
-      <p:sp>
-        <p:nvSpPr>
-          <p:cNvPr id="2" name="Title 1">
-            <a:extLst>
-              <a:ext uri="{FF2B5EF4-FFF2-40B4-BE49-F238E27FC236}">
-                <a16:creationId xmlns:a16="http://schemas.microsoft.com/office/drawing/2014/main" id="{185AE7EE-E169-487D-9C9A-1A5E17BA603C}"/>
-              </a:ext>
-            </a:extLst>
-          </p:cNvPr>
-          <p:cNvSpPr>
-            <a:spLocks noGrp="1"/>
-          </p:cNvSpPr>
-          <p:nvPr>
-            <p:ph type="title"/>
-          </p:nvPr>
-        </p:nvSpPr>
-        <p:spPr/>
-        <p:txBody>
-          <a:bodyPr/>
-          <a:lstStyle/>
-          <a:p>
-            <a:r>
-              <a:rPr lang="de-DE" dirty="0"/>
-              <a:t>Threading in Services in .NET</a:t>
-            </a:r>
-            <a:endParaRPr lang="en-DE" dirty="0"/>
-          </a:p>
-        </p:txBody>
-      </p:sp>
-      <p:sp>
-        <p:nvSpPr>
-          <p:cNvPr id="5" name="Footer Placeholder 4">
-            <a:extLst>
-              <a:ext uri="{FF2B5EF4-FFF2-40B4-BE49-F238E27FC236}">
-                <a16:creationId xmlns:a16="http://schemas.microsoft.com/office/drawing/2014/main" id="{74C17835-83FB-4EB2-A1F3-DEA15DE7D723}"/>
-              </a:ext>
-            </a:extLst>
-          </p:cNvPr>
-          <p:cNvSpPr>
-            <a:spLocks noGrp="1"/>
-          </p:cNvSpPr>
-          <p:nvPr>
-            <p:ph type="ftr" sz="quarter" idx="11"/>
-          </p:nvPr>
-        </p:nvSpPr>
-        <p:spPr/>
-        <p:txBody>
-          <a:bodyPr/>
-          <a:lstStyle/>
-          <a:p>
-            <a:r>
-              <a:rPr lang="de-DE"/>
-              <a:t>Design Principles vs. Performance - Kenny Pflug</a:t>
-            </a:r>
-          </a:p>
-        </p:txBody>
-      </p:sp>
-      <p:sp>
-        <p:nvSpPr>
-          <p:cNvPr id="6" name="Slide Number Placeholder 5">
-            <a:extLst>
-              <a:ext uri="{FF2B5EF4-FFF2-40B4-BE49-F238E27FC236}">
-                <a16:creationId xmlns:a16="http://schemas.microsoft.com/office/drawing/2014/main" id="{9A42C9C7-B663-4C2D-811E-7A0383F3BAF5}"/>
-              </a:ext>
-            </a:extLst>
-          </p:cNvPr>
-          <p:cNvSpPr>
-            <a:spLocks noGrp="1"/>
-          </p:cNvSpPr>
-          <p:nvPr>
-            <p:ph type="sldNum" sz="quarter" idx="12"/>
-          </p:nvPr>
-        </p:nvSpPr>
-        <p:spPr/>
-        <p:txBody>
-          <a:bodyPr/>
-          <a:lstStyle/>
-          <a:p>
-            <a:fld id="{5A14344A-9BDE-4E14-9F68-42155428760A}" type="slidenum">
-              <a:rPr lang="de-DE" smtClean="0"/>
-              <a:t>20</a:t>
+              <a:t>18</a:t>
             </a:fld>
             <a:endParaRPr lang="de-DE"/>
           </a:p>
@@ -13020,7 +9950,7 @@
 </p:sld>
 </file>
 
-<file path=ppt/slides/slide21.xml><?xml version="1.0" encoding="utf-8"?>
+<file path=ppt/slides/slide19.xml><?xml version="1.0" encoding="utf-8"?>
 <p:sld xmlns:a="http://schemas.openxmlformats.org/drawingml/2006/main" xmlns:r="http://schemas.openxmlformats.org/officeDocument/2006/relationships" xmlns:p="http://schemas.openxmlformats.org/presentationml/2006/main">
   <p:cSld>
     <p:spTree>
@@ -13195,7 +10125,7 @@
           <a:p>
             <a:fld id="{5A14344A-9BDE-4E14-9F68-42155428760A}" type="slidenum">
               <a:rPr lang="de-DE" smtClean="0"/>
-              <a:t>21</a:t>
+              <a:t>19</a:t>
             </a:fld>
             <a:endParaRPr lang="de-DE"/>
           </a:p>
@@ -13252,6 +10182,678 @@
 </p:sld>
 </file>
 
+<file path=ppt/slides/slide2.xml><?xml version="1.0" encoding="utf-8"?>
+<p:sld xmlns:a="http://schemas.openxmlformats.org/drawingml/2006/main" xmlns:r="http://schemas.openxmlformats.org/officeDocument/2006/relationships" xmlns:p="http://schemas.openxmlformats.org/presentationml/2006/main">
+  <p:cSld>
+    <p:spTree>
+      <p:nvGrpSpPr>
+        <p:cNvPr id="1" name=""/>
+        <p:cNvGrpSpPr/>
+        <p:nvPr/>
+      </p:nvGrpSpPr>
+      <p:grpSpPr>
+        <a:xfrm>
+          <a:off x="0" y="0"/>
+          <a:ext cx="0" cy="0"/>
+          <a:chOff x="0" y="0"/>
+          <a:chExt cx="0" cy="0"/>
+        </a:xfrm>
+      </p:grpSpPr>
+      <p:sp>
+        <p:nvSpPr>
+          <p:cNvPr id="2" name="Title 1">
+            <a:extLst>
+              <a:ext uri="{FF2B5EF4-FFF2-40B4-BE49-F238E27FC236}">
+                <a16:creationId xmlns:a16="http://schemas.microsoft.com/office/drawing/2014/main" id="{BC1A53B9-B6B3-4498-BA6A-0F859D6E7ABB}"/>
+              </a:ext>
+            </a:extLst>
+          </p:cNvPr>
+          <p:cNvSpPr>
+            <a:spLocks noGrp="1"/>
+          </p:cNvSpPr>
+          <p:nvPr>
+            <p:ph type="title"/>
+          </p:nvPr>
+        </p:nvSpPr>
+        <p:spPr/>
+        <p:txBody>
+          <a:bodyPr/>
+          <a:lstStyle/>
+          <a:p>
+            <a:r>
+              <a:rPr lang="de-DE" dirty="0"/>
+              <a:t>Agenda</a:t>
+            </a:r>
+          </a:p>
+        </p:txBody>
+      </p:sp>
+      <p:sp>
+        <p:nvSpPr>
+          <p:cNvPr id="3" name="Content Placeholder 2">
+            <a:extLst>
+              <a:ext uri="{FF2B5EF4-FFF2-40B4-BE49-F238E27FC236}">
+                <a16:creationId xmlns:a16="http://schemas.microsoft.com/office/drawing/2014/main" id="{94D6F9F2-18A9-4F90-AC61-21608D3E65E2}"/>
+              </a:ext>
+            </a:extLst>
+          </p:cNvPr>
+          <p:cNvSpPr>
+            <a:spLocks noGrp="1"/>
+          </p:cNvSpPr>
+          <p:nvPr>
+            <p:ph idx="1"/>
+          </p:nvPr>
+        </p:nvSpPr>
+        <p:spPr/>
+        <p:txBody>
+          <a:bodyPr/>
+          <a:lstStyle/>
+          <a:p>
+            <a:r>
+              <a:rPr lang="de-DE" dirty="0"/>
+              <a:t>Wie habe ich bis 2015 meine Software-Applikationen gestaltet?</a:t>
+            </a:r>
+          </a:p>
+          <a:p>
+            <a:r>
+              <a:rPr lang="de-DE" dirty="0"/>
+              <a:t>Drei Beispiele für Performance und Interna</a:t>
+            </a:r>
+          </a:p>
+          <a:p>
+            <a:r>
+              <a:rPr lang="de-DE" dirty="0"/>
+              <a:t>Vereinbarkeit mit Prinzipien, Patterns und Best Practices</a:t>
+            </a:r>
+          </a:p>
+          <a:p>
+            <a:endParaRPr lang="de-DE" dirty="0"/>
+          </a:p>
+        </p:txBody>
+      </p:sp>
+      <p:sp>
+        <p:nvSpPr>
+          <p:cNvPr id="5" name="Footer Placeholder 4">
+            <a:extLst>
+              <a:ext uri="{FF2B5EF4-FFF2-40B4-BE49-F238E27FC236}">
+                <a16:creationId xmlns:a16="http://schemas.microsoft.com/office/drawing/2014/main" id="{35936494-1751-4A84-8371-DF78A79CF496}"/>
+              </a:ext>
+            </a:extLst>
+          </p:cNvPr>
+          <p:cNvSpPr>
+            <a:spLocks noGrp="1"/>
+          </p:cNvSpPr>
+          <p:nvPr>
+            <p:ph type="ftr" sz="quarter" idx="11"/>
+          </p:nvPr>
+        </p:nvSpPr>
+        <p:spPr/>
+        <p:txBody>
+          <a:bodyPr/>
+          <a:lstStyle/>
+          <a:p>
+            <a:r>
+              <a:rPr lang="de-DE"/>
+              <a:t>Design Principles vs. Performance - Kenny Pflug</a:t>
+            </a:r>
+          </a:p>
+        </p:txBody>
+      </p:sp>
+      <p:sp>
+        <p:nvSpPr>
+          <p:cNvPr id="7" name="Slide Number Placeholder 6">
+            <a:extLst>
+              <a:ext uri="{FF2B5EF4-FFF2-40B4-BE49-F238E27FC236}">
+                <a16:creationId xmlns:a16="http://schemas.microsoft.com/office/drawing/2014/main" id="{1E00650A-3508-4172-A670-F521014D4BF3}"/>
+              </a:ext>
+            </a:extLst>
+          </p:cNvPr>
+          <p:cNvSpPr>
+            <a:spLocks noGrp="1"/>
+          </p:cNvSpPr>
+          <p:nvPr>
+            <p:ph type="sldNum" sz="quarter" idx="12"/>
+          </p:nvPr>
+        </p:nvSpPr>
+        <p:spPr/>
+        <p:txBody>
+          <a:bodyPr/>
+          <a:lstStyle/>
+          <a:p>
+            <a:fld id="{5A14344A-9BDE-4E14-9F68-42155428760A}" type="slidenum">
+              <a:rPr lang="de-DE" smtClean="0"/>
+              <a:t>2</a:t>
+            </a:fld>
+            <a:endParaRPr lang="de-DE"/>
+          </a:p>
+        </p:txBody>
+      </p:sp>
+    </p:spTree>
+    <p:extLst>
+      <p:ext uri="{BB962C8B-B14F-4D97-AF65-F5344CB8AC3E}">
+        <p14:creationId xmlns:p14="http://schemas.microsoft.com/office/powerpoint/2010/main" val="1459733017"/>
+      </p:ext>
+    </p:extLst>
+  </p:cSld>
+  <p:clrMapOvr>
+    <a:masterClrMapping/>
+  </p:clrMapOvr>
+  <mc:AlternateContent xmlns:mc="http://schemas.openxmlformats.org/markup-compatibility/2006" xmlns:p14="http://schemas.microsoft.com/office/powerpoint/2010/main">
+    <mc:Choice Requires="p14">
+      <p:transition p14:dur="0"/>
+    </mc:Choice>
+    <mc:Fallback xmlns="">
+      <p:transition/>
+    </mc:Fallback>
+  </mc:AlternateContent>
+</p:sld>
+</file>
+
+<file path=ppt/slides/slide20.xml><?xml version="1.0" encoding="utf-8"?>
+<p:sld xmlns:a="http://schemas.openxmlformats.org/drawingml/2006/main" xmlns:r="http://schemas.openxmlformats.org/officeDocument/2006/relationships" xmlns:p="http://schemas.openxmlformats.org/presentationml/2006/main">
+  <p:cSld>
+    <p:spTree>
+      <p:nvGrpSpPr>
+        <p:cNvPr id="1" name=""/>
+        <p:cNvGrpSpPr/>
+        <p:nvPr/>
+      </p:nvGrpSpPr>
+      <p:grpSpPr>
+        <a:xfrm>
+          <a:off x="0" y="0"/>
+          <a:ext cx="0" cy="0"/>
+          <a:chOff x="0" y="0"/>
+          <a:chExt cx="0" cy="0"/>
+        </a:xfrm>
+      </p:grpSpPr>
+      <p:sp>
+        <p:nvSpPr>
+          <p:cNvPr id="11" name="Title 10">
+            <a:extLst>
+              <a:ext uri="{FF2B5EF4-FFF2-40B4-BE49-F238E27FC236}">
+                <a16:creationId xmlns:a16="http://schemas.microsoft.com/office/drawing/2014/main" id="{CEFAAABC-9C5D-4187-B6E0-A0B666011E84}"/>
+              </a:ext>
+            </a:extLst>
+          </p:cNvPr>
+          <p:cNvSpPr>
+            <a:spLocks noGrp="1"/>
+          </p:cNvSpPr>
+          <p:nvPr>
+            <p:ph type="title"/>
+          </p:nvPr>
+        </p:nvSpPr>
+        <p:spPr/>
+        <p:txBody>
+          <a:bodyPr/>
+          <a:lstStyle/>
+          <a:p>
+            <a:r>
+              <a:rPr lang="de-DE" dirty="0"/>
+              <a:t> WPF - </a:t>
+            </a:r>
+            <a:r>
+              <a:rPr lang="de-DE" dirty="0" err="1"/>
+              <a:t>Internals</a:t>
+            </a:r>
+            <a:r>
+              <a:rPr lang="de-DE" dirty="0"/>
+              <a:t> </a:t>
+            </a:r>
+            <a:endParaRPr lang="en-DE" dirty="0"/>
+          </a:p>
+        </p:txBody>
+      </p:sp>
+      <p:sp>
+        <p:nvSpPr>
+          <p:cNvPr id="12" name="Text Placeholder 11">
+            <a:extLst>
+              <a:ext uri="{FF2B5EF4-FFF2-40B4-BE49-F238E27FC236}">
+                <a16:creationId xmlns:a16="http://schemas.microsoft.com/office/drawing/2014/main" id="{14FAF282-231B-48B9-9330-1374CEDBDE39}"/>
+              </a:ext>
+            </a:extLst>
+          </p:cNvPr>
+          <p:cNvSpPr>
+            <a:spLocks noGrp="1"/>
+          </p:cNvSpPr>
+          <p:nvPr>
+            <p:ph type="body" idx="1"/>
+          </p:nvPr>
+        </p:nvSpPr>
+        <p:spPr/>
+        <p:txBody>
+          <a:bodyPr/>
+          <a:lstStyle/>
+          <a:p>
+            <a:endParaRPr lang="en-DE" dirty="0"/>
+          </a:p>
+        </p:txBody>
+      </p:sp>
+      <p:sp>
+        <p:nvSpPr>
+          <p:cNvPr id="5" name="Footer Placeholder 4">
+            <a:extLst>
+              <a:ext uri="{FF2B5EF4-FFF2-40B4-BE49-F238E27FC236}">
+                <a16:creationId xmlns:a16="http://schemas.microsoft.com/office/drawing/2014/main" id="{0E978525-9A04-43D6-8B8D-73D78E2216BB}"/>
+              </a:ext>
+            </a:extLst>
+          </p:cNvPr>
+          <p:cNvSpPr>
+            <a:spLocks noGrp="1"/>
+          </p:cNvSpPr>
+          <p:nvPr>
+            <p:ph type="ftr" sz="quarter" idx="11"/>
+          </p:nvPr>
+        </p:nvSpPr>
+        <p:spPr/>
+        <p:txBody>
+          <a:bodyPr/>
+          <a:lstStyle/>
+          <a:p>
+            <a:r>
+              <a:rPr lang="de-DE"/>
+              <a:t>Design Principles vs. Performance - Kenny Pflug</a:t>
+            </a:r>
+          </a:p>
+        </p:txBody>
+      </p:sp>
+      <p:sp>
+        <p:nvSpPr>
+          <p:cNvPr id="6" name="Slide Number Placeholder 5">
+            <a:extLst>
+              <a:ext uri="{FF2B5EF4-FFF2-40B4-BE49-F238E27FC236}">
+                <a16:creationId xmlns:a16="http://schemas.microsoft.com/office/drawing/2014/main" id="{76F88E04-200E-4DF8-A6F0-2AFFF7A04D8A}"/>
+              </a:ext>
+            </a:extLst>
+          </p:cNvPr>
+          <p:cNvSpPr>
+            <a:spLocks noGrp="1"/>
+          </p:cNvSpPr>
+          <p:nvPr>
+            <p:ph type="sldNum" sz="quarter" idx="12"/>
+          </p:nvPr>
+        </p:nvSpPr>
+        <p:spPr/>
+        <p:txBody>
+          <a:bodyPr/>
+          <a:lstStyle/>
+          <a:p>
+            <a:fld id="{5A14344A-9BDE-4E14-9F68-42155428760A}" type="slidenum">
+              <a:rPr lang="de-DE" smtClean="0"/>
+              <a:t>20</a:t>
+            </a:fld>
+            <a:endParaRPr lang="de-DE"/>
+          </a:p>
+        </p:txBody>
+      </p:sp>
+    </p:spTree>
+    <p:extLst>
+      <p:ext uri="{BB962C8B-B14F-4D97-AF65-F5344CB8AC3E}">
+        <p14:creationId xmlns:p14="http://schemas.microsoft.com/office/powerpoint/2010/main" val="841834180"/>
+      </p:ext>
+    </p:extLst>
+  </p:cSld>
+  <p:clrMapOvr>
+    <a:masterClrMapping/>
+  </p:clrMapOvr>
+  <p:transition spd="med">
+    <p:cover/>
+  </p:transition>
+</p:sld>
+</file>
+
+<file path=ppt/slides/slide21.xml><?xml version="1.0" encoding="utf-8"?>
+<p:sld xmlns:a="http://schemas.openxmlformats.org/drawingml/2006/main" xmlns:r="http://schemas.openxmlformats.org/officeDocument/2006/relationships" xmlns:p="http://schemas.openxmlformats.org/presentationml/2006/main">
+  <p:cSld>
+    <p:spTree>
+      <p:nvGrpSpPr>
+        <p:cNvPr id="1" name=""/>
+        <p:cNvGrpSpPr/>
+        <p:nvPr/>
+      </p:nvGrpSpPr>
+      <p:grpSpPr>
+        <a:xfrm>
+          <a:off x="0" y="0"/>
+          <a:ext cx="0" cy="0"/>
+          <a:chOff x="0" y="0"/>
+          <a:chExt cx="0" cy="0"/>
+        </a:xfrm>
+      </p:grpSpPr>
+      <p:sp>
+        <p:nvSpPr>
+          <p:cNvPr id="7" name="Title 6">
+            <a:extLst>
+              <a:ext uri="{FF2B5EF4-FFF2-40B4-BE49-F238E27FC236}">
+                <a16:creationId xmlns:a16="http://schemas.microsoft.com/office/drawing/2014/main" id="{2CEC87AC-B959-4CBA-9740-E4D9CC404C96}"/>
+              </a:ext>
+            </a:extLst>
+          </p:cNvPr>
+          <p:cNvSpPr>
+            <a:spLocks noGrp="1"/>
+          </p:cNvSpPr>
+          <p:nvPr>
+            <p:ph type="title"/>
+          </p:nvPr>
+        </p:nvSpPr>
+        <p:spPr/>
+        <p:txBody>
+          <a:bodyPr/>
+          <a:lstStyle/>
+          <a:p>
+            <a:r>
+              <a:rPr lang="en-US" dirty="0"/>
+              <a:t>Collection Views in WPF</a:t>
+            </a:r>
+            <a:endParaRPr lang="en-DE" dirty="0"/>
+          </a:p>
+        </p:txBody>
+      </p:sp>
+      <p:sp>
+        <p:nvSpPr>
+          <p:cNvPr id="4" name="Footer Placeholder 3">
+            <a:extLst>
+              <a:ext uri="{FF2B5EF4-FFF2-40B4-BE49-F238E27FC236}">
+                <a16:creationId xmlns:a16="http://schemas.microsoft.com/office/drawing/2014/main" id="{0B6790BD-9070-473F-BC20-73925E01EE90}"/>
+              </a:ext>
+            </a:extLst>
+          </p:cNvPr>
+          <p:cNvSpPr>
+            <a:spLocks noGrp="1"/>
+          </p:cNvSpPr>
+          <p:nvPr>
+            <p:ph type="ftr" sz="quarter" idx="11"/>
+          </p:nvPr>
+        </p:nvSpPr>
+        <p:spPr/>
+        <p:txBody>
+          <a:bodyPr/>
+          <a:lstStyle/>
+          <a:p>
+            <a:r>
+              <a:rPr lang="de-DE"/>
+              <a:t>Design Principles vs. Performance - Kenny Pflug</a:t>
+            </a:r>
+          </a:p>
+        </p:txBody>
+      </p:sp>
+      <p:sp>
+        <p:nvSpPr>
+          <p:cNvPr id="5" name="Slide Number Placeholder 4">
+            <a:extLst>
+              <a:ext uri="{FF2B5EF4-FFF2-40B4-BE49-F238E27FC236}">
+                <a16:creationId xmlns:a16="http://schemas.microsoft.com/office/drawing/2014/main" id="{E90F608C-1029-49D4-B496-B722BD2711FB}"/>
+              </a:ext>
+            </a:extLst>
+          </p:cNvPr>
+          <p:cNvSpPr>
+            <a:spLocks noGrp="1"/>
+          </p:cNvSpPr>
+          <p:nvPr>
+            <p:ph type="sldNum" sz="quarter" idx="12"/>
+          </p:nvPr>
+        </p:nvSpPr>
+        <p:spPr/>
+        <p:txBody>
+          <a:bodyPr/>
+          <a:lstStyle/>
+          <a:p>
+            <a:fld id="{5A14344A-9BDE-4E14-9F68-42155428760A}" type="slidenum">
+              <a:rPr lang="de-DE" smtClean="0"/>
+              <a:t>21</a:t>
+            </a:fld>
+            <a:endParaRPr lang="de-DE"/>
+          </a:p>
+        </p:txBody>
+      </p:sp>
+      <p:sp>
+        <p:nvSpPr>
+          <p:cNvPr id="8" name="Rectangle 7">
+            <a:extLst>
+              <a:ext uri="{FF2B5EF4-FFF2-40B4-BE49-F238E27FC236}">
+                <a16:creationId xmlns:a16="http://schemas.microsoft.com/office/drawing/2014/main" id="{186446BC-FCC7-4CE9-9C05-A6DDBF1F4F16}"/>
+              </a:ext>
+            </a:extLst>
+          </p:cNvPr>
+          <p:cNvSpPr/>
+          <p:nvPr/>
+        </p:nvSpPr>
+        <p:spPr>
+          <a:xfrm>
+            <a:off x="1041862" y="2273530"/>
+            <a:ext cx="2768138" cy="1953490"/>
+          </a:xfrm>
+          <a:prstGeom prst="rect">
+            <a:avLst/>
+          </a:prstGeom>
+        </p:spPr>
+        <p:style>
+          <a:lnRef idx="2">
+            <a:schemeClr val="accent1">
+              <a:shade val="50000"/>
+            </a:schemeClr>
+          </a:lnRef>
+          <a:fillRef idx="1">
+            <a:schemeClr val="accent1"/>
+          </a:fillRef>
+          <a:effectRef idx="0">
+            <a:schemeClr val="accent1"/>
+          </a:effectRef>
+          <a:fontRef idx="minor">
+            <a:schemeClr val="lt1"/>
+          </a:fontRef>
+        </p:style>
+        <p:txBody>
+          <a:bodyPr rtlCol="0" anchor="ctr"/>
+          <a:lstStyle/>
+          <a:p>
+            <a:pPr algn="ctr"/>
+            <a:r>
+              <a:rPr lang="en-US" dirty="0"/>
+              <a:t>Items Control</a:t>
+            </a:r>
+            <a:endParaRPr lang="en-DE" dirty="0"/>
+          </a:p>
+        </p:txBody>
+      </p:sp>
+      <p:sp>
+        <p:nvSpPr>
+          <p:cNvPr id="9" name="Rectangle 8">
+            <a:extLst>
+              <a:ext uri="{FF2B5EF4-FFF2-40B4-BE49-F238E27FC236}">
+                <a16:creationId xmlns:a16="http://schemas.microsoft.com/office/drawing/2014/main" id="{E4752E82-F6BC-42C5-A5B0-D0B978F853A9}"/>
+              </a:ext>
+            </a:extLst>
+          </p:cNvPr>
+          <p:cNvSpPr/>
+          <p:nvPr/>
+        </p:nvSpPr>
+        <p:spPr>
+          <a:xfrm>
+            <a:off x="8382000" y="2273530"/>
+            <a:ext cx="2768138" cy="1953490"/>
+          </a:xfrm>
+          <a:prstGeom prst="rect">
+            <a:avLst/>
+          </a:prstGeom>
+        </p:spPr>
+        <p:style>
+          <a:lnRef idx="2">
+            <a:schemeClr val="accent1">
+              <a:shade val="50000"/>
+            </a:schemeClr>
+          </a:lnRef>
+          <a:fillRef idx="1">
+            <a:schemeClr val="accent1"/>
+          </a:fillRef>
+          <a:effectRef idx="0">
+            <a:schemeClr val="accent1"/>
+          </a:effectRef>
+          <a:fontRef idx="minor">
+            <a:schemeClr val="lt1"/>
+          </a:fontRef>
+        </p:style>
+        <p:txBody>
+          <a:bodyPr rtlCol="0" anchor="ctr"/>
+          <a:lstStyle/>
+          <a:p>
+            <a:pPr algn="ctr"/>
+            <a:r>
+              <a:rPr lang="en-US" dirty="0"/>
+              <a:t>Source Collection</a:t>
+            </a:r>
+            <a:endParaRPr lang="en-DE" dirty="0"/>
+          </a:p>
+        </p:txBody>
+      </p:sp>
+      <p:sp>
+        <p:nvSpPr>
+          <p:cNvPr id="10" name="Rectangle 9">
+            <a:extLst>
+              <a:ext uri="{FF2B5EF4-FFF2-40B4-BE49-F238E27FC236}">
+                <a16:creationId xmlns:a16="http://schemas.microsoft.com/office/drawing/2014/main" id="{43F7E26D-9B1A-4E8C-A0E6-D876AB994813}"/>
+              </a:ext>
+            </a:extLst>
+          </p:cNvPr>
+          <p:cNvSpPr/>
+          <p:nvPr/>
+        </p:nvSpPr>
+        <p:spPr>
+          <a:xfrm>
+            <a:off x="4711931" y="2273530"/>
+            <a:ext cx="2768138" cy="1953490"/>
+          </a:xfrm>
+          <a:prstGeom prst="rect">
+            <a:avLst/>
+          </a:prstGeom>
+        </p:spPr>
+        <p:style>
+          <a:lnRef idx="2">
+            <a:schemeClr val="accent1">
+              <a:shade val="50000"/>
+            </a:schemeClr>
+          </a:lnRef>
+          <a:fillRef idx="1">
+            <a:schemeClr val="accent1"/>
+          </a:fillRef>
+          <a:effectRef idx="0">
+            <a:schemeClr val="accent1"/>
+          </a:effectRef>
+          <a:fontRef idx="minor">
+            <a:schemeClr val="lt1"/>
+          </a:fontRef>
+        </p:style>
+        <p:txBody>
+          <a:bodyPr rtlCol="0" anchor="ctr"/>
+          <a:lstStyle/>
+          <a:p>
+            <a:pPr algn="ctr"/>
+            <a:r>
+              <a:rPr lang="en-US" dirty="0"/>
+              <a:t>Collection View</a:t>
+            </a:r>
+            <a:endParaRPr lang="en-DE" dirty="0"/>
+          </a:p>
+        </p:txBody>
+      </p:sp>
+      <p:cxnSp>
+        <p:nvCxnSpPr>
+          <p:cNvPr id="16" name="Straight Arrow Connector 15">
+            <a:extLst>
+              <a:ext uri="{FF2B5EF4-FFF2-40B4-BE49-F238E27FC236}">
+                <a16:creationId xmlns:a16="http://schemas.microsoft.com/office/drawing/2014/main" id="{79EAD5DE-2E73-4847-AD50-245B586141C1}"/>
+              </a:ext>
+            </a:extLst>
+          </p:cNvPr>
+          <p:cNvCxnSpPr>
+            <a:stCxn id="10" idx="3"/>
+            <a:endCxn id="9" idx="1"/>
+          </p:cNvCxnSpPr>
+          <p:nvPr/>
+        </p:nvCxnSpPr>
+        <p:spPr>
+          <a:xfrm>
+            <a:off x="7480069" y="3250275"/>
+            <a:ext cx="901931" cy="0"/>
+          </a:xfrm>
+          <a:prstGeom prst="straightConnector1">
+            <a:avLst/>
+          </a:prstGeom>
+          <a:ln w="38100">
+            <a:tailEnd type="triangle"/>
+          </a:ln>
+        </p:spPr>
+        <p:style>
+          <a:lnRef idx="1">
+            <a:schemeClr val="accent1"/>
+          </a:lnRef>
+          <a:fillRef idx="0">
+            <a:schemeClr val="accent1"/>
+          </a:fillRef>
+          <a:effectRef idx="0">
+            <a:schemeClr val="accent1"/>
+          </a:effectRef>
+          <a:fontRef idx="minor">
+            <a:schemeClr val="tx1"/>
+          </a:fontRef>
+        </p:style>
+      </p:cxnSp>
+      <p:cxnSp>
+        <p:nvCxnSpPr>
+          <p:cNvPr id="17" name="Straight Arrow Connector 16">
+            <a:extLst>
+              <a:ext uri="{FF2B5EF4-FFF2-40B4-BE49-F238E27FC236}">
+                <a16:creationId xmlns:a16="http://schemas.microsoft.com/office/drawing/2014/main" id="{2396B119-D864-4A37-B75F-3663178D38C6}"/>
+              </a:ext>
+            </a:extLst>
+          </p:cNvPr>
+          <p:cNvCxnSpPr>
+            <a:cxnSpLocks/>
+            <a:stCxn id="8" idx="3"/>
+            <a:endCxn id="10" idx="1"/>
+          </p:cNvCxnSpPr>
+          <p:nvPr/>
+        </p:nvCxnSpPr>
+        <p:spPr>
+          <a:xfrm>
+            <a:off x="3810000" y="3250275"/>
+            <a:ext cx="901931" cy="0"/>
+          </a:xfrm>
+          <a:prstGeom prst="straightConnector1">
+            <a:avLst/>
+          </a:prstGeom>
+          <a:ln w="38100">
+            <a:tailEnd type="triangle"/>
+          </a:ln>
+        </p:spPr>
+        <p:style>
+          <a:lnRef idx="1">
+            <a:schemeClr val="accent1"/>
+          </a:lnRef>
+          <a:fillRef idx="0">
+            <a:schemeClr val="accent1"/>
+          </a:fillRef>
+          <a:effectRef idx="0">
+            <a:schemeClr val="accent1"/>
+          </a:effectRef>
+          <a:fontRef idx="minor">
+            <a:schemeClr val="tx1"/>
+          </a:fontRef>
+        </p:style>
+      </p:cxnSp>
+    </p:spTree>
+    <p:extLst>
+      <p:ext uri="{BB962C8B-B14F-4D97-AF65-F5344CB8AC3E}">
+        <p14:creationId xmlns:p14="http://schemas.microsoft.com/office/powerpoint/2010/main" val="4142426300"/>
+      </p:ext>
+    </p:extLst>
+  </p:cSld>
+  <p:clrMapOvr>
+    <a:masterClrMapping/>
+  </p:clrMapOvr>
+  <p:transition spd="med">
+    <p:cover/>
+  </p:transition>
+</p:sld>
+</file>
+
 <file path=ppt/slides/slide22.xml><?xml version="1.0" encoding="utf-8"?>
 <p:sld xmlns:a="http://schemas.openxmlformats.org/drawingml/2006/main" xmlns:r="http://schemas.openxmlformats.org/officeDocument/2006/relationships" xmlns:p="http://schemas.openxmlformats.org/presentationml/2006/main">
   <p:cSld>
@@ -13271,10 +10873,10 @@
       </p:grpSpPr>
       <p:sp>
         <p:nvSpPr>
-          <p:cNvPr id="2" name="Title 1">
-            <a:extLst>
-              <a:ext uri="{FF2B5EF4-FFF2-40B4-BE49-F238E27FC236}">
-                <a16:creationId xmlns:a16="http://schemas.microsoft.com/office/drawing/2014/main" id="{3B92B556-FBFD-4443-9858-B4AD7238B656}"/>
+          <p:cNvPr id="11" name="Title 10">
+            <a:extLst>
+              <a:ext uri="{FF2B5EF4-FFF2-40B4-BE49-F238E27FC236}">
+                <a16:creationId xmlns:a16="http://schemas.microsoft.com/office/drawing/2014/main" id="{CEFAAABC-9C5D-4187-B6E0-A0B666011E84}"/>
               </a:ext>
             </a:extLst>
           </p:cNvPr>
@@ -13287,22 +10889,47 @@
         </p:nvSpPr>
         <p:spPr/>
         <p:txBody>
-          <a:bodyPr/>
-          <a:lstStyle/>
-          <a:p>
-            <a:r>
-              <a:rPr lang="de-DE" dirty="0"/>
-              <a:t>Erkenntnisse</a:t>
-            </a:r>
-          </a:p>
-        </p:txBody>
-      </p:sp>
-      <p:sp>
-        <p:nvSpPr>
-          <p:cNvPr id="3" name="Content Placeholder 2">
-            <a:extLst>
-              <a:ext uri="{FF2B5EF4-FFF2-40B4-BE49-F238E27FC236}">
-                <a16:creationId xmlns:a16="http://schemas.microsoft.com/office/drawing/2014/main" id="{D3B6D2EE-18FB-42DD-A46C-42324DC54DDA}"/>
+          <a:bodyPr>
+            <a:normAutofit/>
+          </a:bodyPr>
+          <a:lstStyle/>
+          <a:p>
+            <a:r>
+              <a:rPr lang="de-DE" sz="5400" dirty="0" err="1"/>
+              <a:t>Principles</a:t>
+            </a:r>
+            <a:r>
+              <a:rPr lang="de-DE" sz="5400" dirty="0"/>
+              <a:t>, Patterns &amp; Practices</a:t>
+            </a:r>
+            <a:br>
+              <a:rPr lang="de-DE" sz="5400" dirty="0"/>
+            </a:br>
+            <a:r>
+              <a:rPr lang="de-DE" sz="5400" dirty="0"/>
+              <a:t>vs.</a:t>
+            </a:r>
+            <a:br>
+              <a:rPr lang="de-DE" sz="5400" dirty="0"/>
+            </a:br>
+            <a:r>
+              <a:rPr lang="de-DE" sz="5400" dirty="0"/>
+              <a:t>Performance &amp; </a:t>
+            </a:r>
+            <a:r>
+              <a:rPr lang="de-DE" sz="5400" dirty="0" err="1"/>
+              <a:t>Internals</a:t>
+            </a:r>
+            <a:endParaRPr lang="en-DE" sz="5400" dirty="0"/>
+          </a:p>
+        </p:txBody>
+      </p:sp>
+      <p:sp>
+        <p:nvSpPr>
+          <p:cNvPr id="12" name="Text Placeholder 11">
+            <a:extLst>
+              <a:ext uri="{FF2B5EF4-FFF2-40B4-BE49-F238E27FC236}">
+                <a16:creationId xmlns:a16="http://schemas.microsoft.com/office/drawing/2014/main" id="{14FAF282-231B-48B9-9330-1374CEDBDE39}"/>
               </a:ext>
             </a:extLst>
           </p:cNvPr>
@@ -13310,7 +10937,7 @@
             <a:spLocks noGrp="1"/>
           </p:cNvSpPr>
           <p:nvPr>
-            <p:ph idx="1"/>
+            <p:ph type="body" idx="1"/>
           </p:nvPr>
         </p:nvSpPr>
         <p:spPr/>
@@ -13320,112 +10947,9 @@
           <a:p>
             <a:r>
               <a:rPr lang="de-DE" dirty="0"/>
-              <a:t>Der Compiler sorgt bei </a:t>
-            </a:r>
-            <a:r>
-              <a:rPr lang="de-DE" dirty="0" err="1"/>
-              <a:t>async</a:t>
-            </a:r>
-            <a:r>
-              <a:rPr lang="de-DE" dirty="0"/>
-              <a:t> </a:t>
-            </a:r>
-            <a:r>
-              <a:rPr lang="de-DE" dirty="0" err="1"/>
-              <a:t>await</a:t>
-            </a:r>
-            <a:r>
-              <a:rPr lang="de-DE" dirty="0"/>
-              <a:t> dafür, dass eine (synchron erscheinende) Methode in eine State Machine umgeformt wird.</a:t>
-            </a:r>
-          </a:p>
-          <a:p>
-            <a:r>
-              <a:rPr lang="de-DE" dirty="0"/>
-              <a:t>Diese State Machine kehrt zum Aufrufer zurück, wenn auf eine asynchrone Operation gewartet wieder.</a:t>
-            </a:r>
-          </a:p>
-          <a:p>
-            <a:r>
-              <a:rPr lang="de-DE" dirty="0"/>
-              <a:t>Feste Komponenten des .NET Frameworks sorgen dafür, dass die State Machine erneut angestoßen wird, wenn ein Task abgeschlossen ist.</a:t>
-            </a:r>
-          </a:p>
-          <a:p>
-            <a:r>
-              <a:rPr lang="de-DE" dirty="0"/>
-              <a:t>Hat der anstoßende Thread einen </a:t>
-            </a:r>
-            <a:r>
-              <a:rPr lang="de-DE" dirty="0" err="1"/>
-              <a:t>Synchronization</a:t>
-            </a:r>
-            <a:r>
-              <a:rPr lang="de-DE" dirty="0"/>
-              <a:t> </a:t>
-            </a:r>
-            <a:r>
-              <a:rPr lang="de-DE" dirty="0" err="1"/>
-              <a:t>Context</a:t>
-            </a:r>
-            <a:r>
-              <a:rPr lang="de-DE" dirty="0"/>
-              <a:t>, wird eine </a:t>
-            </a:r>
-            <a:r>
-              <a:rPr lang="de-DE" dirty="0" err="1"/>
-              <a:t>Continuation</a:t>
-            </a:r>
-            <a:r>
-              <a:rPr lang="de-DE" dirty="0"/>
-              <a:t> standardmäßig auf diesem Thread wieder eingereiht.</a:t>
-            </a:r>
-          </a:p>
-          <a:p>
-            <a:r>
-              <a:rPr lang="de-DE" dirty="0" err="1"/>
-              <a:t>async</a:t>
-            </a:r>
-            <a:r>
-              <a:rPr lang="de-DE" dirty="0"/>
-              <a:t> </a:t>
-            </a:r>
-            <a:r>
-              <a:rPr lang="de-DE" dirty="0" err="1"/>
-              <a:t>await</a:t>
-            </a:r>
-            <a:r>
-              <a:rPr lang="de-DE" dirty="0"/>
-              <a:t> hat Overhead. Überlegen Sie genau, welche Methoden </a:t>
-            </a:r>
-            <a:r>
-              <a:rPr lang="de-DE" dirty="0" err="1"/>
-              <a:t>async</a:t>
-            </a:r>
-            <a:r>
-              <a:rPr lang="de-DE" dirty="0"/>
-              <a:t> sein müssen.</a:t>
-            </a:r>
-          </a:p>
-          <a:p>
-            <a:endParaRPr lang="de-DE" dirty="0"/>
-          </a:p>
-          <a:p>
-            <a:pPr marL="0" indent="0">
-              <a:buNone/>
-            </a:pPr>
-            <a:r>
-              <a:rPr lang="de-DE" b="1" dirty="0"/>
-              <a:t>Das übergeordnete Ziel: Kehre zum Aufrufer zurück, damit Threads nicht blockiert werden (besonders wichtig für </a:t>
-            </a:r>
-            <a:r>
-              <a:rPr lang="de-DE" b="1" dirty="0" err="1"/>
-              <a:t>async</a:t>
-            </a:r>
-            <a:r>
-              <a:rPr lang="de-DE" b="1" dirty="0"/>
-              <a:t> I/O in Services).</a:t>
-            </a:r>
+              <a:t>Achtung: subjektiv</a:t>
+            </a:r>
+            <a:endParaRPr lang="en-DE" dirty="0"/>
           </a:p>
         </p:txBody>
       </p:sp>
@@ -13434,7 +10958,7 @@
           <p:cNvPr id="5" name="Footer Placeholder 4">
             <a:extLst>
               <a:ext uri="{FF2B5EF4-FFF2-40B4-BE49-F238E27FC236}">
-                <a16:creationId xmlns:a16="http://schemas.microsoft.com/office/drawing/2014/main" id="{B9D6E9B1-6B72-47D5-B9B1-06EF77DD7E86}"/>
+                <a16:creationId xmlns:a16="http://schemas.microsoft.com/office/drawing/2014/main" id="{0E978525-9A04-43D6-8B8D-73D78E2216BB}"/>
               </a:ext>
             </a:extLst>
           </p:cNvPr>
@@ -13462,7 +10986,7 @@
           <p:cNvPr id="6" name="Slide Number Placeholder 5">
             <a:extLst>
               <a:ext uri="{FF2B5EF4-FFF2-40B4-BE49-F238E27FC236}">
-                <a16:creationId xmlns:a16="http://schemas.microsoft.com/office/drawing/2014/main" id="{7625F463-297D-46F3-888F-6B966A17638B}"/>
+                <a16:creationId xmlns:a16="http://schemas.microsoft.com/office/drawing/2014/main" id="{76F88E04-200E-4DF8-A6F0-2AFFF7A04D8A}"/>
               </a:ext>
             </a:extLst>
           </p:cNvPr>
@@ -13489,21 +11013,16 @@
     </p:spTree>
     <p:extLst>
       <p:ext uri="{BB962C8B-B14F-4D97-AF65-F5344CB8AC3E}">
-        <p14:creationId xmlns:p14="http://schemas.microsoft.com/office/powerpoint/2010/main" val="1798732997"/>
+        <p14:creationId xmlns:p14="http://schemas.microsoft.com/office/powerpoint/2010/main" val="2805657291"/>
       </p:ext>
     </p:extLst>
   </p:cSld>
   <p:clrMapOvr>
     <a:masterClrMapping/>
   </p:clrMapOvr>
-  <mc:AlternateContent xmlns:mc="http://schemas.openxmlformats.org/markup-compatibility/2006" xmlns:p14="http://schemas.microsoft.com/office/powerpoint/2010/main">
-    <mc:Choice Requires="p14">
-      <p:transition p14:dur="0"/>
-    </mc:Choice>
-    <mc:Fallback xmlns="">
-      <p:transition/>
-    </mc:Fallback>
-  </mc:AlternateContent>
+  <p:transition spd="med">
+    <p:cover/>
+  </p:transition>
 </p:sld>
 </file>
 
@@ -13526,10 +11045,10 @@
       </p:grpSpPr>
       <p:sp>
         <p:nvSpPr>
-          <p:cNvPr id="2" name="Title 1">
-            <a:extLst>
-              <a:ext uri="{FF2B5EF4-FFF2-40B4-BE49-F238E27FC236}">
-                <a16:creationId xmlns:a16="http://schemas.microsoft.com/office/drawing/2014/main" id="{B2329292-8F8D-4DC3-8AE5-B54183EDFEB1}"/>
+          <p:cNvPr id="7" name="Title 6">
+            <a:extLst>
+              <a:ext uri="{FF2B5EF4-FFF2-40B4-BE49-F238E27FC236}">
+                <a16:creationId xmlns:a16="http://schemas.microsoft.com/office/drawing/2014/main" id="{A98B54AD-4E99-44A3-803D-E6662473416B}"/>
               </a:ext>
             </a:extLst>
           </p:cNvPr>
@@ -13546,13 +11065,101 @@
           <a:lstStyle/>
           <a:p>
             <a:r>
+              <a:rPr lang="de-DE" dirty="0"/>
+              <a:t>Was wir aus den vorherigen Abschnitten lernen sollten</a:t>
+            </a:r>
+            <a:endParaRPr lang="en-DE" dirty="0"/>
+          </a:p>
+        </p:txBody>
+      </p:sp>
+      <p:sp>
+        <p:nvSpPr>
+          <p:cNvPr id="8" name="Content Placeholder 7">
+            <a:extLst>
+              <a:ext uri="{FF2B5EF4-FFF2-40B4-BE49-F238E27FC236}">
+                <a16:creationId xmlns:a16="http://schemas.microsoft.com/office/drawing/2014/main" id="{359863C3-ADC0-42F3-81E9-EE37E72EDA31}"/>
+              </a:ext>
+            </a:extLst>
+          </p:cNvPr>
+          <p:cNvSpPr>
+            <a:spLocks noGrp="1"/>
+          </p:cNvSpPr>
+          <p:nvPr>
+            <p:ph idx="1"/>
+          </p:nvPr>
+        </p:nvSpPr>
+        <p:spPr/>
+        <p:txBody>
+          <a:bodyPr/>
+          <a:lstStyle/>
+          <a:p>
+            <a:r>
+              <a:rPr lang="de-DE" dirty="0"/>
+              <a:t>Eindeutig unterscheiden zwischen I/O und In-Memory Operationen</a:t>
+            </a:r>
+          </a:p>
+          <a:p>
+            <a:r>
+              <a:rPr lang="de-DE" dirty="0"/>
+              <a:t>I/O sollte asynchron ausgeführt werden, um UI </a:t>
+            </a:r>
+            <a:r>
               <a:rPr lang="de-DE" dirty="0" err="1"/>
-              <a:t>Async</a:t>
+              <a:t>Freezes</a:t>
             </a:r>
             <a:r>
               <a:rPr lang="de-DE" dirty="0"/>
-              <a:t> I/O am Beispiel Dateischreiben</a:t>
-            </a:r>
+              <a:t> und unnötige Thread-Pool-Allokationen zu vermeiden</a:t>
+            </a:r>
+          </a:p>
+          <a:p>
+            <a:r>
+              <a:rPr lang="de-DE" dirty="0"/>
+              <a:t>Unnötigen I/O vermeiden</a:t>
+            </a:r>
+          </a:p>
+          <a:p>
+            <a:pPr lvl="1"/>
+            <a:r>
+              <a:rPr lang="de-DE" dirty="0"/>
+              <a:t>Mehrere Abfragen in eine zusammenfassen, falls möglich</a:t>
+            </a:r>
+          </a:p>
+          <a:p>
+            <a:pPr lvl="1"/>
+            <a:r>
+              <a:rPr lang="de-DE" dirty="0"/>
+              <a:t>Fail-Fast-Prinzip</a:t>
+            </a:r>
+          </a:p>
+          <a:p>
+            <a:r>
+              <a:rPr lang="de-DE" dirty="0"/>
+              <a:t>Unnötige Objektallokationen vermeiden – </a:t>
+            </a:r>
+            <a:r>
+              <a:rPr lang="de-DE" dirty="0" err="1"/>
+              <a:t>Indirektion</a:t>
+            </a:r>
+            <a:r>
+              <a:rPr lang="de-DE" dirty="0"/>
+              <a:t> nur dann einsetzen, falls notwendig</a:t>
+            </a:r>
+          </a:p>
+          <a:p>
+            <a:r>
+              <a:rPr lang="de-DE" dirty="0"/>
+              <a:t>Auch stark gekoppelter Code kann (leicht) automatisiert getestet werden, sofern dieser ausschließlich In-Memory läuft</a:t>
+            </a:r>
+          </a:p>
+          <a:p>
+            <a:r>
+              <a:rPr lang="de-DE" dirty="0"/>
+              <a:t>Speicherabbilder helfen beim Design von Mengengerüsten. Wichtig: Messen!</a:t>
+            </a:r>
+          </a:p>
+          <a:p>
+            <a:endParaRPr lang="en-DE" dirty="0"/>
           </a:p>
         </p:txBody>
       </p:sp>
@@ -13561,7 +11168,7 @@
           <p:cNvPr id="5" name="Footer Placeholder 4">
             <a:extLst>
               <a:ext uri="{FF2B5EF4-FFF2-40B4-BE49-F238E27FC236}">
-                <a16:creationId xmlns:a16="http://schemas.microsoft.com/office/drawing/2014/main" id="{8D1D87A1-816C-42A8-999A-6EF3BE6E0F92}"/>
+                <a16:creationId xmlns:a16="http://schemas.microsoft.com/office/drawing/2014/main" id="{D08A16BF-492A-4082-B306-4FB1CE7323EC}"/>
               </a:ext>
             </a:extLst>
           </p:cNvPr>
@@ -13589,7 +11196,7 @@
           <p:cNvPr id="6" name="Slide Number Placeholder 5">
             <a:extLst>
               <a:ext uri="{FF2B5EF4-FFF2-40B4-BE49-F238E27FC236}">
-                <a16:creationId xmlns:a16="http://schemas.microsoft.com/office/drawing/2014/main" id="{7D27FF4B-785E-41A8-B815-6B92B9855235}"/>
+                <a16:creationId xmlns:a16="http://schemas.microsoft.com/office/drawing/2014/main" id="{96B5DDE9-6E30-447E-AFE8-A7BBA6638443}"/>
               </a:ext>
             </a:extLst>
           </p:cNvPr>
@@ -13613,1308 +11220,10 @@
           </a:p>
         </p:txBody>
       </p:sp>
-      <p:grpSp>
-        <p:nvGrpSpPr>
-          <p:cNvPr id="32" name="Group 31">
-            <a:extLst>
-              <a:ext uri="{FF2B5EF4-FFF2-40B4-BE49-F238E27FC236}">
-                <a16:creationId xmlns:a16="http://schemas.microsoft.com/office/drawing/2014/main" id="{5FFB1FBF-EA02-4A80-B3B2-82E64C9B08C7}"/>
-              </a:ext>
-            </a:extLst>
-          </p:cNvPr>
-          <p:cNvGrpSpPr/>
-          <p:nvPr/>
-        </p:nvGrpSpPr>
-        <p:grpSpPr>
-          <a:xfrm>
-            <a:off x="309016" y="1005512"/>
-            <a:ext cx="11573969" cy="4846976"/>
-            <a:chOff x="132430" y="865927"/>
-            <a:chExt cx="8835180" cy="3700019"/>
-          </a:xfrm>
-        </p:grpSpPr>
-        <p:cxnSp>
-          <p:nvCxnSpPr>
-            <p:cNvPr id="7" name="Gerader Verbinder 6">
-              <a:extLst>
-                <a:ext uri="{FF2B5EF4-FFF2-40B4-BE49-F238E27FC236}">
-                  <a16:creationId xmlns:a16="http://schemas.microsoft.com/office/drawing/2014/main" id="{5E16E0F5-E78A-4304-B4A6-DB7CBAFAF820}"/>
-                </a:ext>
-              </a:extLst>
-            </p:cNvPr>
-            <p:cNvCxnSpPr/>
-            <p:nvPr/>
-          </p:nvCxnSpPr>
-          <p:spPr>
-            <a:xfrm>
-              <a:off x="851338" y="2267571"/>
-              <a:ext cx="7340425" cy="31531"/>
-            </a:xfrm>
-            <a:prstGeom prst="line">
-              <a:avLst/>
-            </a:prstGeom>
-            <a:ln w="28575">
-              <a:solidFill>
-                <a:schemeClr val="accent3">
-                  <a:lumMod val="75000"/>
-                </a:schemeClr>
-              </a:solidFill>
-              <a:prstDash val="dash"/>
-              <a:headEnd type="none" w="med" len="med"/>
-              <a:tailEnd type="none" w="med" len="med"/>
-            </a:ln>
-          </p:spPr>
-          <p:style>
-            <a:lnRef idx="1">
-              <a:schemeClr val="accent4"/>
-            </a:lnRef>
-            <a:fillRef idx="0">
-              <a:schemeClr val="accent4"/>
-            </a:fillRef>
-            <a:effectRef idx="0">
-              <a:schemeClr val="accent4"/>
-            </a:effectRef>
-            <a:fontRef idx="minor">
-              <a:schemeClr val="tx1"/>
-            </a:fontRef>
-          </p:style>
-        </p:cxnSp>
-        <p:cxnSp>
-          <p:nvCxnSpPr>
-            <p:cNvPr id="8" name="Gerader Verbinder 7">
-              <a:extLst>
-                <a:ext uri="{FF2B5EF4-FFF2-40B4-BE49-F238E27FC236}">
-                  <a16:creationId xmlns:a16="http://schemas.microsoft.com/office/drawing/2014/main" id="{BBB4DBDB-5E53-4B77-B7F0-941F223C6D6A}"/>
-                </a:ext>
-              </a:extLst>
-            </p:cNvPr>
-            <p:cNvCxnSpPr/>
-            <p:nvPr/>
-          </p:nvCxnSpPr>
-          <p:spPr>
-            <a:xfrm>
-              <a:off x="851335" y="3110344"/>
-              <a:ext cx="7340425" cy="31531"/>
-            </a:xfrm>
-            <a:prstGeom prst="line">
-              <a:avLst/>
-            </a:prstGeom>
-            <a:ln w="28575">
-              <a:solidFill>
-                <a:schemeClr val="accent3">
-                  <a:lumMod val="75000"/>
-                </a:schemeClr>
-              </a:solidFill>
-              <a:prstDash val="dash"/>
-              <a:headEnd type="none" w="med" len="med"/>
-              <a:tailEnd type="none" w="med" len="med"/>
-            </a:ln>
-          </p:spPr>
-          <p:style>
-            <a:lnRef idx="1">
-              <a:schemeClr val="accent4"/>
-            </a:lnRef>
-            <a:fillRef idx="0">
-              <a:schemeClr val="accent4"/>
-            </a:fillRef>
-            <a:effectRef idx="0">
-              <a:schemeClr val="accent4"/>
-            </a:effectRef>
-            <a:fontRef idx="minor">
-              <a:schemeClr val="tx1"/>
-            </a:fontRef>
-          </p:style>
-        </p:cxnSp>
-        <p:cxnSp>
-          <p:nvCxnSpPr>
-            <p:cNvPr id="9" name="Gerader Verbinder 8">
-              <a:extLst>
-                <a:ext uri="{FF2B5EF4-FFF2-40B4-BE49-F238E27FC236}">
-                  <a16:creationId xmlns:a16="http://schemas.microsoft.com/office/drawing/2014/main" id="{DB56A8A9-3CBB-469E-8321-469283F2F3BB}"/>
-                </a:ext>
-              </a:extLst>
-            </p:cNvPr>
-            <p:cNvCxnSpPr/>
-            <p:nvPr/>
-          </p:nvCxnSpPr>
-          <p:spPr>
-            <a:xfrm>
-              <a:off x="851338" y="3948585"/>
-              <a:ext cx="7340425" cy="31531"/>
-            </a:xfrm>
-            <a:prstGeom prst="line">
-              <a:avLst/>
-            </a:prstGeom>
-            <a:ln w="28575">
-              <a:solidFill>
-                <a:schemeClr val="accent3">
-                  <a:lumMod val="75000"/>
-                </a:schemeClr>
-              </a:solidFill>
-              <a:prstDash val="dash"/>
-              <a:headEnd type="none" w="med" len="med"/>
-              <a:tailEnd type="none" w="med" len="med"/>
-            </a:ln>
-          </p:spPr>
-          <p:style>
-            <a:lnRef idx="1">
-              <a:schemeClr val="accent4"/>
-            </a:lnRef>
-            <a:fillRef idx="0">
-              <a:schemeClr val="accent4"/>
-            </a:fillRef>
-            <a:effectRef idx="0">
-              <a:schemeClr val="accent4"/>
-            </a:effectRef>
-            <a:fontRef idx="minor">
-              <a:schemeClr val="tx1"/>
-            </a:fontRef>
-          </p:style>
-        </p:cxnSp>
-        <p:sp>
-          <p:nvSpPr>
-            <p:cNvPr id="10" name="Rechteck 10">
-              <a:extLst>
-                <a:ext uri="{FF2B5EF4-FFF2-40B4-BE49-F238E27FC236}">
-                  <a16:creationId xmlns:a16="http://schemas.microsoft.com/office/drawing/2014/main" id="{18F915FC-3F7D-4D93-9E04-B69752F5FBCC}"/>
-                </a:ext>
-              </a:extLst>
-            </p:cNvPr>
-            <p:cNvSpPr/>
-            <p:nvPr/>
-          </p:nvSpPr>
-          <p:spPr>
-            <a:xfrm>
-              <a:off x="1031963" y="2488876"/>
-              <a:ext cx="1932344" cy="428624"/>
-            </a:xfrm>
-            <a:prstGeom prst="rect">
-              <a:avLst/>
-            </a:prstGeom>
-          </p:spPr>
-          <p:style>
-            <a:lnRef idx="2">
-              <a:schemeClr val="accent1">
-                <a:shade val="50000"/>
-              </a:schemeClr>
-            </a:lnRef>
-            <a:fillRef idx="1">
-              <a:schemeClr val="accent1"/>
-            </a:fillRef>
-            <a:effectRef idx="0">
-              <a:schemeClr val="accent1"/>
-            </a:effectRef>
-            <a:fontRef idx="minor">
-              <a:schemeClr val="lt1"/>
-            </a:fontRef>
-          </p:style>
-          <p:txBody>
-            <a:bodyPr rtlCol="0" anchor="ctr"/>
-            <a:lstStyle/>
-            <a:p>
-              <a:pPr algn="ctr"/>
-              <a:r>
-                <a:rPr lang="de-DE" sz="1200" dirty="0">
-                  <a:solidFill>
-                    <a:schemeClr val="tx1"/>
-                  </a:solidFill>
-                </a:rPr>
-                <a:t>Win32 </a:t>
-              </a:r>
-              <a:r>
-                <a:rPr lang="de-DE" sz="1200" dirty="0" err="1">
-                  <a:solidFill>
-                    <a:schemeClr val="tx1"/>
-                  </a:solidFill>
-                </a:rPr>
-                <a:t>Overlapped</a:t>
-              </a:r>
-              <a:r>
-                <a:rPr lang="de-DE" sz="1200" dirty="0">
-                  <a:solidFill>
-                    <a:schemeClr val="tx1"/>
-                  </a:solidFill>
-                </a:rPr>
-                <a:t> I/O</a:t>
-              </a:r>
-            </a:p>
-          </p:txBody>
-        </p:sp>
-        <p:sp>
-          <p:nvSpPr>
-            <p:cNvPr id="11" name="Rechteck 11">
-              <a:extLst>
-                <a:ext uri="{FF2B5EF4-FFF2-40B4-BE49-F238E27FC236}">
-                  <a16:creationId xmlns:a16="http://schemas.microsoft.com/office/drawing/2014/main" id="{158C71EB-85BD-48C5-9CA8-77293B112DA6}"/>
-                </a:ext>
-              </a:extLst>
-            </p:cNvPr>
-            <p:cNvSpPr/>
-            <p:nvPr/>
-          </p:nvSpPr>
-          <p:spPr>
-            <a:xfrm>
-              <a:off x="1462969" y="3330612"/>
-              <a:ext cx="1501337" cy="428624"/>
-            </a:xfrm>
-            <a:prstGeom prst="rect">
-              <a:avLst/>
-            </a:prstGeom>
-          </p:spPr>
-          <p:style>
-            <a:lnRef idx="2">
-              <a:schemeClr val="accent1">
-                <a:shade val="50000"/>
-              </a:schemeClr>
-            </a:lnRef>
-            <a:fillRef idx="1">
-              <a:schemeClr val="accent1"/>
-            </a:fillRef>
-            <a:effectRef idx="0">
-              <a:schemeClr val="accent1"/>
-            </a:effectRef>
-            <a:fontRef idx="minor">
-              <a:schemeClr val="lt1"/>
-            </a:fontRef>
-          </p:style>
-          <p:txBody>
-            <a:bodyPr rtlCol="0" anchor="ctr"/>
-            <a:lstStyle/>
-            <a:p>
-              <a:pPr algn="ctr"/>
-              <a:r>
-                <a:rPr lang="de-DE" sz="1200" dirty="0">
-                  <a:solidFill>
-                    <a:schemeClr val="tx1"/>
-                  </a:solidFill>
-                </a:rPr>
-                <a:t>Device Driver</a:t>
-              </a:r>
-            </a:p>
-          </p:txBody>
-        </p:sp>
-        <p:cxnSp>
-          <p:nvCxnSpPr>
-            <p:cNvPr id="12" name="Gewinkelter Verbinder 13">
-              <a:extLst>
-                <a:ext uri="{FF2B5EF4-FFF2-40B4-BE49-F238E27FC236}">
-                  <a16:creationId xmlns:a16="http://schemas.microsoft.com/office/drawing/2014/main" id="{6252E32A-F95B-4878-8839-1FC5895648DD}"/>
-                </a:ext>
-              </a:extLst>
-            </p:cNvPr>
-            <p:cNvCxnSpPr>
-              <a:stCxn id="15" idx="2"/>
-              <a:endCxn id="10" idx="1"/>
-            </p:cNvCxnSpPr>
-            <p:nvPr/>
-          </p:nvCxnSpPr>
-          <p:spPr>
-            <a:xfrm rot="5400000">
-              <a:off x="702980" y="1623534"/>
-              <a:ext cx="1408637" cy="750670"/>
-            </a:xfrm>
-            <a:prstGeom prst="bentConnector4">
-              <a:avLst>
-                <a:gd name="adj1" fmla="val 42393"/>
-                <a:gd name="adj2" fmla="val 130453"/>
-              </a:avLst>
-            </a:prstGeom>
-            <a:ln w="28575">
-              <a:solidFill>
-                <a:schemeClr val="tx1"/>
-              </a:solidFill>
-              <a:tailEnd type="triangle"/>
-            </a:ln>
-          </p:spPr>
-          <p:style>
-            <a:lnRef idx="1">
-              <a:schemeClr val="accent1"/>
-            </a:lnRef>
-            <a:fillRef idx="0">
-              <a:schemeClr val="accent1"/>
-            </a:fillRef>
-            <a:effectRef idx="0">
-              <a:schemeClr val="accent1"/>
-            </a:effectRef>
-            <a:fontRef idx="minor">
-              <a:schemeClr val="tx1"/>
-            </a:fontRef>
-          </p:style>
-        </p:cxnSp>
-        <p:cxnSp>
-          <p:nvCxnSpPr>
-            <p:cNvPr id="13" name="Gewinkelter Verbinder 15">
-              <a:extLst>
-                <a:ext uri="{FF2B5EF4-FFF2-40B4-BE49-F238E27FC236}">
-                  <a16:creationId xmlns:a16="http://schemas.microsoft.com/office/drawing/2014/main" id="{A1BBB4F4-56C6-46D6-9F6B-00D9D091B095}"/>
-                </a:ext>
-              </a:extLst>
-            </p:cNvPr>
-            <p:cNvCxnSpPr>
-              <a:stCxn id="10" idx="2"/>
-              <a:endCxn id="11" idx="1"/>
-            </p:cNvCxnSpPr>
-            <p:nvPr/>
-          </p:nvCxnSpPr>
-          <p:spPr>
-            <a:xfrm rot="5400000">
-              <a:off x="1416840" y="2963629"/>
-              <a:ext cx="627424" cy="535166"/>
-            </a:xfrm>
-            <a:prstGeom prst="bentConnector4">
-              <a:avLst>
-                <a:gd name="adj1" fmla="val 32921"/>
-                <a:gd name="adj2" fmla="val 142716"/>
-              </a:avLst>
-            </a:prstGeom>
-            <a:ln w="28575">
-              <a:solidFill>
-                <a:schemeClr val="tx1"/>
-              </a:solidFill>
-              <a:tailEnd type="triangle"/>
-            </a:ln>
-          </p:spPr>
-          <p:style>
-            <a:lnRef idx="1">
-              <a:schemeClr val="accent1"/>
-            </a:lnRef>
-            <a:fillRef idx="0">
-              <a:schemeClr val="accent1"/>
-            </a:fillRef>
-            <a:effectRef idx="0">
-              <a:schemeClr val="accent1"/>
-            </a:effectRef>
-            <a:fontRef idx="minor">
-              <a:schemeClr val="tx1"/>
-            </a:fontRef>
-          </p:style>
-        </p:cxnSp>
-        <p:cxnSp>
-          <p:nvCxnSpPr>
-            <p:cNvPr id="14" name="Gerader Verbinder 19">
-              <a:extLst>
-                <a:ext uri="{FF2B5EF4-FFF2-40B4-BE49-F238E27FC236}">
-                  <a16:creationId xmlns:a16="http://schemas.microsoft.com/office/drawing/2014/main" id="{8D1453F7-E457-441A-A6E9-FAAE212C380D}"/>
-                </a:ext>
-              </a:extLst>
-            </p:cNvPr>
-            <p:cNvCxnSpPr/>
-            <p:nvPr/>
-          </p:nvCxnSpPr>
-          <p:spPr>
-            <a:xfrm>
-              <a:off x="851334" y="1456615"/>
-              <a:ext cx="7340425" cy="31531"/>
-            </a:xfrm>
-            <a:prstGeom prst="line">
-              <a:avLst/>
-            </a:prstGeom>
-            <a:ln w="28575">
-              <a:solidFill>
-                <a:schemeClr val="accent3">
-                  <a:lumMod val="75000"/>
-                </a:schemeClr>
-              </a:solidFill>
-              <a:prstDash val="dash"/>
-              <a:headEnd type="none" w="med" len="med"/>
-              <a:tailEnd type="none" w="med" len="med"/>
-            </a:ln>
-          </p:spPr>
-          <p:style>
-            <a:lnRef idx="1">
-              <a:schemeClr val="accent4"/>
-            </a:lnRef>
-            <a:fillRef idx="0">
-              <a:schemeClr val="accent4"/>
-            </a:fillRef>
-            <a:effectRef idx="0">
-              <a:schemeClr val="accent4"/>
-            </a:effectRef>
-            <a:fontRef idx="minor">
-              <a:schemeClr val="tx1"/>
-            </a:fontRef>
-          </p:style>
-        </p:cxnSp>
-        <p:sp>
-          <p:nvSpPr>
-            <p:cNvPr id="15" name="Rechteck 20">
-              <a:extLst>
-                <a:ext uri="{FF2B5EF4-FFF2-40B4-BE49-F238E27FC236}">
-                  <a16:creationId xmlns:a16="http://schemas.microsoft.com/office/drawing/2014/main" id="{12E82CA7-B427-4CC5-9D04-464FD38A3A65}"/>
-                </a:ext>
-              </a:extLst>
-            </p:cNvPr>
-            <p:cNvSpPr/>
-            <p:nvPr/>
-          </p:nvSpPr>
-          <p:spPr>
-            <a:xfrm>
-              <a:off x="600957" y="865927"/>
-              <a:ext cx="2363351" cy="428624"/>
-            </a:xfrm>
-            <a:prstGeom prst="rect">
-              <a:avLst/>
-            </a:prstGeom>
-          </p:spPr>
-          <p:style>
-            <a:lnRef idx="2">
-              <a:schemeClr val="accent1">
-                <a:shade val="50000"/>
-              </a:schemeClr>
-            </a:lnRef>
-            <a:fillRef idx="1">
-              <a:schemeClr val="accent1"/>
-            </a:fillRef>
-            <a:effectRef idx="0">
-              <a:schemeClr val="accent1"/>
-            </a:effectRef>
-            <a:fontRef idx="minor">
-              <a:schemeClr val="lt1"/>
-            </a:fontRef>
-          </p:style>
-          <p:txBody>
-            <a:bodyPr rtlCol="0" anchor="ctr"/>
-            <a:lstStyle/>
-            <a:p>
-              <a:pPr algn="ctr"/>
-              <a:r>
-                <a:rPr lang="de-DE" sz="1200" dirty="0" err="1">
-                  <a:solidFill>
-                    <a:schemeClr val="tx1"/>
-                  </a:solidFill>
-                </a:rPr>
-                <a:t>FileStream.WriteAsync</a:t>
-              </a:r>
-              <a:r>
-                <a:rPr lang="de-DE" sz="1200" dirty="0">
-                  <a:solidFill>
-                    <a:schemeClr val="tx1"/>
-                  </a:solidFill>
-                </a:rPr>
-                <a:t>(</a:t>
-              </a:r>
-              <a:r>
-                <a:rPr lang="de-DE" sz="1200" dirty="0" err="1">
-                  <a:solidFill>
-                    <a:schemeClr val="tx1"/>
-                  </a:solidFill>
-                </a:rPr>
-                <a:t>byte</a:t>
-              </a:r>
-              <a:r>
-                <a:rPr lang="de-DE" sz="1200" dirty="0">
-                  <a:solidFill>
-                    <a:schemeClr val="tx1"/>
-                  </a:solidFill>
-                </a:rPr>
-                <a:t>[])</a:t>
-              </a:r>
-            </a:p>
-          </p:txBody>
-        </p:sp>
-        <p:sp>
-          <p:nvSpPr>
-            <p:cNvPr id="16" name="Rechteck 22">
-              <a:extLst>
-                <a:ext uri="{FF2B5EF4-FFF2-40B4-BE49-F238E27FC236}">
-                  <a16:creationId xmlns:a16="http://schemas.microsoft.com/office/drawing/2014/main" id="{208D54BF-FA63-498A-9459-5B9758D0FEA7}"/>
-                </a:ext>
-              </a:extLst>
-            </p:cNvPr>
-            <p:cNvSpPr/>
-            <p:nvPr/>
-          </p:nvSpPr>
-          <p:spPr>
-            <a:xfrm>
-              <a:off x="2560320" y="4137322"/>
-              <a:ext cx="2697480" cy="428624"/>
-            </a:xfrm>
-            <a:prstGeom prst="rect">
-              <a:avLst/>
-            </a:prstGeom>
-          </p:spPr>
-          <p:style>
-            <a:lnRef idx="2">
-              <a:schemeClr val="accent6">
-                <a:shade val="50000"/>
-              </a:schemeClr>
-            </a:lnRef>
-            <a:fillRef idx="1">
-              <a:schemeClr val="accent6"/>
-            </a:fillRef>
-            <a:effectRef idx="0">
-              <a:schemeClr val="accent6"/>
-            </a:effectRef>
-            <a:fontRef idx="minor">
-              <a:schemeClr val="lt1"/>
-            </a:fontRef>
-          </p:style>
-          <p:txBody>
-            <a:bodyPr rtlCol="0" anchor="ctr"/>
-            <a:lstStyle/>
-            <a:p>
-              <a:pPr algn="ctr"/>
-              <a:r>
-                <a:rPr lang="de-DE" sz="1200" dirty="0">
-                  <a:solidFill>
-                    <a:schemeClr val="tx1"/>
-                  </a:solidFill>
-                </a:rPr>
-                <a:t>DMA + Disk Controller</a:t>
-              </a:r>
-            </a:p>
-          </p:txBody>
-        </p:sp>
-        <p:cxnSp>
-          <p:nvCxnSpPr>
-            <p:cNvPr id="17" name="Gewinkelter Verbinder 29">
-              <a:extLst>
-                <a:ext uri="{FF2B5EF4-FFF2-40B4-BE49-F238E27FC236}">
-                  <a16:creationId xmlns:a16="http://schemas.microsoft.com/office/drawing/2014/main" id="{168CA216-D32B-456A-8158-09CC191D48EF}"/>
-                </a:ext>
-              </a:extLst>
-            </p:cNvPr>
-            <p:cNvCxnSpPr>
-              <a:stCxn id="11" idx="2"/>
-              <a:endCxn id="16" idx="1"/>
-            </p:cNvCxnSpPr>
-            <p:nvPr/>
-          </p:nvCxnSpPr>
-          <p:spPr>
-            <a:xfrm rot="16200000" flipH="1">
-              <a:off x="2090780" y="3882094"/>
-              <a:ext cx="592398" cy="346682"/>
-            </a:xfrm>
-            <a:prstGeom prst="bentConnector2">
-              <a:avLst/>
-            </a:prstGeom>
-            <a:ln w="28575">
-              <a:solidFill>
-                <a:schemeClr val="tx1"/>
-              </a:solidFill>
-              <a:tailEnd type="triangle"/>
-            </a:ln>
-          </p:spPr>
-          <p:style>
-            <a:lnRef idx="1">
-              <a:schemeClr val="accent1"/>
-            </a:lnRef>
-            <a:fillRef idx="0">
-              <a:schemeClr val="accent1"/>
-            </a:fillRef>
-            <a:effectRef idx="0">
-              <a:schemeClr val="accent1"/>
-            </a:effectRef>
-            <a:fontRef idx="minor">
-              <a:schemeClr val="tx1"/>
-            </a:fontRef>
-          </p:style>
-        </p:cxnSp>
-        <p:sp>
-          <p:nvSpPr>
-            <p:cNvPr id="18" name="Rechteck 32">
-              <a:extLst>
-                <a:ext uri="{FF2B5EF4-FFF2-40B4-BE49-F238E27FC236}">
-                  <a16:creationId xmlns:a16="http://schemas.microsoft.com/office/drawing/2014/main" id="{31E20FC7-8213-4C6C-96A4-07007D2595B9}"/>
-                </a:ext>
-              </a:extLst>
-            </p:cNvPr>
-            <p:cNvSpPr/>
-            <p:nvPr/>
-          </p:nvSpPr>
-          <p:spPr>
-            <a:xfrm>
-              <a:off x="4952552" y="3330610"/>
-              <a:ext cx="1501337" cy="428624"/>
-            </a:xfrm>
-            <a:prstGeom prst="rect">
-              <a:avLst/>
-            </a:prstGeom>
-          </p:spPr>
-          <p:style>
-            <a:lnRef idx="2">
-              <a:schemeClr val="accent1">
-                <a:shade val="50000"/>
-              </a:schemeClr>
-            </a:lnRef>
-            <a:fillRef idx="1">
-              <a:schemeClr val="accent1"/>
-            </a:fillRef>
-            <a:effectRef idx="0">
-              <a:schemeClr val="accent1"/>
-            </a:effectRef>
-            <a:fontRef idx="minor">
-              <a:schemeClr val="lt1"/>
-            </a:fontRef>
-          </p:style>
-          <p:txBody>
-            <a:bodyPr rtlCol="0" anchor="ctr"/>
-            <a:lstStyle/>
-            <a:p>
-              <a:pPr algn="ctr"/>
-              <a:r>
-                <a:rPr lang="de-DE" sz="1200" dirty="0">
-                  <a:solidFill>
-                    <a:schemeClr val="tx1"/>
-                  </a:solidFill>
-                </a:rPr>
-                <a:t>Device Driver</a:t>
-              </a:r>
-            </a:p>
-          </p:txBody>
-        </p:sp>
-        <p:cxnSp>
-          <p:nvCxnSpPr>
-            <p:cNvPr id="19" name="Gewinkelter Verbinder 33">
-              <a:extLst>
-                <a:ext uri="{FF2B5EF4-FFF2-40B4-BE49-F238E27FC236}">
-                  <a16:creationId xmlns:a16="http://schemas.microsoft.com/office/drawing/2014/main" id="{DF770912-CB40-44CA-9239-EE82C7C04494}"/>
-                </a:ext>
-              </a:extLst>
-            </p:cNvPr>
-            <p:cNvCxnSpPr>
-              <a:stCxn id="16" idx="3"/>
-              <a:endCxn id="18" idx="1"/>
-            </p:cNvCxnSpPr>
-            <p:nvPr/>
-          </p:nvCxnSpPr>
-          <p:spPr>
-            <a:xfrm flipH="1" flipV="1">
-              <a:off x="4952552" y="3544922"/>
-              <a:ext cx="305248" cy="806712"/>
-            </a:xfrm>
-            <a:prstGeom prst="bentConnector5">
-              <a:avLst>
-                <a:gd name="adj1" fmla="val -74890"/>
-                <a:gd name="adj2" fmla="val 50000"/>
-                <a:gd name="adj3" fmla="val 174890"/>
-              </a:avLst>
-            </a:prstGeom>
-            <a:ln w="28575">
-              <a:solidFill>
-                <a:schemeClr val="tx1"/>
-              </a:solidFill>
-              <a:tailEnd type="triangle"/>
-            </a:ln>
-          </p:spPr>
-          <p:style>
-            <a:lnRef idx="1">
-              <a:schemeClr val="accent1"/>
-            </a:lnRef>
-            <a:fillRef idx="0">
-              <a:schemeClr val="accent1"/>
-            </a:fillRef>
-            <a:effectRef idx="0">
-              <a:schemeClr val="accent1"/>
-            </a:effectRef>
-            <a:fontRef idx="minor">
-              <a:schemeClr val="tx1"/>
-            </a:fontRef>
-          </p:style>
-        </p:cxnSp>
-        <p:sp>
-          <p:nvSpPr>
-            <p:cNvPr id="20" name="Textfeld 38">
-              <a:extLst>
-                <a:ext uri="{FF2B5EF4-FFF2-40B4-BE49-F238E27FC236}">
-                  <a16:creationId xmlns:a16="http://schemas.microsoft.com/office/drawing/2014/main" id="{B9C6D82C-6FF1-4340-AD55-1907FA7847A0}"/>
-                </a:ext>
-              </a:extLst>
-            </p:cNvPr>
-            <p:cNvSpPr txBox="1"/>
-            <p:nvPr/>
-          </p:nvSpPr>
-          <p:spPr>
-            <a:xfrm>
-              <a:off x="5469802" y="3791836"/>
-              <a:ext cx="1190198" cy="307777"/>
-            </a:xfrm>
-            <a:prstGeom prst="rect">
-              <a:avLst/>
-            </a:prstGeom>
-            <a:noFill/>
-          </p:spPr>
-          <p:txBody>
-            <a:bodyPr wrap="none" rtlCol="0">
-              <a:spAutoFit/>
-            </a:bodyPr>
-            <a:lstStyle/>
-            <a:p>
-              <a:r>
-                <a:rPr lang="de-DE" sz="1400" dirty="0"/>
-                <a:t>CPU Interrupt</a:t>
-              </a:r>
-            </a:p>
-          </p:txBody>
-        </p:sp>
-        <p:sp>
-          <p:nvSpPr>
-            <p:cNvPr id="21" name="Rechteck 39">
-              <a:extLst>
-                <a:ext uri="{FF2B5EF4-FFF2-40B4-BE49-F238E27FC236}">
-                  <a16:creationId xmlns:a16="http://schemas.microsoft.com/office/drawing/2014/main" id="{0834DE63-CB22-4BB1-9AEF-58493745FA6E}"/>
-                </a:ext>
-              </a:extLst>
-            </p:cNvPr>
-            <p:cNvSpPr/>
-            <p:nvPr/>
-          </p:nvSpPr>
-          <p:spPr>
-            <a:xfrm>
-              <a:off x="5147032" y="2483006"/>
-              <a:ext cx="1932344" cy="428624"/>
-            </a:xfrm>
-            <a:prstGeom prst="rect">
-              <a:avLst/>
-            </a:prstGeom>
-          </p:spPr>
-          <p:style>
-            <a:lnRef idx="2">
-              <a:schemeClr val="accent1">
-                <a:shade val="50000"/>
-              </a:schemeClr>
-            </a:lnRef>
-            <a:fillRef idx="1">
-              <a:schemeClr val="accent1"/>
-            </a:fillRef>
-            <a:effectRef idx="0">
-              <a:schemeClr val="accent1"/>
-            </a:effectRef>
-            <a:fontRef idx="minor">
-              <a:schemeClr val="lt1"/>
-            </a:fontRef>
-          </p:style>
-          <p:txBody>
-            <a:bodyPr rtlCol="0" anchor="ctr"/>
-            <a:lstStyle/>
-            <a:p>
-              <a:pPr algn="ctr"/>
-              <a:r>
-                <a:rPr lang="de-DE" sz="1200" dirty="0">
-                  <a:solidFill>
-                    <a:schemeClr val="tx1"/>
-                  </a:solidFill>
-                </a:rPr>
-                <a:t>Win32 </a:t>
-              </a:r>
-              <a:r>
-                <a:rPr lang="de-DE" sz="1200" dirty="0" err="1">
-                  <a:solidFill>
-                    <a:schemeClr val="tx1"/>
-                  </a:solidFill>
-                </a:rPr>
-                <a:t>Overlapped</a:t>
-              </a:r>
-              <a:r>
-                <a:rPr lang="de-DE" sz="1200" dirty="0">
-                  <a:solidFill>
-                    <a:schemeClr val="tx1"/>
-                  </a:solidFill>
-                </a:rPr>
-                <a:t> I/O</a:t>
-              </a:r>
-            </a:p>
-          </p:txBody>
-        </p:sp>
-        <p:cxnSp>
-          <p:nvCxnSpPr>
-            <p:cNvPr id="22" name="Gewinkelter Verbinder 40">
-              <a:extLst>
-                <a:ext uri="{FF2B5EF4-FFF2-40B4-BE49-F238E27FC236}">
-                  <a16:creationId xmlns:a16="http://schemas.microsoft.com/office/drawing/2014/main" id="{4A5B6FF1-274D-4227-AB2B-C482261D2BA1}"/>
-                </a:ext>
-              </a:extLst>
-            </p:cNvPr>
-            <p:cNvCxnSpPr>
-              <a:stCxn id="18" idx="0"/>
-              <a:endCxn id="21" idx="1"/>
-            </p:cNvCxnSpPr>
-            <p:nvPr/>
-          </p:nvCxnSpPr>
-          <p:spPr>
-            <a:xfrm rot="16200000" flipV="1">
-              <a:off x="5108481" y="2735869"/>
-              <a:ext cx="633292" cy="556189"/>
-            </a:xfrm>
-            <a:prstGeom prst="bentConnector4">
-              <a:avLst>
-                <a:gd name="adj1" fmla="val 43232"/>
-                <a:gd name="adj2" fmla="val 176068"/>
-              </a:avLst>
-            </a:prstGeom>
-            <a:ln w="28575">
-              <a:solidFill>
-                <a:schemeClr val="tx1"/>
-              </a:solidFill>
-              <a:tailEnd type="triangle"/>
-            </a:ln>
-          </p:spPr>
-          <p:style>
-            <a:lnRef idx="1">
-              <a:schemeClr val="accent1"/>
-            </a:lnRef>
-            <a:fillRef idx="0">
-              <a:schemeClr val="accent1"/>
-            </a:fillRef>
-            <a:effectRef idx="0">
-              <a:schemeClr val="accent1"/>
-            </a:effectRef>
-            <a:fontRef idx="minor">
-              <a:schemeClr val="tx1"/>
-            </a:fontRef>
-          </p:style>
-        </p:cxnSp>
-        <p:sp>
-          <p:nvSpPr>
-            <p:cNvPr id="23" name="Textfeld 44">
-              <a:extLst>
-                <a:ext uri="{FF2B5EF4-FFF2-40B4-BE49-F238E27FC236}">
-                  <a16:creationId xmlns:a16="http://schemas.microsoft.com/office/drawing/2014/main" id="{B6A2F9EE-AF64-42A1-A243-C8F0CAA1E72B}"/>
-                </a:ext>
-              </a:extLst>
-            </p:cNvPr>
-            <p:cNvSpPr txBox="1"/>
-            <p:nvPr/>
-          </p:nvSpPr>
-          <p:spPr>
-            <a:xfrm>
-              <a:off x="5675341" y="2923622"/>
-              <a:ext cx="1927835" cy="307777"/>
-            </a:xfrm>
-            <a:prstGeom prst="rect">
-              <a:avLst/>
-            </a:prstGeom>
-            <a:noFill/>
-          </p:spPr>
-          <p:txBody>
-            <a:bodyPr wrap="none" rtlCol="0">
-              <a:spAutoFit/>
-            </a:bodyPr>
-            <a:lstStyle/>
-            <a:p>
-              <a:r>
-                <a:rPr lang="en-US" sz="1400" dirty="0"/>
-                <a:t>Deferred Procedure Call</a:t>
-              </a:r>
-            </a:p>
-          </p:txBody>
-        </p:sp>
-        <p:sp>
-          <p:nvSpPr>
-            <p:cNvPr id="24" name="Rechteck 45">
-              <a:extLst>
-                <a:ext uri="{FF2B5EF4-FFF2-40B4-BE49-F238E27FC236}">
-                  <a16:creationId xmlns:a16="http://schemas.microsoft.com/office/drawing/2014/main" id="{76FBF571-DDE3-4ED9-86BF-2FB80E02CB96}"/>
-                </a:ext>
-              </a:extLst>
-            </p:cNvPr>
-            <p:cNvSpPr/>
-            <p:nvPr/>
-          </p:nvSpPr>
-          <p:spPr>
-            <a:xfrm>
-              <a:off x="5552013" y="1683185"/>
-              <a:ext cx="1932344" cy="428624"/>
-            </a:xfrm>
-            <a:prstGeom prst="rect">
-              <a:avLst/>
-            </a:prstGeom>
-          </p:spPr>
-          <p:style>
-            <a:lnRef idx="2">
-              <a:schemeClr val="accent1">
-                <a:shade val="50000"/>
-              </a:schemeClr>
-            </a:lnRef>
-            <a:fillRef idx="1">
-              <a:schemeClr val="accent1"/>
-            </a:fillRef>
-            <a:effectRef idx="0">
-              <a:schemeClr val="accent1"/>
-            </a:effectRef>
-            <a:fontRef idx="minor">
-              <a:schemeClr val="lt1"/>
-            </a:fontRef>
-          </p:style>
-          <p:txBody>
-            <a:bodyPr rtlCol="0" anchor="ctr"/>
-            <a:lstStyle/>
-            <a:p>
-              <a:pPr algn="ctr"/>
-              <a:r>
-                <a:rPr lang="de-DE" sz="1200" dirty="0">
-                  <a:solidFill>
-                    <a:schemeClr val="tx1"/>
-                  </a:solidFill>
-                </a:rPr>
-                <a:t>I/O </a:t>
-              </a:r>
-              <a:r>
-                <a:rPr lang="de-DE" sz="1200" dirty="0" err="1">
-                  <a:solidFill>
-                    <a:schemeClr val="tx1"/>
-                  </a:solidFill>
-                </a:rPr>
-                <a:t>Completion</a:t>
-              </a:r>
-              <a:r>
-                <a:rPr lang="de-DE" sz="1200" dirty="0">
-                  <a:solidFill>
-                    <a:schemeClr val="tx1"/>
-                  </a:solidFill>
-                </a:rPr>
-                <a:t> Port Thread</a:t>
-              </a:r>
-            </a:p>
-          </p:txBody>
-        </p:sp>
-        <p:cxnSp>
-          <p:nvCxnSpPr>
-            <p:cNvPr id="25" name="Gewinkelter Verbinder 46">
-              <a:extLst>
-                <a:ext uri="{FF2B5EF4-FFF2-40B4-BE49-F238E27FC236}">
-                  <a16:creationId xmlns:a16="http://schemas.microsoft.com/office/drawing/2014/main" id="{841A4930-5194-4220-A391-2302329C8DD5}"/>
-                </a:ext>
-              </a:extLst>
-            </p:cNvPr>
-            <p:cNvCxnSpPr>
-              <a:stCxn id="21" idx="0"/>
-              <a:endCxn id="24" idx="1"/>
-            </p:cNvCxnSpPr>
-            <p:nvPr/>
-          </p:nvCxnSpPr>
-          <p:spPr>
-            <a:xfrm rot="16200000" flipV="1">
-              <a:off x="5539855" y="1909656"/>
-              <a:ext cx="585509" cy="561191"/>
-            </a:xfrm>
-            <a:prstGeom prst="bentConnector4">
-              <a:avLst>
-                <a:gd name="adj1" fmla="val 42680"/>
-                <a:gd name="adj2" fmla="val 212899"/>
-              </a:avLst>
-            </a:prstGeom>
-            <a:ln w="28575">
-              <a:solidFill>
-                <a:schemeClr val="tx1"/>
-              </a:solidFill>
-              <a:tailEnd type="triangle"/>
-            </a:ln>
-          </p:spPr>
-          <p:style>
-            <a:lnRef idx="1">
-              <a:schemeClr val="accent1"/>
-            </a:lnRef>
-            <a:fillRef idx="0">
-              <a:schemeClr val="accent1"/>
-            </a:fillRef>
-            <a:effectRef idx="0">
-              <a:schemeClr val="accent1"/>
-            </a:effectRef>
-            <a:fontRef idx="minor">
-              <a:schemeClr val="tx1"/>
-            </a:fontRef>
-          </p:style>
-        </p:cxnSp>
-        <p:sp>
-          <p:nvSpPr>
-            <p:cNvPr id="26" name="Textfeld 52">
-              <a:extLst>
-                <a:ext uri="{FF2B5EF4-FFF2-40B4-BE49-F238E27FC236}">
-                  <a16:creationId xmlns:a16="http://schemas.microsoft.com/office/drawing/2014/main" id="{057BCA67-3853-407A-95EB-948F62E661E5}"/>
-                </a:ext>
-              </a:extLst>
-            </p:cNvPr>
-            <p:cNvSpPr txBox="1"/>
-            <p:nvPr/>
-          </p:nvSpPr>
-          <p:spPr>
-            <a:xfrm>
-              <a:off x="6171583" y="2048913"/>
-              <a:ext cx="1947071" cy="523220"/>
-            </a:xfrm>
-            <a:prstGeom prst="rect">
-              <a:avLst/>
-            </a:prstGeom>
-            <a:noFill/>
-          </p:spPr>
-          <p:txBody>
-            <a:bodyPr wrap="square" rtlCol="0">
-              <a:spAutoFit/>
-            </a:bodyPr>
-            <a:lstStyle/>
-            <a:p>
-              <a:r>
-                <a:rPr lang="en-US" sz="1400" dirty="0" err="1"/>
-                <a:t>Async</a:t>
-              </a:r>
-              <a:r>
-                <a:rPr lang="en-US" sz="1400" dirty="0"/>
-                <a:t> Procedure Call</a:t>
-              </a:r>
-              <a:br>
-                <a:rPr lang="en-US" sz="1400" dirty="0"/>
-              </a:br>
-              <a:r>
-                <a:rPr lang="en-US" sz="1400" dirty="0"/>
-                <a:t>I/O Completion Port</a:t>
-              </a:r>
-            </a:p>
-          </p:txBody>
-        </p:sp>
-        <p:sp>
-          <p:nvSpPr>
-            <p:cNvPr id="27" name="Rechteck 53">
-              <a:extLst>
-                <a:ext uri="{FF2B5EF4-FFF2-40B4-BE49-F238E27FC236}">
-                  <a16:creationId xmlns:a16="http://schemas.microsoft.com/office/drawing/2014/main" id="{96B1E380-119E-4F84-96EA-B2C0A3AEA218}"/>
-                </a:ext>
-              </a:extLst>
-            </p:cNvPr>
-            <p:cNvSpPr/>
-            <p:nvPr/>
-          </p:nvSpPr>
-          <p:spPr>
-            <a:xfrm>
-              <a:off x="5828408" y="868867"/>
-              <a:ext cx="2363351" cy="428624"/>
-            </a:xfrm>
-            <a:prstGeom prst="rect">
-              <a:avLst/>
-            </a:prstGeom>
-          </p:spPr>
-          <p:style>
-            <a:lnRef idx="2">
-              <a:schemeClr val="accent1">
-                <a:shade val="50000"/>
-              </a:schemeClr>
-            </a:lnRef>
-            <a:fillRef idx="1">
-              <a:schemeClr val="accent1"/>
-            </a:fillRef>
-            <a:effectRef idx="0">
-              <a:schemeClr val="accent1"/>
-            </a:effectRef>
-            <a:fontRef idx="minor">
-              <a:schemeClr val="lt1"/>
-            </a:fontRef>
-          </p:style>
-          <p:txBody>
-            <a:bodyPr rtlCol="0" anchor="ctr"/>
-            <a:lstStyle/>
-            <a:p>
-              <a:pPr algn="ctr"/>
-              <a:r>
-                <a:rPr lang="de-DE" sz="1200" dirty="0" err="1">
-                  <a:solidFill>
-                    <a:schemeClr val="tx1"/>
-                  </a:solidFill>
-                </a:rPr>
-                <a:t>Continuation</a:t>
-              </a:r>
-              <a:endParaRPr lang="de-DE" sz="1200" dirty="0">
-                <a:solidFill>
-                  <a:schemeClr val="tx1"/>
-                </a:solidFill>
-              </a:endParaRPr>
-            </a:p>
-          </p:txBody>
-        </p:sp>
-        <p:cxnSp>
-          <p:nvCxnSpPr>
-            <p:cNvPr id="28" name="Gewinkelter Verbinder 54">
-              <a:extLst>
-                <a:ext uri="{FF2B5EF4-FFF2-40B4-BE49-F238E27FC236}">
-                  <a16:creationId xmlns:a16="http://schemas.microsoft.com/office/drawing/2014/main" id="{58229630-E588-4C43-A34D-A6C40B2DCA70}"/>
-                </a:ext>
-              </a:extLst>
-            </p:cNvPr>
-            <p:cNvCxnSpPr>
-              <a:stCxn id="24" idx="0"/>
-              <a:endCxn id="27" idx="1"/>
-            </p:cNvCxnSpPr>
-            <p:nvPr/>
-          </p:nvCxnSpPr>
-          <p:spPr>
-            <a:xfrm rot="16200000" flipV="1">
-              <a:off x="5873294" y="1038293"/>
-              <a:ext cx="600006" cy="689777"/>
-            </a:xfrm>
-            <a:prstGeom prst="bentConnector4">
-              <a:avLst>
-                <a:gd name="adj1" fmla="val 36903"/>
-                <a:gd name="adj2" fmla="val 173211"/>
-              </a:avLst>
-            </a:prstGeom>
-            <a:ln w="28575">
-              <a:solidFill>
-                <a:schemeClr val="tx1"/>
-              </a:solidFill>
-              <a:tailEnd type="triangle"/>
-            </a:ln>
-          </p:spPr>
-          <p:style>
-            <a:lnRef idx="1">
-              <a:schemeClr val="accent1"/>
-            </a:lnRef>
-            <a:fillRef idx="0">
-              <a:schemeClr val="accent1"/>
-            </a:fillRef>
-            <a:effectRef idx="0">
-              <a:schemeClr val="accent1"/>
-            </a:effectRef>
-            <a:fontRef idx="minor">
-              <a:schemeClr val="tx1"/>
-            </a:fontRef>
-          </p:style>
-        </p:cxnSp>
-        <p:sp>
-          <p:nvSpPr>
-            <p:cNvPr id="29" name="Textfeld 60">
-              <a:extLst>
-                <a:ext uri="{FF2B5EF4-FFF2-40B4-BE49-F238E27FC236}">
-                  <a16:creationId xmlns:a16="http://schemas.microsoft.com/office/drawing/2014/main" id="{B2AF6767-AD83-408B-B4FE-BFFFC29417A0}"/>
-                </a:ext>
-              </a:extLst>
-            </p:cNvPr>
-            <p:cNvSpPr txBox="1"/>
-            <p:nvPr/>
-          </p:nvSpPr>
-          <p:spPr>
-            <a:xfrm>
-              <a:off x="6499562" y="1342710"/>
-              <a:ext cx="2468048" cy="307777"/>
-            </a:xfrm>
-            <a:prstGeom prst="rect">
-              <a:avLst/>
-            </a:prstGeom>
-            <a:noFill/>
-          </p:spPr>
-          <p:txBody>
-            <a:bodyPr wrap="none" rtlCol="0">
-              <a:spAutoFit/>
-            </a:bodyPr>
-            <a:lstStyle/>
-            <a:p>
-              <a:r>
-                <a:rPr lang="en-US" sz="1400" dirty="0" err="1"/>
-                <a:t>IAsyncStateMachine.MoveNext</a:t>
-              </a:r>
-              <a:endParaRPr lang="en-US" sz="1400" dirty="0"/>
-            </a:p>
-          </p:txBody>
-        </p:sp>
-        <p:sp>
-          <p:nvSpPr>
-            <p:cNvPr id="30" name="Rechteck 63">
-              <a:extLst>
-                <a:ext uri="{FF2B5EF4-FFF2-40B4-BE49-F238E27FC236}">
-                  <a16:creationId xmlns:a16="http://schemas.microsoft.com/office/drawing/2014/main" id="{698EA986-22B8-4B73-8FD1-1E81D595A1ED}"/>
-                </a:ext>
-              </a:extLst>
-            </p:cNvPr>
-            <p:cNvSpPr/>
-            <p:nvPr/>
-          </p:nvSpPr>
-          <p:spPr>
-            <a:xfrm>
-              <a:off x="132430" y="865927"/>
-              <a:ext cx="327923" cy="1757455"/>
-            </a:xfrm>
-            <a:prstGeom prst="rect">
-              <a:avLst/>
-            </a:prstGeom>
-          </p:spPr>
-          <p:style>
-            <a:lnRef idx="2">
-              <a:schemeClr val="accent3">
-                <a:shade val="50000"/>
-              </a:schemeClr>
-            </a:lnRef>
-            <a:fillRef idx="1">
-              <a:schemeClr val="accent3"/>
-            </a:fillRef>
-            <a:effectRef idx="0">
-              <a:schemeClr val="accent3"/>
-            </a:effectRef>
-            <a:fontRef idx="minor">
-              <a:schemeClr val="lt1"/>
-            </a:fontRef>
-          </p:style>
-          <p:txBody>
-            <a:bodyPr vert="vert270" rtlCol="0" anchor="ctr"/>
-            <a:lstStyle/>
-            <a:p>
-              <a:pPr algn="ctr"/>
-              <a:r>
-                <a:rPr lang="de-DE" sz="1400" dirty="0">
-                  <a:solidFill>
-                    <a:schemeClr val="tx1"/>
-                  </a:solidFill>
-                </a:rPr>
-                <a:t>User Mode</a:t>
-              </a:r>
-            </a:p>
-          </p:txBody>
-        </p:sp>
-        <p:sp>
-          <p:nvSpPr>
-            <p:cNvPr id="31" name="Rechteck 64">
-              <a:extLst>
-                <a:ext uri="{FF2B5EF4-FFF2-40B4-BE49-F238E27FC236}">
-                  <a16:creationId xmlns:a16="http://schemas.microsoft.com/office/drawing/2014/main" id="{95D55B60-BB79-4C8D-9210-B5BDC5AD80A0}"/>
-                </a:ext>
-              </a:extLst>
-            </p:cNvPr>
-            <p:cNvSpPr/>
-            <p:nvPr/>
-          </p:nvSpPr>
-          <p:spPr>
-            <a:xfrm>
-              <a:off x="132430" y="2774731"/>
-              <a:ext cx="327923" cy="1791214"/>
-            </a:xfrm>
-            <a:prstGeom prst="rect">
-              <a:avLst/>
-            </a:prstGeom>
-          </p:spPr>
-          <p:style>
-            <a:lnRef idx="2">
-              <a:schemeClr val="accent3">
-                <a:shade val="50000"/>
-              </a:schemeClr>
-            </a:lnRef>
-            <a:fillRef idx="1">
-              <a:schemeClr val="accent3"/>
-            </a:fillRef>
-            <a:effectRef idx="0">
-              <a:schemeClr val="accent3"/>
-            </a:effectRef>
-            <a:fontRef idx="minor">
-              <a:schemeClr val="lt1"/>
-            </a:fontRef>
-          </p:style>
-          <p:txBody>
-            <a:bodyPr vert="vert270" rtlCol="0" anchor="ctr"/>
-            <a:lstStyle/>
-            <a:p>
-              <a:pPr algn="ctr"/>
-              <a:r>
-                <a:rPr lang="de-DE" sz="1400" dirty="0">
-                  <a:solidFill>
-                    <a:schemeClr val="tx1"/>
-                  </a:solidFill>
-                </a:rPr>
-                <a:t>Kernel Mode</a:t>
-              </a:r>
-            </a:p>
-          </p:txBody>
-        </p:sp>
-      </p:grpSp>
     </p:spTree>
     <p:extLst>
       <p:ext uri="{BB962C8B-B14F-4D97-AF65-F5344CB8AC3E}">
-        <p14:creationId xmlns:p14="http://schemas.microsoft.com/office/powerpoint/2010/main" val="1563275189"/>
+        <p14:creationId xmlns:p14="http://schemas.microsoft.com/office/powerpoint/2010/main" val="4070655209"/>
       </p:ext>
     </p:extLst>
   </p:cSld>
@@ -14951,10 +11260,10 @@
       </p:grpSpPr>
       <p:sp>
         <p:nvSpPr>
-          <p:cNvPr id="11" name="Title 10">
-            <a:extLst>
-              <a:ext uri="{FF2B5EF4-FFF2-40B4-BE49-F238E27FC236}">
-                <a16:creationId xmlns:a16="http://schemas.microsoft.com/office/drawing/2014/main" id="{CEFAAABC-9C5D-4187-B6E0-A0B666011E84}"/>
+          <p:cNvPr id="2" name="Title 1">
+            <a:extLst>
+              <a:ext uri="{FF2B5EF4-FFF2-40B4-BE49-F238E27FC236}">
+                <a16:creationId xmlns:a16="http://schemas.microsoft.com/office/drawing/2014/main" id="{35979620-0F67-4A33-A124-44CA56B8BB0C}"/>
               </a:ext>
             </a:extLst>
           </p:cNvPr>
@@ -14972,14 +11281,7 @@
           <a:p>
             <a:r>
               <a:rPr lang="de-DE" dirty="0"/>
-              <a:t>Auswirkungen auf </a:t>
-            </a:r>
-            <a:br>
-              <a:rPr lang="de-DE" dirty="0"/>
-            </a:br>
-            <a:r>
-              <a:rPr lang="de-DE" dirty="0"/>
-              <a:t>Software-Design</a:t>
+              <a:t>Neues Programmierprinzip: LTI</a:t>
             </a:r>
             <a:endParaRPr lang="en-DE" dirty="0"/>
           </a:p>
@@ -14987,10 +11289,10 @@
       </p:sp>
       <p:sp>
         <p:nvSpPr>
-          <p:cNvPr id="12" name="Text Placeholder 11">
-            <a:extLst>
-              <a:ext uri="{FF2B5EF4-FFF2-40B4-BE49-F238E27FC236}">
-                <a16:creationId xmlns:a16="http://schemas.microsoft.com/office/drawing/2014/main" id="{14FAF282-231B-48B9-9330-1374CEDBDE39}"/>
+          <p:cNvPr id="3" name="Content Placeholder 2">
+            <a:extLst>
+              <a:ext uri="{FF2B5EF4-FFF2-40B4-BE49-F238E27FC236}">
+                <a16:creationId xmlns:a16="http://schemas.microsoft.com/office/drawing/2014/main" id="{CBD270B2-57A8-43F7-A397-77DD21162E88}"/>
               </a:ext>
             </a:extLst>
           </p:cNvPr>
@@ -14998,7 +11300,7 @@
             <a:spLocks noGrp="1"/>
           </p:cNvSpPr>
           <p:nvPr>
-            <p:ph type="body" idx="1"/>
+            <p:ph idx="1"/>
           </p:nvPr>
         </p:nvSpPr>
         <p:spPr/>
@@ -15006,10 +11308,47 @@
           <a:bodyPr/>
           <a:lstStyle/>
           <a:p>
+            <a:pPr marL="0" indent="0">
+              <a:buNone/>
+            </a:pPr>
+            <a:r>
+              <a:rPr lang="en-US" b="1" dirty="0"/>
+              <a:t>Learn-The-Internals Principle (LTI)</a:t>
+            </a:r>
+          </a:p>
+          <a:p>
+            <a:pPr marL="0" indent="0">
+              <a:buNone/>
+            </a:pPr>
+            <a:endParaRPr lang="de-DE" dirty="0"/>
+          </a:p>
+          <a:p>
+            <a:pPr marL="0" indent="0">
+              <a:buNone/>
+            </a:pPr>
             <a:r>
               <a:rPr lang="de-DE" dirty="0"/>
-              <a:t>Achtung: subjektiv</a:t>
-            </a:r>
+              <a:t>Setze dich mit den internen Mechanismen der </a:t>
+            </a:r>
+            <a:r>
+              <a:rPr lang="de-DE" dirty="0" err="1"/>
+              <a:t>Runtimes</a:t>
+            </a:r>
+            <a:r>
+              <a:rPr lang="de-DE" dirty="0"/>
+              <a:t> und Frameworks / Bibliotheken, die du einsetzt, auseinander und verstehe, wie sie wiederkehrende Probleme lösen (zumindest auf der obersten Abstraktionsschicht). Mache ausfindig, welche Aufruf-Muster Probleme erzeugen können und stelle sicher, dass diese im aufrufenden Code vermieden werden.</a:t>
+            </a:r>
+          </a:p>
+          <a:p>
+            <a:pPr marL="0" indent="0">
+              <a:buNone/>
+            </a:pPr>
+            <a:endParaRPr lang="de-DE" dirty="0"/>
+          </a:p>
+          <a:p>
+            <a:pPr marL="0" indent="0">
+              <a:buNone/>
+            </a:pPr>
             <a:endParaRPr lang="en-DE" dirty="0"/>
           </a:p>
         </p:txBody>
@@ -15019,7 +11358,7 @@
           <p:cNvPr id="5" name="Footer Placeholder 4">
             <a:extLst>
               <a:ext uri="{FF2B5EF4-FFF2-40B4-BE49-F238E27FC236}">
-                <a16:creationId xmlns:a16="http://schemas.microsoft.com/office/drawing/2014/main" id="{0E978525-9A04-43D6-8B8D-73D78E2216BB}"/>
+                <a16:creationId xmlns:a16="http://schemas.microsoft.com/office/drawing/2014/main" id="{57208ABE-2127-4F2D-87B5-88C0FFC1D5B6}"/>
               </a:ext>
             </a:extLst>
           </p:cNvPr>
@@ -15047,7 +11386,7 @@
           <p:cNvPr id="6" name="Slide Number Placeholder 5">
             <a:extLst>
               <a:ext uri="{FF2B5EF4-FFF2-40B4-BE49-F238E27FC236}">
-                <a16:creationId xmlns:a16="http://schemas.microsoft.com/office/drawing/2014/main" id="{76F88E04-200E-4DF8-A6F0-2AFFF7A04D8A}"/>
+                <a16:creationId xmlns:a16="http://schemas.microsoft.com/office/drawing/2014/main" id="{D1A3D4A4-D072-4CD3-8DE9-D9A673B16BB8}"/>
               </a:ext>
             </a:extLst>
           </p:cNvPr>
@@ -15074,16 +11413,21 @@
     </p:spTree>
     <p:extLst>
       <p:ext uri="{BB962C8B-B14F-4D97-AF65-F5344CB8AC3E}">
-        <p14:creationId xmlns:p14="http://schemas.microsoft.com/office/powerpoint/2010/main" val="2805657291"/>
+        <p14:creationId xmlns:p14="http://schemas.microsoft.com/office/powerpoint/2010/main" val="209681775"/>
       </p:ext>
     </p:extLst>
   </p:cSld>
   <p:clrMapOvr>
     <a:masterClrMapping/>
   </p:clrMapOvr>
-  <p:transition spd="med">
-    <p:cover/>
-  </p:transition>
+  <mc:AlternateContent xmlns:mc="http://schemas.openxmlformats.org/markup-compatibility/2006" xmlns:p14="http://schemas.microsoft.com/office/powerpoint/2010/main">
+    <mc:Choice Requires="p14">
+      <p:transition p14:dur="0"/>
+    </mc:Choice>
+    <mc:Fallback xmlns="">
+      <p:transition/>
+    </mc:Fallback>
+  </mc:AlternateContent>
 </p:sld>
 </file>
 
@@ -15106,10 +11450,10 @@
       </p:grpSpPr>
       <p:sp>
         <p:nvSpPr>
-          <p:cNvPr id="7" name="Title 6">
-            <a:extLst>
-              <a:ext uri="{FF2B5EF4-FFF2-40B4-BE49-F238E27FC236}">
-                <a16:creationId xmlns:a16="http://schemas.microsoft.com/office/drawing/2014/main" id="{A98B54AD-4E99-44A3-803D-E6662473416B}"/>
+          <p:cNvPr id="2" name="Title 1">
+            <a:extLst>
+              <a:ext uri="{FF2B5EF4-FFF2-40B4-BE49-F238E27FC236}">
+                <a16:creationId xmlns:a16="http://schemas.microsoft.com/office/drawing/2014/main" id="{816FD430-1F54-4316-AB9C-F4F43D79A909}"/>
               </a:ext>
             </a:extLst>
           </p:cNvPr>
@@ -15127,7 +11471,7 @@
           <a:p>
             <a:r>
               <a:rPr lang="de-DE" dirty="0"/>
-              <a:t>Was wir aus den vorherigen Abschnitten lernen sollten</a:t>
+              <a:t>Neues Programmierprinzip: RPB</a:t>
             </a:r>
             <a:endParaRPr lang="en-DE" dirty="0"/>
           </a:p>
@@ -15135,10 +11479,10 @@
       </p:sp>
       <p:sp>
         <p:nvSpPr>
-          <p:cNvPr id="8" name="Content Placeholder 7">
-            <a:extLst>
-              <a:ext uri="{FF2B5EF4-FFF2-40B4-BE49-F238E27FC236}">
-                <a16:creationId xmlns:a16="http://schemas.microsoft.com/office/drawing/2014/main" id="{359863C3-ADC0-42F3-81E9-EE37E72EDA31}"/>
+          <p:cNvPr id="3" name="Content Placeholder 2">
+            <a:extLst>
+              <a:ext uri="{FF2B5EF4-FFF2-40B4-BE49-F238E27FC236}">
+                <a16:creationId xmlns:a16="http://schemas.microsoft.com/office/drawing/2014/main" id="{4A287407-2F44-4990-95FB-BB0A61FF1403}"/>
               </a:ext>
             </a:extLst>
           </p:cNvPr>
@@ -15154,73 +11498,40 @@
           <a:bodyPr/>
           <a:lstStyle/>
           <a:p>
+            <a:pPr marL="0" indent="0">
+              <a:buNone/>
+            </a:pPr>
+            <a:r>
+              <a:rPr lang="en-US" b="1" dirty="0"/>
+              <a:t>Respect-the-Process-Boundary Principle (RBP)</a:t>
+            </a:r>
+          </a:p>
+          <a:p>
+            <a:pPr marL="0" indent="0">
+              <a:buNone/>
+            </a:pPr>
+            <a:endParaRPr lang="en-US" b="1" dirty="0"/>
+          </a:p>
+          <a:p>
+            <a:pPr marL="0" indent="0">
+              <a:buNone/>
+            </a:pPr>
             <a:r>
               <a:rPr lang="de-DE" dirty="0"/>
-              <a:t>Eindeutig unterscheiden zwischen I/O und In-Memory Operationen</a:t>
-            </a:r>
-          </a:p>
-          <a:p>
-            <a:r>
-              <a:rPr lang="de-DE" dirty="0"/>
-              <a:t>I/O sollte asynchron ausgeführt werden, um UI </a:t>
-            </a:r>
-            <a:r>
-              <a:rPr lang="de-DE" dirty="0" err="1"/>
-              <a:t>Freezes</a:t>
-            </a:r>
-            <a:r>
-              <a:rPr lang="de-DE" dirty="0"/>
-              <a:t> und unnötige Thread-Allokationen zu vermeiden</a:t>
-            </a:r>
-          </a:p>
-          <a:p>
-            <a:r>
-              <a:rPr lang="de-DE" dirty="0"/>
-              <a:t>Unnötigen I/O vermeiden</a:t>
-            </a:r>
-          </a:p>
-          <a:p>
-            <a:pPr lvl="1"/>
-            <a:r>
-              <a:rPr lang="de-DE" dirty="0"/>
-              <a:t>Mehrere Abfragen in eine zusammenfassen, falls möglich</a:t>
-            </a:r>
-          </a:p>
-          <a:p>
-            <a:pPr lvl="1"/>
-            <a:r>
-              <a:rPr lang="de-DE" dirty="0"/>
-              <a:t>Fail-Fast-Prinzip</a:t>
-            </a:r>
-          </a:p>
-          <a:p>
-            <a:r>
-              <a:rPr lang="de-DE" dirty="0"/>
-              <a:t>Unnötige Objektallokationen vermeiden – </a:t>
-            </a:r>
-            <a:r>
-              <a:rPr lang="de-DE" dirty="0" err="1"/>
-              <a:t>Indirektion</a:t>
-            </a:r>
-            <a:r>
-              <a:rPr lang="de-DE" dirty="0"/>
-              <a:t> nur dann einsetzen, falls notwendig</a:t>
-            </a:r>
-          </a:p>
-          <a:p>
-            <a:r>
-              <a:rPr lang="de-DE" dirty="0"/>
-              <a:t>Auch stark gekoppelter Code kann (leicht) automatisiert getestet werden, sofern dieser ausschließlich In-Memory läuft</a:t>
-            </a:r>
-          </a:p>
-          <a:p>
-            <a:r>
-              <a:rPr lang="de-DE" dirty="0"/>
-              <a:t>Speicherabbilder helfen beim Design von Mengengerüsten</a:t>
-            </a:r>
-          </a:p>
-          <a:p>
-            <a:endParaRPr lang="en-DE" dirty="0"/>
+              <a:t>Unterscheide zwischen In-Memory Operationen und I/O Operationen, da letztere deutlich höhere Ausführungszeiten haben. I/O Operationen sollten über asynchrone APIs umgesetzt werden, um blockierende Threads zu vermeiden.</a:t>
+            </a:r>
+          </a:p>
+          <a:p>
+            <a:pPr marL="0" indent="0">
+              <a:buNone/>
+            </a:pPr>
+            <a:endParaRPr lang="en-US" dirty="0"/>
+          </a:p>
+          <a:p>
+            <a:pPr marL="0" indent="0">
+              <a:buNone/>
+            </a:pPr>
+            <a:endParaRPr lang="en-US" dirty="0"/>
           </a:p>
         </p:txBody>
       </p:sp>
@@ -15229,7 +11540,7 @@
           <p:cNvPr id="5" name="Footer Placeholder 4">
             <a:extLst>
               <a:ext uri="{FF2B5EF4-FFF2-40B4-BE49-F238E27FC236}">
-                <a16:creationId xmlns:a16="http://schemas.microsoft.com/office/drawing/2014/main" id="{D08A16BF-492A-4082-B306-4FB1CE7323EC}"/>
+                <a16:creationId xmlns:a16="http://schemas.microsoft.com/office/drawing/2014/main" id="{08E56C01-5271-4AD9-AB18-EF05A77C7F15}"/>
               </a:ext>
             </a:extLst>
           </p:cNvPr>
@@ -15257,7 +11568,7 @@
           <p:cNvPr id="6" name="Slide Number Placeholder 5">
             <a:extLst>
               <a:ext uri="{FF2B5EF4-FFF2-40B4-BE49-F238E27FC236}">
-                <a16:creationId xmlns:a16="http://schemas.microsoft.com/office/drawing/2014/main" id="{96B5DDE9-6E30-447E-AFE8-A7BBA6638443}"/>
+                <a16:creationId xmlns:a16="http://schemas.microsoft.com/office/drawing/2014/main" id="{930F4048-DF2C-4205-BD35-DC9E3E7A2585}"/>
               </a:ext>
             </a:extLst>
           </p:cNvPr>
@@ -15284,7 +11595,7 @@
     </p:spTree>
     <p:extLst>
       <p:ext uri="{BB962C8B-B14F-4D97-AF65-F5344CB8AC3E}">
-        <p14:creationId xmlns:p14="http://schemas.microsoft.com/office/powerpoint/2010/main" val="4070655209"/>
+        <p14:creationId xmlns:p14="http://schemas.microsoft.com/office/powerpoint/2010/main" val="3086070345"/>
       </p:ext>
     </p:extLst>
   </p:cSld>
@@ -15324,7 +11635,7 @@
           <p:cNvPr id="2" name="Title 1">
             <a:extLst>
               <a:ext uri="{FF2B5EF4-FFF2-40B4-BE49-F238E27FC236}">
-                <a16:creationId xmlns:a16="http://schemas.microsoft.com/office/drawing/2014/main" id="{256CAE51-0230-493C-BDC8-010F542B2009}"/>
+                <a16:creationId xmlns:a16="http://schemas.microsoft.com/office/drawing/2014/main" id="{A8141555-C0E3-4352-85D3-9C82374DB945}"/>
               </a:ext>
             </a:extLst>
           </p:cNvPr>
@@ -15341,88 +11652,8 @@
           <a:lstStyle/>
           <a:p>
             <a:r>
-              <a:rPr lang="de-DE" dirty="0"/>
-              <a:t>Über die SOLID Prinzipien: DIP und OCP</a:t>
-            </a:r>
-            <a:endParaRPr lang="en-DE" dirty="0"/>
-          </a:p>
-        </p:txBody>
-      </p:sp>
-      <p:sp>
-        <p:nvSpPr>
-          <p:cNvPr id="3" name="Content Placeholder 2">
-            <a:extLst>
-              <a:ext uri="{FF2B5EF4-FFF2-40B4-BE49-F238E27FC236}">
-                <a16:creationId xmlns:a16="http://schemas.microsoft.com/office/drawing/2014/main" id="{5647BFB2-D09C-42C2-89FF-DC57ADEE1FDC}"/>
-              </a:ext>
-            </a:extLst>
-          </p:cNvPr>
-          <p:cNvSpPr>
-            <a:spLocks noGrp="1"/>
-          </p:cNvSpPr>
-          <p:nvPr>
-            <p:ph idx="1"/>
-          </p:nvPr>
-        </p:nvSpPr>
-        <p:spPr/>
-        <p:txBody>
-          <a:bodyPr/>
-          <a:lstStyle/>
-          <a:p>
-            <a:pPr marL="0" indent="0">
-              <a:buNone/>
-            </a:pPr>
-            <a:r>
-              <a:rPr lang="en-US" b="1" dirty="0"/>
-              <a:t>Dependency Inversion Principle</a:t>
-            </a:r>
-          </a:p>
-          <a:p>
-            <a:r>
               <a:rPr lang="en-US" dirty="0"/>
-              <a:t>High-level modules should not depend upon low-level modules. Both should depend upon abstractions.</a:t>
-            </a:r>
-          </a:p>
-          <a:p>
-            <a:r>
-              <a:rPr lang="en-US" dirty="0"/>
-              <a:t>Abstractions should not depend upon details. Details should depend upon abstractions.</a:t>
-            </a:r>
-          </a:p>
-          <a:p>
-            <a:endParaRPr lang="en-US" dirty="0"/>
-          </a:p>
-          <a:p>
-            <a:pPr marL="0" indent="0">
-              <a:buNone/>
-            </a:pPr>
-            <a:r>
-              <a:rPr lang="en-US" b="1" dirty="0"/>
-              <a:t>Open / Closed Principle</a:t>
-            </a:r>
-          </a:p>
-          <a:p>
-            <a:pPr marL="0" indent="0">
-              <a:buNone/>
-            </a:pPr>
-            <a:r>
-              <a:rPr lang="en-US" dirty="0"/>
-              <a:t>Software entities (classes, modules, functions, etc.) should be open for extension, but closed for modification.</a:t>
-            </a:r>
-          </a:p>
-          <a:p>
-            <a:pPr marL="0" indent="0">
-              <a:buNone/>
-            </a:pPr>
-            <a:endParaRPr lang="en-US" dirty="0"/>
-          </a:p>
-          <a:p>
-            <a:pPr marL="0" indent="0">
-              <a:buNone/>
-            </a:pPr>
-            <a:r>
-              <a:rPr lang="de-DE" dirty="0"/>
-              <a:t>Wo ist hier der Unterschied?</a:t>
+              <a:t>CHUC: Core – Humble Objects – Unit Tests – Composition Root</a:t>
             </a:r>
           </a:p>
         </p:txBody>
@@ -15432,7 +11663,7 @@
           <p:cNvPr id="5" name="Footer Placeholder 4">
             <a:extLst>
               <a:ext uri="{FF2B5EF4-FFF2-40B4-BE49-F238E27FC236}">
-                <a16:creationId xmlns:a16="http://schemas.microsoft.com/office/drawing/2014/main" id="{2F47834E-FEC5-4D35-B322-7B14FDC4E7EE}"/>
+                <a16:creationId xmlns:a16="http://schemas.microsoft.com/office/drawing/2014/main" id="{98E54584-7053-4123-8FB2-3C1B0E48DD86}"/>
               </a:ext>
             </a:extLst>
           </p:cNvPr>
@@ -15460,7 +11691,7 @@
           <p:cNvPr id="6" name="Slide Number Placeholder 5">
             <a:extLst>
               <a:ext uri="{FF2B5EF4-FFF2-40B4-BE49-F238E27FC236}">
-                <a16:creationId xmlns:a16="http://schemas.microsoft.com/office/drawing/2014/main" id="{DD9FE989-837E-42DB-B49F-AE5C9467F1A9}"/>
+                <a16:creationId xmlns:a16="http://schemas.microsoft.com/office/drawing/2014/main" id="{2CEFD4F9-4AB5-401D-970C-39A4787E79CA}"/>
               </a:ext>
             </a:extLst>
           </p:cNvPr>
@@ -15484,10 +11715,665 @@
           </a:p>
         </p:txBody>
       </p:sp>
+      <p:sp>
+        <p:nvSpPr>
+          <p:cNvPr id="10" name="Rectangle 9">
+            <a:extLst>
+              <a:ext uri="{FF2B5EF4-FFF2-40B4-BE49-F238E27FC236}">
+                <a16:creationId xmlns:a16="http://schemas.microsoft.com/office/drawing/2014/main" id="{2FCB158F-FB21-4F12-94AD-14C7614A0154}"/>
+              </a:ext>
+            </a:extLst>
+          </p:cNvPr>
+          <p:cNvSpPr/>
+          <p:nvPr/>
+        </p:nvSpPr>
+        <p:spPr>
+          <a:xfrm>
+            <a:off x="4728339" y="3127090"/>
+            <a:ext cx="2259728" cy="1100873"/>
+          </a:xfrm>
+          <a:prstGeom prst="rect">
+            <a:avLst/>
+          </a:prstGeom>
+        </p:spPr>
+        <p:style>
+          <a:lnRef idx="2">
+            <a:schemeClr val="accent1">
+              <a:shade val="50000"/>
+            </a:schemeClr>
+          </a:lnRef>
+          <a:fillRef idx="1">
+            <a:schemeClr val="accent1"/>
+          </a:fillRef>
+          <a:effectRef idx="0">
+            <a:schemeClr val="accent1"/>
+          </a:effectRef>
+          <a:fontRef idx="minor">
+            <a:schemeClr val="lt1"/>
+          </a:fontRef>
+        </p:style>
+        <p:txBody>
+          <a:bodyPr rtlCol="0" anchor="ctr"/>
+          <a:lstStyle/>
+          <a:p>
+            <a:pPr algn="ctr"/>
+            <a:r>
+              <a:rPr lang="de-DE" dirty="0"/>
+              <a:t>Core</a:t>
+            </a:r>
+            <a:endParaRPr lang="en-DE" dirty="0"/>
+          </a:p>
+        </p:txBody>
+      </p:sp>
+      <p:sp>
+        <p:nvSpPr>
+          <p:cNvPr id="11" name="Oval 10">
+            <a:extLst>
+              <a:ext uri="{FF2B5EF4-FFF2-40B4-BE49-F238E27FC236}">
+                <a16:creationId xmlns:a16="http://schemas.microsoft.com/office/drawing/2014/main" id="{DA250D8A-0511-43AD-BA86-2A282C79FD07}"/>
+              </a:ext>
+            </a:extLst>
+          </p:cNvPr>
+          <p:cNvSpPr/>
+          <p:nvPr/>
+        </p:nvSpPr>
+        <p:spPr>
+          <a:xfrm>
+            <a:off x="3179379" y="998702"/>
+            <a:ext cx="5357648" cy="5357648"/>
+          </a:xfrm>
+          <a:prstGeom prst="ellipse">
+            <a:avLst/>
+          </a:prstGeom>
+          <a:noFill/>
+          <a:ln w="19050">
+            <a:solidFill>
+              <a:schemeClr val="accent6"/>
+            </a:solidFill>
+          </a:ln>
+        </p:spPr>
+        <p:style>
+          <a:lnRef idx="2">
+            <a:schemeClr val="accent1">
+              <a:shade val="50000"/>
+            </a:schemeClr>
+          </a:lnRef>
+          <a:fillRef idx="1">
+            <a:schemeClr val="accent1"/>
+          </a:fillRef>
+          <a:effectRef idx="0">
+            <a:schemeClr val="accent1"/>
+          </a:effectRef>
+          <a:fontRef idx="minor">
+            <a:schemeClr val="lt1"/>
+          </a:fontRef>
+        </p:style>
+        <p:txBody>
+          <a:bodyPr rtlCol="0" anchor="ctr"/>
+          <a:lstStyle/>
+          <a:p>
+            <a:pPr algn="ctr"/>
+            <a:endParaRPr lang="en-DE" dirty="0"/>
+          </a:p>
+        </p:txBody>
+      </p:sp>
+      <p:sp>
+        <p:nvSpPr>
+          <p:cNvPr id="12" name="TextBox 11">
+            <a:extLst>
+              <a:ext uri="{FF2B5EF4-FFF2-40B4-BE49-F238E27FC236}">
+                <a16:creationId xmlns:a16="http://schemas.microsoft.com/office/drawing/2014/main" id="{9BD4C132-9F5D-4D1A-A566-0F1BCB582841}"/>
+              </a:ext>
+            </a:extLst>
+          </p:cNvPr>
+          <p:cNvSpPr txBox="1"/>
+          <p:nvPr/>
+        </p:nvSpPr>
+        <p:spPr>
+          <a:xfrm>
+            <a:off x="7455657" y="1191071"/>
+            <a:ext cx="1994264" cy="369332"/>
+          </a:xfrm>
+          <a:prstGeom prst="rect">
+            <a:avLst/>
+          </a:prstGeom>
+          <a:noFill/>
+        </p:spPr>
+        <p:txBody>
+          <a:bodyPr wrap="none" rtlCol="0">
+            <a:spAutoFit/>
+          </a:bodyPr>
+          <a:lstStyle/>
+          <a:p>
+            <a:r>
+              <a:rPr lang="en-US" dirty="0">
+                <a:solidFill>
+                  <a:schemeClr val="accent6"/>
+                </a:solidFill>
+              </a:rPr>
+              <a:t>Process Boundary</a:t>
+            </a:r>
+          </a:p>
+        </p:txBody>
+      </p:sp>
+      <p:sp>
+        <p:nvSpPr>
+          <p:cNvPr id="13" name="Rectangle 12">
+            <a:extLst>
+              <a:ext uri="{FF2B5EF4-FFF2-40B4-BE49-F238E27FC236}">
+                <a16:creationId xmlns:a16="http://schemas.microsoft.com/office/drawing/2014/main" id="{A623AF40-4B79-4256-BD76-506772133444}"/>
+              </a:ext>
+            </a:extLst>
+          </p:cNvPr>
+          <p:cNvSpPr/>
+          <p:nvPr/>
+        </p:nvSpPr>
+        <p:spPr>
+          <a:xfrm>
+            <a:off x="5007895" y="5250227"/>
+            <a:ext cx="1700613" cy="675118"/>
+          </a:xfrm>
+          <a:prstGeom prst="rect">
+            <a:avLst/>
+          </a:prstGeom>
+        </p:spPr>
+        <p:style>
+          <a:lnRef idx="2">
+            <a:schemeClr val="accent3">
+              <a:shade val="50000"/>
+            </a:schemeClr>
+          </a:lnRef>
+          <a:fillRef idx="1">
+            <a:schemeClr val="accent3"/>
+          </a:fillRef>
+          <a:effectRef idx="0">
+            <a:schemeClr val="accent3"/>
+          </a:effectRef>
+          <a:fontRef idx="minor">
+            <a:schemeClr val="lt1"/>
+          </a:fontRef>
+        </p:style>
+        <p:txBody>
+          <a:bodyPr rtlCol="0" anchor="ctr"/>
+          <a:lstStyle/>
+          <a:p>
+            <a:pPr algn="ctr"/>
+            <a:r>
+              <a:rPr lang="de-DE" dirty="0" err="1"/>
+              <a:t>Composition</a:t>
+            </a:r>
+            <a:r>
+              <a:rPr lang="de-DE" dirty="0"/>
+              <a:t> Root</a:t>
+            </a:r>
+            <a:endParaRPr lang="en-DE" dirty="0"/>
+          </a:p>
+        </p:txBody>
+      </p:sp>
+      <p:sp>
+        <p:nvSpPr>
+          <p:cNvPr id="14" name="Rectangle 13">
+            <a:extLst>
+              <a:ext uri="{FF2B5EF4-FFF2-40B4-BE49-F238E27FC236}">
+                <a16:creationId xmlns:a16="http://schemas.microsoft.com/office/drawing/2014/main" id="{F3E4119E-2236-4BD8-AAD3-B5988C00F54F}"/>
+              </a:ext>
+            </a:extLst>
+          </p:cNvPr>
+          <p:cNvSpPr/>
+          <p:nvPr/>
+        </p:nvSpPr>
+        <p:spPr>
+          <a:xfrm>
+            <a:off x="2455993" y="3127090"/>
+            <a:ext cx="1446770" cy="1100873"/>
+          </a:xfrm>
+          <a:prstGeom prst="rect">
+            <a:avLst/>
+          </a:prstGeom>
+        </p:spPr>
+        <p:style>
+          <a:lnRef idx="2">
+            <a:schemeClr val="accent6">
+              <a:shade val="50000"/>
+            </a:schemeClr>
+          </a:lnRef>
+          <a:fillRef idx="1">
+            <a:schemeClr val="accent6"/>
+          </a:fillRef>
+          <a:effectRef idx="0">
+            <a:schemeClr val="accent6"/>
+          </a:effectRef>
+          <a:fontRef idx="minor">
+            <a:schemeClr val="lt1"/>
+          </a:fontRef>
+        </p:style>
+        <p:txBody>
+          <a:bodyPr rtlCol="0" anchor="ctr"/>
+          <a:lstStyle/>
+          <a:p>
+            <a:pPr algn="ctr"/>
+            <a:r>
+              <a:rPr lang="de-DE" dirty="0"/>
+              <a:t>Humble Objects</a:t>
+            </a:r>
+            <a:endParaRPr lang="en-DE" dirty="0"/>
+          </a:p>
+        </p:txBody>
+      </p:sp>
+      <p:sp>
+        <p:nvSpPr>
+          <p:cNvPr id="15" name="Arrow: Curved Right 14">
+            <a:extLst>
+              <a:ext uri="{FF2B5EF4-FFF2-40B4-BE49-F238E27FC236}">
+                <a16:creationId xmlns:a16="http://schemas.microsoft.com/office/drawing/2014/main" id="{DB79379F-2E96-45A5-BC49-39DCA5B3C318}"/>
+              </a:ext>
+            </a:extLst>
+          </p:cNvPr>
+          <p:cNvSpPr/>
+          <p:nvPr/>
+        </p:nvSpPr>
+        <p:spPr>
+          <a:xfrm rot="5400000">
+            <a:off x="4496859" y="1783108"/>
+            <a:ext cx="610914" cy="2494893"/>
+          </a:xfrm>
+          <a:prstGeom prst="curvedRightArrow">
+            <a:avLst/>
+          </a:prstGeom>
+        </p:spPr>
+        <p:style>
+          <a:lnRef idx="2">
+            <a:schemeClr val="accent1">
+              <a:shade val="50000"/>
+            </a:schemeClr>
+          </a:lnRef>
+          <a:fillRef idx="1">
+            <a:schemeClr val="accent1"/>
+          </a:fillRef>
+          <a:effectRef idx="0">
+            <a:schemeClr val="accent1"/>
+          </a:effectRef>
+          <a:fontRef idx="minor">
+            <a:schemeClr val="lt1"/>
+          </a:fontRef>
+        </p:style>
+        <p:txBody>
+          <a:bodyPr rtlCol="0" anchor="ctr"/>
+          <a:lstStyle/>
+          <a:p>
+            <a:pPr algn="ctr"/>
+            <a:endParaRPr lang="en-DE">
+              <a:solidFill>
+                <a:schemeClr val="tx1"/>
+              </a:solidFill>
+            </a:endParaRPr>
+          </a:p>
+        </p:txBody>
+      </p:sp>
+      <p:sp>
+        <p:nvSpPr>
+          <p:cNvPr id="16" name="Arrow: Curved Right 15">
+            <a:extLst>
+              <a:ext uri="{FF2B5EF4-FFF2-40B4-BE49-F238E27FC236}">
+                <a16:creationId xmlns:a16="http://schemas.microsoft.com/office/drawing/2014/main" id="{028B0947-657F-4C00-B5B0-2B25612DEB62}"/>
+              </a:ext>
+            </a:extLst>
+          </p:cNvPr>
+          <p:cNvSpPr/>
+          <p:nvPr/>
+        </p:nvSpPr>
+        <p:spPr>
+          <a:xfrm rot="16200000">
+            <a:off x="4623321" y="3173457"/>
+            <a:ext cx="610914" cy="2494893"/>
+          </a:xfrm>
+          <a:prstGeom prst="curvedRightArrow">
+            <a:avLst/>
+          </a:prstGeom>
+        </p:spPr>
+        <p:style>
+          <a:lnRef idx="2">
+            <a:schemeClr val="accent6">
+              <a:shade val="50000"/>
+            </a:schemeClr>
+          </a:lnRef>
+          <a:fillRef idx="1">
+            <a:schemeClr val="accent6"/>
+          </a:fillRef>
+          <a:effectRef idx="0">
+            <a:schemeClr val="accent6"/>
+          </a:effectRef>
+          <a:fontRef idx="minor">
+            <a:schemeClr val="lt1"/>
+          </a:fontRef>
+        </p:style>
+        <p:txBody>
+          <a:bodyPr rtlCol="0" anchor="ctr"/>
+          <a:lstStyle/>
+          <a:p>
+            <a:pPr algn="ctr"/>
+            <a:endParaRPr lang="en-DE">
+              <a:solidFill>
+                <a:schemeClr val="tx1"/>
+              </a:solidFill>
+            </a:endParaRPr>
+          </a:p>
+        </p:txBody>
+      </p:sp>
+      <p:sp>
+        <p:nvSpPr>
+          <p:cNvPr id="17" name="Isosceles Triangle 16">
+            <a:extLst>
+              <a:ext uri="{FF2B5EF4-FFF2-40B4-BE49-F238E27FC236}">
+                <a16:creationId xmlns:a16="http://schemas.microsoft.com/office/drawing/2014/main" id="{693DF0C8-ADE9-4591-BA15-74F3030BE983}"/>
+              </a:ext>
+            </a:extLst>
+          </p:cNvPr>
+          <p:cNvSpPr/>
+          <p:nvPr/>
+        </p:nvSpPr>
+        <p:spPr>
+          <a:xfrm>
+            <a:off x="8610600" y="3127090"/>
+            <a:ext cx="1360200" cy="1100873"/>
+          </a:xfrm>
+          <a:prstGeom prst="triangle">
+            <a:avLst>
+              <a:gd name="adj" fmla="val 50254"/>
+            </a:avLst>
+          </a:prstGeom>
+        </p:spPr>
+        <p:style>
+          <a:lnRef idx="2">
+            <a:schemeClr val="accent2">
+              <a:shade val="50000"/>
+            </a:schemeClr>
+          </a:lnRef>
+          <a:fillRef idx="1">
+            <a:schemeClr val="accent2"/>
+          </a:fillRef>
+          <a:effectRef idx="0">
+            <a:schemeClr val="accent2"/>
+          </a:effectRef>
+          <a:fontRef idx="minor">
+            <a:schemeClr val="lt1"/>
+          </a:fontRef>
+        </p:style>
+        <p:txBody>
+          <a:bodyPr rtlCol="0" anchor="ctr"/>
+          <a:lstStyle/>
+          <a:p>
+            <a:pPr algn="ctr"/>
+            <a:r>
+              <a:rPr lang="de-DE" dirty="0"/>
+              <a:t>Unit Tests</a:t>
+            </a:r>
+            <a:endParaRPr lang="en-DE" dirty="0"/>
+          </a:p>
+        </p:txBody>
+      </p:sp>
+      <p:sp>
+        <p:nvSpPr>
+          <p:cNvPr id="18" name="Arrow: Curved Right 17">
+            <a:extLst>
+              <a:ext uri="{FF2B5EF4-FFF2-40B4-BE49-F238E27FC236}">
+                <a16:creationId xmlns:a16="http://schemas.microsoft.com/office/drawing/2014/main" id="{7BAF4B60-CA9E-4F44-8547-E5A5205AA7B0}"/>
+              </a:ext>
+            </a:extLst>
+          </p:cNvPr>
+          <p:cNvSpPr/>
+          <p:nvPr/>
+        </p:nvSpPr>
+        <p:spPr>
+          <a:xfrm rot="5400000">
+            <a:off x="7621822" y="1587977"/>
+            <a:ext cx="610914" cy="2907270"/>
+          </a:xfrm>
+          <a:prstGeom prst="curvedRightArrow">
+            <a:avLst/>
+          </a:prstGeom>
+        </p:spPr>
+        <p:style>
+          <a:lnRef idx="2">
+            <a:schemeClr val="accent2">
+              <a:shade val="50000"/>
+            </a:schemeClr>
+          </a:lnRef>
+          <a:fillRef idx="1">
+            <a:schemeClr val="accent2"/>
+          </a:fillRef>
+          <a:effectRef idx="0">
+            <a:schemeClr val="accent2"/>
+          </a:effectRef>
+          <a:fontRef idx="minor">
+            <a:schemeClr val="lt1"/>
+          </a:fontRef>
+        </p:style>
+        <p:txBody>
+          <a:bodyPr rtlCol="0" anchor="ctr"/>
+          <a:lstStyle/>
+          <a:p>
+            <a:pPr algn="ctr"/>
+            <a:endParaRPr lang="en-DE">
+              <a:solidFill>
+                <a:schemeClr val="tx1"/>
+              </a:solidFill>
+            </a:endParaRPr>
+          </a:p>
+        </p:txBody>
+      </p:sp>
+      <p:cxnSp>
+        <p:nvCxnSpPr>
+          <p:cNvPr id="20" name="Straight Connector 19">
+            <a:extLst>
+              <a:ext uri="{FF2B5EF4-FFF2-40B4-BE49-F238E27FC236}">
+                <a16:creationId xmlns:a16="http://schemas.microsoft.com/office/drawing/2014/main" id="{67F00A2A-30E0-47D0-987D-7699C44D408F}"/>
+              </a:ext>
+            </a:extLst>
+          </p:cNvPr>
+          <p:cNvCxnSpPr/>
+          <p:nvPr/>
+        </p:nvCxnSpPr>
+        <p:spPr>
+          <a:xfrm>
+            <a:off x="4824603" y="2454831"/>
+            <a:ext cx="0" cy="472966"/>
+          </a:xfrm>
+          <a:prstGeom prst="line">
+            <a:avLst/>
+          </a:prstGeom>
+          <a:ln w="28575">
+            <a:prstDash val="sysDash"/>
+          </a:ln>
+        </p:spPr>
+        <p:style>
+          <a:lnRef idx="1">
+            <a:schemeClr val="accent1"/>
+          </a:lnRef>
+          <a:fillRef idx="0">
+            <a:schemeClr val="accent1"/>
+          </a:fillRef>
+          <a:effectRef idx="0">
+            <a:schemeClr val="accent1"/>
+          </a:effectRef>
+          <a:fontRef idx="minor">
+            <a:schemeClr val="tx1"/>
+          </a:fontRef>
+        </p:style>
+      </p:cxnSp>
+      <p:sp>
+        <p:nvSpPr>
+          <p:cNvPr id="21" name="Rectangle: Single Corner Snipped 20">
+            <a:extLst>
+              <a:ext uri="{FF2B5EF4-FFF2-40B4-BE49-F238E27FC236}">
+                <a16:creationId xmlns:a16="http://schemas.microsoft.com/office/drawing/2014/main" id="{CCABFC12-AFE9-48DE-8F70-BD9FC96258F3}"/>
+              </a:ext>
+            </a:extLst>
+          </p:cNvPr>
+          <p:cNvSpPr/>
+          <p:nvPr/>
+        </p:nvSpPr>
+        <p:spPr>
+          <a:xfrm>
+            <a:off x="4077712" y="2013910"/>
+            <a:ext cx="1493781" cy="366549"/>
+          </a:xfrm>
+          <a:prstGeom prst="snip1Rect">
+            <a:avLst/>
+          </a:prstGeom>
+        </p:spPr>
+        <p:style>
+          <a:lnRef idx="2">
+            <a:schemeClr val="accent1">
+              <a:shade val="50000"/>
+            </a:schemeClr>
+          </a:lnRef>
+          <a:fillRef idx="1">
+            <a:schemeClr val="accent1"/>
+          </a:fillRef>
+          <a:effectRef idx="0">
+            <a:schemeClr val="accent1"/>
+          </a:effectRef>
+          <a:fontRef idx="minor">
+            <a:schemeClr val="lt1"/>
+          </a:fontRef>
+        </p:style>
+        <p:txBody>
+          <a:bodyPr rtlCol="0" anchor="ctr"/>
+          <a:lstStyle/>
+          <a:p>
+            <a:pPr algn="ctr"/>
+            <a:r>
+              <a:rPr lang="en-US" dirty="0"/>
+              <a:t>Abstraction</a:t>
+            </a:r>
+          </a:p>
+        </p:txBody>
+      </p:sp>
+      <p:sp>
+        <p:nvSpPr>
+          <p:cNvPr id="19" name="Arrow: Curved Right 18">
+            <a:extLst>
+              <a:ext uri="{FF2B5EF4-FFF2-40B4-BE49-F238E27FC236}">
+                <a16:creationId xmlns:a16="http://schemas.microsoft.com/office/drawing/2014/main" id="{F2C0B9B5-D59B-4F55-A82B-BB0ADCA64B7C}"/>
+              </a:ext>
+            </a:extLst>
+          </p:cNvPr>
+          <p:cNvSpPr/>
+          <p:nvPr/>
+        </p:nvSpPr>
+        <p:spPr>
+          <a:xfrm rot="18852164" flipV="1">
+            <a:off x="3798787" y="3863802"/>
+            <a:ext cx="610914" cy="2414926"/>
+          </a:xfrm>
+          <a:prstGeom prst="curvedRightArrow">
+            <a:avLst/>
+          </a:prstGeom>
+          <a:solidFill>
+            <a:schemeClr val="accent3"/>
+          </a:solidFill>
+          <a:ln>
+            <a:solidFill>
+              <a:schemeClr val="accent3">
+                <a:lumMod val="50000"/>
+              </a:schemeClr>
+            </a:solidFill>
+          </a:ln>
+        </p:spPr>
+        <p:style>
+          <a:lnRef idx="2">
+            <a:schemeClr val="accent2">
+              <a:shade val="50000"/>
+            </a:schemeClr>
+          </a:lnRef>
+          <a:fillRef idx="1">
+            <a:schemeClr val="accent2"/>
+          </a:fillRef>
+          <a:effectRef idx="0">
+            <a:schemeClr val="accent2"/>
+          </a:effectRef>
+          <a:fontRef idx="minor">
+            <a:schemeClr val="lt1"/>
+          </a:fontRef>
+        </p:style>
+        <p:txBody>
+          <a:bodyPr rtlCol="0" anchor="ctr"/>
+          <a:lstStyle/>
+          <a:p>
+            <a:pPr algn="ctr"/>
+            <a:endParaRPr lang="en-DE">
+              <a:solidFill>
+                <a:schemeClr val="tx1"/>
+              </a:solidFill>
+            </a:endParaRPr>
+          </a:p>
+        </p:txBody>
+      </p:sp>
+      <p:sp>
+        <p:nvSpPr>
+          <p:cNvPr id="22" name="Arrow: Curved Right 21">
+            <a:extLst>
+              <a:ext uri="{FF2B5EF4-FFF2-40B4-BE49-F238E27FC236}">
+                <a16:creationId xmlns:a16="http://schemas.microsoft.com/office/drawing/2014/main" id="{F584417C-42E1-469C-A117-03C8F578736E}"/>
+              </a:ext>
+            </a:extLst>
+          </p:cNvPr>
+          <p:cNvSpPr/>
+          <p:nvPr/>
+        </p:nvSpPr>
+        <p:spPr>
+          <a:xfrm rot="476932" flipH="1" flipV="1">
+            <a:off x="6753907" y="3690199"/>
+            <a:ext cx="615465" cy="2005934"/>
+          </a:xfrm>
+          <a:prstGeom prst="curvedRightArrow">
+            <a:avLst/>
+          </a:prstGeom>
+          <a:solidFill>
+            <a:schemeClr val="accent3"/>
+          </a:solidFill>
+          <a:ln>
+            <a:solidFill>
+              <a:schemeClr val="accent3">
+                <a:lumMod val="50000"/>
+              </a:schemeClr>
+            </a:solidFill>
+          </a:ln>
+        </p:spPr>
+        <p:style>
+          <a:lnRef idx="2">
+            <a:schemeClr val="accent2">
+              <a:shade val="50000"/>
+            </a:schemeClr>
+          </a:lnRef>
+          <a:fillRef idx="1">
+            <a:schemeClr val="accent2"/>
+          </a:fillRef>
+          <a:effectRef idx="0">
+            <a:schemeClr val="accent2"/>
+          </a:effectRef>
+          <a:fontRef idx="minor">
+            <a:schemeClr val="lt1"/>
+          </a:fontRef>
+        </p:style>
+        <p:txBody>
+          <a:bodyPr rtlCol="0" anchor="ctr"/>
+          <a:lstStyle/>
+          <a:p>
+            <a:pPr algn="ctr"/>
+            <a:endParaRPr lang="en-DE">
+              <a:solidFill>
+                <a:schemeClr val="tx1"/>
+              </a:solidFill>
+            </a:endParaRPr>
+          </a:p>
+        </p:txBody>
+      </p:sp>
     </p:spTree>
     <p:extLst>
       <p:ext uri="{BB962C8B-B14F-4D97-AF65-F5344CB8AC3E}">
-        <p14:creationId xmlns:p14="http://schemas.microsoft.com/office/powerpoint/2010/main" val="2566801716"/>
+        <p14:creationId xmlns:p14="http://schemas.microsoft.com/office/powerpoint/2010/main" val="3783423526"/>
       </p:ext>
     </p:extLst>
   </p:cSld>
@@ -15527,7 +12413,7 @@
           <p:cNvPr id="2" name="Title 1">
             <a:extLst>
               <a:ext uri="{FF2B5EF4-FFF2-40B4-BE49-F238E27FC236}">
-                <a16:creationId xmlns:a16="http://schemas.microsoft.com/office/drawing/2014/main" id="{6255EB2C-A9E6-4491-864A-9053FF3008A8}"/>
+                <a16:creationId xmlns:a16="http://schemas.microsoft.com/office/drawing/2014/main" id="{7FB9EE16-2D24-4FD4-ADA0-3CCB995204D0}"/>
               </a:ext>
             </a:extLst>
           </p:cNvPr>
@@ -15545,7 +12431,7 @@
           <a:p>
             <a:r>
               <a:rPr lang="de-DE" dirty="0"/>
-              <a:t>Über die SOLID Prinzipien: SRP</a:t>
+              <a:t>Quellen</a:t>
             </a:r>
             <a:endParaRPr lang="en-DE" dirty="0"/>
           </a:p>
@@ -15556,7 +12442,7 @@
           <p:cNvPr id="3" name="Content Placeholder 2">
             <a:extLst>
               <a:ext uri="{FF2B5EF4-FFF2-40B4-BE49-F238E27FC236}">
-                <a16:creationId xmlns:a16="http://schemas.microsoft.com/office/drawing/2014/main" id="{7622C15C-E6F4-42E2-8E00-C7DA64B35FFF}"/>
+                <a16:creationId xmlns:a16="http://schemas.microsoft.com/office/drawing/2014/main" id="{A2745FB0-58DC-4EF6-9B93-99FBC58FD12B}"/>
               </a:ext>
             </a:extLst>
           </p:cNvPr>
@@ -15572,58 +12458,165 @@
           <a:bodyPr/>
           <a:lstStyle/>
           <a:p>
-            <a:pPr marL="0" indent="0">
-              <a:buNone/>
-            </a:pPr>
-            <a:r>
-              <a:rPr lang="en-US" b="1" dirty="0"/>
-              <a:t>Single Responsibility Principle:</a:t>
-            </a:r>
-          </a:p>
-          <a:p>
-            <a:pPr marL="0" indent="0">
-              <a:buNone/>
-            </a:pPr>
+            <a:r>
+              <a:rPr lang="de-DE" dirty="0"/>
+              <a:t>Matt Waren: </a:t>
+            </a:r>
+            <a:r>
+              <a:rPr lang="en-US" dirty="0">
+                <a:hlinkClick r:id="rId2"/>
+              </a:rPr>
+              <a:t>The 68 things the CLR does before executing a single line of your code (*)</a:t>
+            </a:r>
+            <a:endParaRPr lang="en-US" dirty="0"/>
+          </a:p>
+          <a:p>
             <a:r>
               <a:rPr lang="en-US" dirty="0"/>
-              <a:t>A class should only have one reason to change</a:t>
-            </a:r>
-          </a:p>
-          <a:p>
-            <a:pPr marL="0" indent="0">
-              <a:buNone/>
-            </a:pPr>
+              <a:t>Konrad </a:t>
+            </a:r>
+            <a:r>
+              <a:rPr lang="en-US" dirty="0" err="1"/>
+              <a:t>Kokosa</a:t>
+            </a:r>
+            <a:r>
+              <a:rPr lang="en-US" dirty="0"/>
+              <a:t>: </a:t>
+            </a:r>
+            <a:r>
+              <a:rPr lang="en-US" dirty="0">
+                <a:hlinkClick r:id="rId3"/>
+              </a:rPr>
+              <a:t>Pro .NET Memory Management</a:t>
+            </a:r>
             <a:endParaRPr lang="en-US" dirty="0"/>
           </a:p>
           <a:p>
-            <a:pPr marL="0" indent="0">
-              <a:buNone/>
-            </a:pPr>
-            <a:r>
-              <a:rPr lang="de-DE" dirty="0"/>
-              <a:t>Sollte besser </a:t>
-            </a:r>
             <a:r>
               <a:rPr lang="en-US" dirty="0"/>
-              <a:t>Single Problem Area Principle</a:t>
-            </a:r>
-            <a:r>
-              <a:rPr lang="de-DE" dirty="0"/>
-              <a:t> heißen.</a:t>
-            </a:r>
-          </a:p>
-          <a:p>
-            <a:pPr marL="0" indent="0">
-              <a:buNone/>
-            </a:pPr>
+              <a:t>Jeffrey Richter: </a:t>
+            </a:r>
+            <a:r>
+              <a:rPr lang="en-US" dirty="0">
+                <a:hlinkClick r:id="rId4"/>
+              </a:rPr>
+              <a:t>Advanced Threading in .NET</a:t>
+            </a:r>
             <a:endParaRPr lang="en-US" dirty="0"/>
           </a:p>
           <a:p>
-            <a:pPr marL="0" indent="0">
-              <a:buNone/>
-            </a:pPr>
+            <a:r>
+              <a:rPr lang="en-US" dirty="0"/>
+              <a:t>Daniel Palme: </a:t>
+            </a:r>
+            <a:r>
+              <a:rPr lang="en-US" dirty="0" err="1">
+                <a:hlinkClick r:id="rId5"/>
+              </a:rPr>
+              <a:t>IoC</a:t>
+            </a:r>
+            <a:r>
+              <a:rPr lang="en-US" dirty="0">
+                <a:hlinkClick r:id="rId5"/>
+              </a:rPr>
+              <a:t> Container Benchmark - Performance comparison</a:t>
+            </a:r>
             <a:endParaRPr lang="en-US" dirty="0"/>
           </a:p>
+          <a:p>
+            <a:r>
+              <a:rPr lang="en-US" dirty="0"/>
+              <a:t>Joseph </a:t>
+            </a:r>
+            <a:r>
+              <a:rPr lang="en-US" dirty="0" err="1"/>
+              <a:t>Albahari</a:t>
+            </a:r>
+            <a:r>
+              <a:rPr lang="en-US" dirty="0"/>
+              <a:t>: </a:t>
+            </a:r>
+            <a:r>
+              <a:rPr lang="en-US" dirty="0">
+                <a:hlinkClick r:id="rId6"/>
+              </a:rPr>
+              <a:t>Threading in C#</a:t>
+            </a:r>
+            <a:endParaRPr lang="en-US" dirty="0"/>
+          </a:p>
+          <a:p>
+            <a:r>
+              <a:rPr lang="en-US" dirty="0"/>
+              <a:t>John Skeet: </a:t>
+            </a:r>
+            <a:r>
+              <a:rPr lang="en-US" dirty="0">
+                <a:hlinkClick r:id="rId7"/>
+              </a:rPr>
+              <a:t>Asynchronous C# 5.0</a:t>
+            </a:r>
+            <a:endParaRPr lang="en-US" dirty="0"/>
+          </a:p>
+          <a:p>
+            <a:r>
+              <a:rPr lang="en-US" dirty="0"/>
+              <a:t>Robert C. Martin:  </a:t>
+            </a:r>
+            <a:r>
+              <a:rPr lang="en-US" dirty="0">
+                <a:hlinkClick r:id="rId8"/>
+              </a:rPr>
+              <a:t>Agile Principles, Patterns, and Practices in C#</a:t>
+            </a:r>
+            <a:endParaRPr lang="en-US" dirty="0"/>
+          </a:p>
+          <a:p>
+            <a:r>
+              <a:rPr lang="en-US" dirty="0"/>
+              <a:t>Andrey </a:t>
+            </a:r>
+            <a:r>
+              <a:rPr lang="en-US" dirty="0" err="1"/>
+              <a:t>Akinshin</a:t>
+            </a:r>
+            <a:r>
+              <a:rPr lang="en-US" dirty="0"/>
+              <a:t>: </a:t>
+            </a:r>
+            <a:r>
+              <a:rPr lang="en-US" dirty="0">
+                <a:hlinkClick r:id="rId9"/>
+              </a:rPr>
+              <a:t>Pro .NET Benchmarking – The Art of Performance Measurement</a:t>
+            </a:r>
+            <a:endParaRPr lang="en-US" dirty="0"/>
+          </a:p>
+          <a:p>
+            <a:r>
+              <a:rPr lang="en-US" dirty="0"/>
+              <a:t>Martin Fowler: </a:t>
+            </a:r>
+            <a:r>
+              <a:rPr lang="en-US" dirty="0">
+                <a:hlinkClick r:id="rId10"/>
+              </a:rPr>
+              <a:t>Patterns of Enterprise Application Architecture</a:t>
+            </a:r>
+            <a:endParaRPr lang="en-US" dirty="0"/>
+          </a:p>
+          <a:p>
+            <a:r>
+              <a:rPr lang="en-US" dirty="0"/>
+              <a:t>Mark Seemann: </a:t>
+            </a:r>
+            <a:r>
+              <a:rPr lang="en-US" dirty="0">
+                <a:hlinkClick r:id="rId11"/>
+              </a:rPr>
+              <a:t>Dependency Injection in .NET</a:t>
+            </a:r>
+            <a:endParaRPr lang="de-DE" dirty="0"/>
+          </a:p>
         </p:txBody>
       </p:sp>
       <p:sp>
@@ -15631,7 +12624,7 @@
           <p:cNvPr id="5" name="Footer Placeholder 4">
             <a:extLst>
               <a:ext uri="{FF2B5EF4-FFF2-40B4-BE49-F238E27FC236}">
-                <a16:creationId xmlns:a16="http://schemas.microsoft.com/office/drawing/2014/main" id="{B54451E8-11F3-443F-8CF7-32AD1B4F2292}"/>
+                <a16:creationId xmlns:a16="http://schemas.microsoft.com/office/drawing/2014/main" id="{2C6714D2-92FC-4F3C-A26C-AA23D440502C}"/>
               </a:ext>
             </a:extLst>
           </p:cNvPr>
@@ -15659,7 +12652,7 @@
           <p:cNvPr id="6" name="Slide Number Placeholder 5">
             <a:extLst>
               <a:ext uri="{FF2B5EF4-FFF2-40B4-BE49-F238E27FC236}">
-                <a16:creationId xmlns:a16="http://schemas.microsoft.com/office/drawing/2014/main" id="{76C5E683-0019-4974-AE15-78DF049C3489}"/>
+                <a16:creationId xmlns:a16="http://schemas.microsoft.com/office/drawing/2014/main" id="{D33FDC53-6822-4AA2-B2DA-8F881610CA18}"/>
               </a:ext>
             </a:extLst>
           </p:cNvPr>
@@ -15683,41 +12676,10 @@
           </a:p>
         </p:txBody>
       </p:sp>
-      <p:pic>
-        <p:nvPicPr>
-          <p:cNvPr id="8" name="Picture 7">
-            <a:hlinkClick r:id="rId2"/>
-            <a:extLst>
-              <a:ext uri="{FF2B5EF4-FFF2-40B4-BE49-F238E27FC236}">
-                <a16:creationId xmlns:a16="http://schemas.microsoft.com/office/drawing/2014/main" id="{FBDE2CC0-99FF-4CC7-B8F4-AAB46E368C96}"/>
-              </a:ext>
-            </a:extLst>
-          </p:cNvPr>
-          <p:cNvPicPr>
-            <a:picLocks noChangeAspect="1"/>
-          </p:cNvPicPr>
-          <p:nvPr/>
-        </p:nvPicPr>
-        <p:blipFill>
-          <a:blip r:embed="rId3"/>
-          <a:stretch>
-            <a:fillRect/>
-          </a:stretch>
-        </p:blipFill>
-        <p:spPr>
-          <a:xfrm>
-            <a:off x="838200" y="2642330"/>
-            <a:ext cx="3681009" cy="2061019"/>
-          </a:xfrm>
-          <a:prstGeom prst="rect">
-            <a:avLst/>
-          </a:prstGeom>
-        </p:spPr>
-      </p:pic>
     </p:spTree>
     <p:extLst>
       <p:ext uri="{BB962C8B-B14F-4D97-AF65-F5344CB8AC3E}">
-        <p14:creationId xmlns:p14="http://schemas.microsoft.com/office/powerpoint/2010/main" val="3443802612"/>
+        <p14:creationId xmlns:p14="http://schemas.microsoft.com/office/powerpoint/2010/main" val="3861238884"/>
       </p:ext>
     </p:extLst>
   </p:cSld>
@@ -15754,10 +12716,10 @@
       </p:grpSpPr>
       <p:sp>
         <p:nvSpPr>
-          <p:cNvPr id="2" name="Title 1">
-            <a:extLst>
-              <a:ext uri="{FF2B5EF4-FFF2-40B4-BE49-F238E27FC236}">
-                <a16:creationId xmlns:a16="http://schemas.microsoft.com/office/drawing/2014/main" id="{35979620-0F67-4A33-A124-44CA56B8BB0C}"/>
+          <p:cNvPr id="7" name="Title 6">
+            <a:extLst>
+              <a:ext uri="{FF2B5EF4-FFF2-40B4-BE49-F238E27FC236}">
+                <a16:creationId xmlns:a16="http://schemas.microsoft.com/office/drawing/2014/main" id="{6B7AEEC0-EE74-432A-92F7-0FBE90A52BCC}"/>
               </a:ext>
             </a:extLst>
           </p:cNvPr>
@@ -15775,7 +12737,7 @@
           <a:p>
             <a:r>
               <a:rPr lang="de-DE" dirty="0"/>
-              <a:t>Neues Programmierprinzip: LTI</a:t>
+              <a:t>Vielen Dank!</a:t>
             </a:r>
             <a:endParaRPr lang="en-DE" dirty="0"/>
           </a:p>
@@ -15783,10 +12745,10 @@
       </p:sp>
       <p:sp>
         <p:nvSpPr>
-          <p:cNvPr id="3" name="Content Placeholder 2">
-            <a:extLst>
-              <a:ext uri="{FF2B5EF4-FFF2-40B4-BE49-F238E27FC236}">
-                <a16:creationId xmlns:a16="http://schemas.microsoft.com/office/drawing/2014/main" id="{CBD270B2-57A8-43F7-A397-77DD21162E88}"/>
+          <p:cNvPr id="8" name="Text Placeholder 7">
+            <a:extLst>
+              <a:ext uri="{FF2B5EF4-FFF2-40B4-BE49-F238E27FC236}">
+                <a16:creationId xmlns:a16="http://schemas.microsoft.com/office/drawing/2014/main" id="{CF615A44-26DC-45BA-A630-252F59C41A67}"/>
               </a:ext>
             </a:extLst>
           </p:cNvPr>
@@ -15794,7 +12756,7 @@
             <a:spLocks noGrp="1"/>
           </p:cNvSpPr>
           <p:nvPr>
-            <p:ph idx="1"/>
+            <p:ph type="body" idx="1"/>
           </p:nvPr>
         </p:nvSpPr>
         <p:spPr/>
@@ -15802,47 +12764,10 @@
           <a:bodyPr/>
           <a:lstStyle/>
           <a:p>
-            <a:pPr marL="0" indent="0">
-              <a:buNone/>
-            </a:pPr>
-            <a:r>
-              <a:rPr lang="en-US" b="1" dirty="0"/>
-              <a:t>Learn-The-Internals Principle (LTI)</a:t>
-            </a:r>
-          </a:p>
-          <a:p>
-            <a:pPr marL="0" indent="0">
-              <a:buNone/>
-            </a:pPr>
-            <a:endParaRPr lang="de-DE" dirty="0"/>
-          </a:p>
-          <a:p>
-            <a:pPr marL="0" indent="0">
-              <a:buNone/>
-            </a:pPr>
             <a:r>
               <a:rPr lang="de-DE" dirty="0"/>
-              <a:t>Setze dich mit den internen Mechanismen der </a:t>
-            </a:r>
-            <a:r>
-              <a:rPr lang="de-DE" dirty="0" err="1"/>
-              <a:t>Runtimes</a:t>
-            </a:r>
-            <a:r>
-              <a:rPr lang="de-DE" dirty="0"/>
-              <a:t> und Frameworks / Bibliotheken, die du einsetzt, auseinander und verstehe, wie sie wiederkehrende Probleme lösen (zumindest auf der obersten Abstraktionsschicht). Mache ausfindig, welche Aufruf-Muster Probleme erzeugen können und stelle sicher, dass diese im aufrufenden Code vermieden werden.</a:t>
-            </a:r>
-          </a:p>
-          <a:p>
-            <a:pPr marL="0" indent="0">
-              <a:buNone/>
-            </a:pPr>
-            <a:endParaRPr lang="de-DE" dirty="0"/>
-          </a:p>
-          <a:p>
-            <a:pPr marL="0" indent="0">
-              <a:buNone/>
-            </a:pPr>
+              <a:t>Haben Sie Fragen?</a:t>
+            </a:r>
             <a:endParaRPr lang="en-DE" dirty="0"/>
           </a:p>
         </p:txBody>
@@ -15852,7 +12777,7 @@
           <p:cNvPr id="5" name="Footer Placeholder 4">
             <a:extLst>
               <a:ext uri="{FF2B5EF4-FFF2-40B4-BE49-F238E27FC236}">
-                <a16:creationId xmlns:a16="http://schemas.microsoft.com/office/drawing/2014/main" id="{57208ABE-2127-4F2D-87B5-88C0FFC1D5B6}"/>
+                <a16:creationId xmlns:a16="http://schemas.microsoft.com/office/drawing/2014/main" id="{F2D147BF-C84E-48BA-885D-108D7E4CB800}"/>
               </a:ext>
             </a:extLst>
           </p:cNvPr>
@@ -15880,7 +12805,7 @@
           <p:cNvPr id="6" name="Slide Number Placeholder 5">
             <a:extLst>
               <a:ext uri="{FF2B5EF4-FFF2-40B4-BE49-F238E27FC236}">
-                <a16:creationId xmlns:a16="http://schemas.microsoft.com/office/drawing/2014/main" id="{D1A3D4A4-D072-4CD3-8DE9-D9A673B16BB8}"/>
+                <a16:creationId xmlns:a16="http://schemas.microsoft.com/office/drawing/2014/main" id="{A47A0CC9-9D7D-409E-B48B-B3F1256B4CAF}"/>
               </a:ext>
             </a:extLst>
           </p:cNvPr>
@@ -15907,203 +12832,16 @@
     </p:spTree>
     <p:extLst>
       <p:ext uri="{BB962C8B-B14F-4D97-AF65-F5344CB8AC3E}">
-        <p14:creationId xmlns:p14="http://schemas.microsoft.com/office/powerpoint/2010/main" val="209681775"/>
+        <p14:creationId xmlns:p14="http://schemas.microsoft.com/office/powerpoint/2010/main" val="1262829508"/>
       </p:ext>
     </p:extLst>
   </p:cSld>
   <p:clrMapOvr>
     <a:masterClrMapping/>
   </p:clrMapOvr>
-  <mc:AlternateContent xmlns:mc="http://schemas.openxmlformats.org/markup-compatibility/2006" xmlns:p14="http://schemas.microsoft.com/office/powerpoint/2010/main">
-    <mc:Choice Requires="p14">
-      <p:transition p14:dur="0"/>
-    </mc:Choice>
-    <mc:Fallback xmlns="">
-      <p:transition/>
-    </mc:Fallback>
-  </mc:AlternateContent>
-</p:sld>
-</file>
-
-<file path=ppt/slides/slide29.xml><?xml version="1.0" encoding="utf-8"?>
-<p:sld xmlns:a="http://schemas.openxmlformats.org/drawingml/2006/main" xmlns:r="http://schemas.openxmlformats.org/officeDocument/2006/relationships" xmlns:p="http://schemas.openxmlformats.org/presentationml/2006/main">
-  <p:cSld>
-    <p:spTree>
-      <p:nvGrpSpPr>
-        <p:cNvPr id="1" name=""/>
-        <p:cNvGrpSpPr/>
-        <p:nvPr/>
-      </p:nvGrpSpPr>
-      <p:grpSpPr>
-        <a:xfrm>
-          <a:off x="0" y="0"/>
-          <a:ext cx="0" cy="0"/>
-          <a:chOff x="0" y="0"/>
-          <a:chExt cx="0" cy="0"/>
-        </a:xfrm>
-      </p:grpSpPr>
-      <p:sp>
-        <p:nvSpPr>
-          <p:cNvPr id="2" name="Title 1">
-            <a:extLst>
-              <a:ext uri="{FF2B5EF4-FFF2-40B4-BE49-F238E27FC236}">
-                <a16:creationId xmlns:a16="http://schemas.microsoft.com/office/drawing/2014/main" id="{816FD430-1F54-4316-AB9C-F4F43D79A909}"/>
-              </a:ext>
-            </a:extLst>
-          </p:cNvPr>
-          <p:cNvSpPr>
-            <a:spLocks noGrp="1"/>
-          </p:cNvSpPr>
-          <p:nvPr>
-            <p:ph type="title"/>
-          </p:nvPr>
-        </p:nvSpPr>
-        <p:spPr/>
-        <p:txBody>
-          <a:bodyPr/>
-          <a:lstStyle/>
-          <a:p>
-            <a:r>
-              <a:rPr lang="de-DE" dirty="0"/>
-              <a:t>Neues Programmierprinzip: RPB</a:t>
-            </a:r>
-            <a:endParaRPr lang="en-DE" dirty="0"/>
-          </a:p>
-        </p:txBody>
-      </p:sp>
-      <p:sp>
-        <p:nvSpPr>
-          <p:cNvPr id="3" name="Content Placeholder 2">
-            <a:extLst>
-              <a:ext uri="{FF2B5EF4-FFF2-40B4-BE49-F238E27FC236}">
-                <a16:creationId xmlns:a16="http://schemas.microsoft.com/office/drawing/2014/main" id="{4A287407-2F44-4990-95FB-BB0A61FF1403}"/>
-              </a:ext>
-            </a:extLst>
-          </p:cNvPr>
-          <p:cNvSpPr>
-            <a:spLocks noGrp="1"/>
-          </p:cNvSpPr>
-          <p:nvPr>
-            <p:ph idx="1"/>
-          </p:nvPr>
-        </p:nvSpPr>
-        <p:spPr/>
-        <p:txBody>
-          <a:bodyPr/>
-          <a:lstStyle/>
-          <a:p>
-            <a:pPr marL="0" indent="0">
-              <a:buNone/>
-            </a:pPr>
-            <a:r>
-              <a:rPr lang="en-US" b="1" dirty="0"/>
-              <a:t>Respect-the-Process-Boundary Principle (RBP)</a:t>
-            </a:r>
-          </a:p>
-          <a:p>
-            <a:pPr marL="0" indent="0">
-              <a:buNone/>
-            </a:pPr>
-            <a:endParaRPr lang="en-US" b="1" dirty="0"/>
-          </a:p>
-          <a:p>
-            <a:pPr marL="0" indent="0">
-              <a:buNone/>
-            </a:pPr>
-            <a:r>
-              <a:rPr lang="de-DE" dirty="0"/>
-              <a:t>Unterscheide zwischen In-Memory Operationen und I/O Operationen, da letztere deutlich höhere Ausführungszeiten haben. I/O Operationen sollten über asynchrone APIs umgesetzt werden, um blockierende Threads zu vermeiden.</a:t>
-            </a:r>
-          </a:p>
-          <a:p>
-            <a:pPr marL="0" indent="0">
-              <a:buNone/>
-            </a:pPr>
-            <a:endParaRPr lang="en-US" dirty="0"/>
-          </a:p>
-          <a:p>
-            <a:pPr marL="0" indent="0">
-              <a:buNone/>
-            </a:pPr>
-            <a:endParaRPr lang="en-US" dirty="0"/>
-          </a:p>
-        </p:txBody>
-      </p:sp>
-      <p:sp>
-        <p:nvSpPr>
-          <p:cNvPr id="5" name="Footer Placeholder 4">
-            <a:extLst>
-              <a:ext uri="{FF2B5EF4-FFF2-40B4-BE49-F238E27FC236}">
-                <a16:creationId xmlns:a16="http://schemas.microsoft.com/office/drawing/2014/main" id="{08E56C01-5271-4AD9-AB18-EF05A77C7F15}"/>
-              </a:ext>
-            </a:extLst>
-          </p:cNvPr>
-          <p:cNvSpPr>
-            <a:spLocks noGrp="1"/>
-          </p:cNvSpPr>
-          <p:nvPr>
-            <p:ph type="ftr" sz="quarter" idx="11"/>
-          </p:nvPr>
-        </p:nvSpPr>
-        <p:spPr/>
-        <p:txBody>
-          <a:bodyPr/>
-          <a:lstStyle/>
-          <a:p>
-            <a:r>
-              <a:rPr lang="de-DE"/>
-              <a:t>Design Principles vs. Performance - Kenny Pflug</a:t>
-            </a:r>
-          </a:p>
-        </p:txBody>
-      </p:sp>
-      <p:sp>
-        <p:nvSpPr>
-          <p:cNvPr id="6" name="Slide Number Placeholder 5">
-            <a:extLst>
-              <a:ext uri="{FF2B5EF4-FFF2-40B4-BE49-F238E27FC236}">
-                <a16:creationId xmlns:a16="http://schemas.microsoft.com/office/drawing/2014/main" id="{930F4048-DF2C-4205-BD35-DC9E3E7A2585}"/>
-              </a:ext>
-            </a:extLst>
-          </p:cNvPr>
-          <p:cNvSpPr>
-            <a:spLocks noGrp="1"/>
-          </p:cNvSpPr>
-          <p:nvPr>
-            <p:ph type="sldNum" sz="quarter" idx="12"/>
-          </p:nvPr>
-        </p:nvSpPr>
-        <p:spPr/>
-        <p:txBody>
-          <a:bodyPr/>
-          <a:lstStyle/>
-          <a:p>
-            <a:fld id="{5A14344A-9BDE-4E14-9F68-42155428760A}" type="slidenum">
-              <a:rPr lang="de-DE" smtClean="0"/>
-              <a:t>29</a:t>
-            </a:fld>
-            <a:endParaRPr lang="de-DE"/>
-          </a:p>
-        </p:txBody>
-      </p:sp>
-    </p:spTree>
-    <p:extLst>
-      <p:ext uri="{BB962C8B-B14F-4D97-AF65-F5344CB8AC3E}">
-        <p14:creationId xmlns:p14="http://schemas.microsoft.com/office/powerpoint/2010/main" val="3086070345"/>
-      </p:ext>
-    </p:extLst>
-  </p:cSld>
-  <p:clrMapOvr>
-    <a:masterClrMapping/>
-  </p:clrMapOvr>
-  <mc:AlternateContent xmlns:mc="http://schemas.openxmlformats.org/markup-compatibility/2006" xmlns:p14="http://schemas.microsoft.com/office/powerpoint/2010/main">
-    <mc:Choice Requires="p14">
-      <p:transition p14:dur="0"/>
-    </mc:Choice>
-    <mc:Fallback xmlns="">
-      <p:transition/>
-    </mc:Fallback>
-  </mc:AlternateContent>
+  <p:transition spd="med">
+    <p:cover/>
+  </p:transition>
 </p:sld>
 </file>
 
@@ -16698,1559 +13436,6 @@
 </p:sld>
 </file>
 
-<file path=ppt/slides/slide30.xml><?xml version="1.0" encoding="utf-8"?>
-<p:sld xmlns:a="http://schemas.openxmlformats.org/drawingml/2006/main" xmlns:r="http://schemas.openxmlformats.org/officeDocument/2006/relationships" xmlns:p="http://schemas.openxmlformats.org/presentationml/2006/main">
-  <p:cSld>
-    <p:spTree>
-      <p:nvGrpSpPr>
-        <p:cNvPr id="1" name=""/>
-        <p:cNvGrpSpPr/>
-        <p:nvPr/>
-      </p:nvGrpSpPr>
-      <p:grpSpPr>
-        <a:xfrm>
-          <a:off x="0" y="0"/>
-          <a:ext cx="0" cy="0"/>
-          <a:chOff x="0" y="0"/>
-          <a:chExt cx="0" cy="0"/>
-        </a:xfrm>
-      </p:grpSpPr>
-      <p:sp>
-        <p:nvSpPr>
-          <p:cNvPr id="2" name="Title 1">
-            <a:extLst>
-              <a:ext uri="{FF2B5EF4-FFF2-40B4-BE49-F238E27FC236}">
-                <a16:creationId xmlns:a16="http://schemas.microsoft.com/office/drawing/2014/main" id="{164022FF-C137-4447-A108-CB327EE5DD50}"/>
-              </a:ext>
-            </a:extLst>
-          </p:cNvPr>
-          <p:cNvSpPr>
-            <a:spLocks noGrp="1"/>
-          </p:cNvSpPr>
-          <p:nvPr>
-            <p:ph type="title"/>
-          </p:nvPr>
-        </p:nvSpPr>
-        <p:spPr/>
-        <p:txBody>
-          <a:bodyPr/>
-          <a:lstStyle/>
-          <a:p>
-            <a:r>
-              <a:rPr lang="de-DE" dirty="0"/>
-              <a:t>Eingabe – Verarbeitung – Ausgabe</a:t>
-            </a:r>
-            <a:endParaRPr lang="en-DE" dirty="0"/>
-          </a:p>
-        </p:txBody>
-      </p:sp>
-      <p:graphicFrame>
-        <p:nvGraphicFramePr>
-          <p:cNvPr id="7" name="Content Placeholder 6">
-            <a:extLst>
-              <a:ext uri="{FF2B5EF4-FFF2-40B4-BE49-F238E27FC236}">
-                <a16:creationId xmlns:a16="http://schemas.microsoft.com/office/drawing/2014/main" id="{721CAB46-38FD-49A0-A8DC-2CF9C7760623}"/>
-              </a:ext>
-            </a:extLst>
-          </p:cNvPr>
-          <p:cNvGraphicFramePr>
-            <a:graphicFrameLocks noGrp="1"/>
-          </p:cNvGraphicFramePr>
-          <p:nvPr>
-            <p:ph idx="1"/>
-            <p:extLst>
-              <p:ext uri="{D42A27DB-BD31-4B8C-83A1-F6EECF244321}">
-                <p14:modId xmlns:p14="http://schemas.microsoft.com/office/powerpoint/2010/main" val="3713231143"/>
-              </p:ext>
-            </p:extLst>
-          </p:nvPr>
-        </p:nvGraphicFramePr>
-        <p:xfrm>
-          <a:off x="838200" y="936625"/>
-          <a:ext cx="10515600" cy="5327650"/>
-        </p:xfrm>
-        <a:graphic>
-          <a:graphicData uri="http://schemas.openxmlformats.org/drawingml/2006/diagram">
-            <dgm:relIds xmlns:dgm="http://schemas.openxmlformats.org/drawingml/2006/diagram" xmlns:r="http://schemas.openxmlformats.org/officeDocument/2006/relationships" r:dm="rId2" r:lo="rId3" r:qs="rId4" r:cs="rId5"/>
-          </a:graphicData>
-        </a:graphic>
-      </p:graphicFrame>
-      <p:sp>
-        <p:nvSpPr>
-          <p:cNvPr id="5" name="Footer Placeholder 4">
-            <a:extLst>
-              <a:ext uri="{FF2B5EF4-FFF2-40B4-BE49-F238E27FC236}">
-                <a16:creationId xmlns:a16="http://schemas.microsoft.com/office/drawing/2014/main" id="{B049A923-EB58-4217-B4AF-BE27022AE3A8}"/>
-              </a:ext>
-            </a:extLst>
-          </p:cNvPr>
-          <p:cNvSpPr>
-            <a:spLocks noGrp="1"/>
-          </p:cNvSpPr>
-          <p:nvPr>
-            <p:ph type="ftr" sz="quarter" idx="11"/>
-          </p:nvPr>
-        </p:nvSpPr>
-        <p:spPr/>
-        <p:txBody>
-          <a:bodyPr/>
-          <a:lstStyle/>
-          <a:p>
-            <a:r>
-              <a:rPr lang="de-DE"/>
-              <a:t>Design Principles vs. Performance - Kenny Pflug</a:t>
-            </a:r>
-          </a:p>
-        </p:txBody>
-      </p:sp>
-      <p:sp>
-        <p:nvSpPr>
-          <p:cNvPr id="6" name="Slide Number Placeholder 5">
-            <a:extLst>
-              <a:ext uri="{FF2B5EF4-FFF2-40B4-BE49-F238E27FC236}">
-                <a16:creationId xmlns:a16="http://schemas.microsoft.com/office/drawing/2014/main" id="{16000F92-8F13-42FC-9087-609DB17BAFF6}"/>
-              </a:ext>
-            </a:extLst>
-          </p:cNvPr>
-          <p:cNvSpPr>
-            <a:spLocks noGrp="1"/>
-          </p:cNvSpPr>
-          <p:nvPr>
-            <p:ph type="sldNum" sz="quarter" idx="12"/>
-          </p:nvPr>
-        </p:nvSpPr>
-        <p:spPr/>
-        <p:txBody>
-          <a:bodyPr/>
-          <a:lstStyle/>
-          <a:p>
-            <a:fld id="{5A14344A-9BDE-4E14-9F68-42155428760A}" type="slidenum">
-              <a:rPr lang="de-DE" smtClean="0"/>
-              <a:t>30</a:t>
-            </a:fld>
-            <a:endParaRPr lang="de-DE"/>
-          </a:p>
-        </p:txBody>
-      </p:sp>
-      <p:sp>
-        <p:nvSpPr>
-          <p:cNvPr id="8" name="TextBox 7">
-            <a:extLst>
-              <a:ext uri="{FF2B5EF4-FFF2-40B4-BE49-F238E27FC236}">
-                <a16:creationId xmlns:a16="http://schemas.microsoft.com/office/drawing/2014/main" id="{0B8B6E63-EDB4-49AA-9C00-2C9C6788BD87}"/>
-              </a:ext>
-            </a:extLst>
-          </p:cNvPr>
-          <p:cNvSpPr txBox="1"/>
-          <p:nvPr/>
-        </p:nvSpPr>
-        <p:spPr>
-          <a:xfrm>
-            <a:off x="5511545" y="5502165"/>
-            <a:ext cx="1168910" cy="369332"/>
-          </a:xfrm>
-          <a:prstGeom prst="rect">
-            <a:avLst/>
-          </a:prstGeom>
-          <a:noFill/>
-        </p:spPr>
-        <p:txBody>
-          <a:bodyPr wrap="none" rtlCol="0">
-            <a:spAutoFit/>
-          </a:bodyPr>
-          <a:lstStyle/>
-          <a:p>
-            <a:r>
-              <a:rPr lang="de-DE" dirty="0" err="1"/>
-              <a:t>Async</a:t>
-            </a:r>
-            <a:r>
-              <a:rPr lang="de-DE" dirty="0"/>
-              <a:t> I/O</a:t>
-            </a:r>
-            <a:endParaRPr lang="en-DE" dirty="0"/>
-          </a:p>
-        </p:txBody>
-      </p:sp>
-      <p:cxnSp>
-        <p:nvCxnSpPr>
-          <p:cNvPr id="10" name="Straight Arrow Connector 9">
-            <a:extLst>
-              <a:ext uri="{FF2B5EF4-FFF2-40B4-BE49-F238E27FC236}">
-                <a16:creationId xmlns:a16="http://schemas.microsoft.com/office/drawing/2014/main" id="{6069CE7F-0D67-4C3F-A4EB-E228D748DB8E}"/>
-              </a:ext>
-            </a:extLst>
-          </p:cNvPr>
-          <p:cNvCxnSpPr>
-            <a:cxnSpLocks/>
-            <a:stCxn id="8" idx="1"/>
-          </p:cNvCxnSpPr>
-          <p:nvPr/>
-        </p:nvCxnSpPr>
-        <p:spPr>
-          <a:xfrm flipH="1" flipV="1">
-            <a:off x="2242645" y="4544410"/>
-            <a:ext cx="3268900" cy="1142421"/>
-          </a:xfrm>
-          <a:prstGeom prst="straightConnector1">
-            <a:avLst/>
-          </a:prstGeom>
-          <a:ln>
-            <a:headEnd type="none" w="med" len="med"/>
-            <a:tailEnd type="none" w="med" len="med"/>
-          </a:ln>
-        </p:spPr>
-        <p:style>
-          <a:lnRef idx="1">
-            <a:schemeClr val="accent1"/>
-          </a:lnRef>
-          <a:fillRef idx="0">
-            <a:schemeClr val="accent1"/>
-          </a:fillRef>
-          <a:effectRef idx="0">
-            <a:schemeClr val="accent1"/>
-          </a:effectRef>
-          <a:fontRef idx="minor">
-            <a:schemeClr val="tx1"/>
-          </a:fontRef>
-        </p:style>
-      </p:cxnSp>
-      <p:cxnSp>
-        <p:nvCxnSpPr>
-          <p:cNvPr id="12" name="Straight Arrow Connector 11">
-            <a:extLst>
-              <a:ext uri="{FF2B5EF4-FFF2-40B4-BE49-F238E27FC236}">
-                <a16:creationId xmlns:a16="http://schemas.microsoft.com/office/drawing/2014/main" id="{DFD3A617-542E-4F19-8A30-F10416FABDBD}"/>
-              </a:ext>
-            </a:extLst>
-          </p:cNvPr>
-          <p:cNvCxnSpPr>
-            <a:cxnSpLocks/>
-            <a:endCxn id="8" idx="3"/>
-          </p:cNvCxnSpPr>
-          <p:nvPr/>
-        </p:nvCxnSpPr>
-        <p:spPr>
-          <a:xfrm flipH="1">
-            <a:off x="6680455" y="4544410"/>
-            <a:ext cx="3377945" cy="1142421"/>
-          </a:xfrm>
-          <a:prstGeom prst="straightConnector1">
-            <a:avLst/>
-          </a:prstGeom>
-          <a:ln>
-            <a:headEnd type="none" w="med" len="med"/>
-            <a:tailEnd type="none" w="med" len="med"/>
-          </a:ln>
-        </p:spPr>
-        <p:style>
-          <a:lnRef idx="1">
-            <a:schemeClr val="accent1"/>
-          </a:lnRef>
-          <a:fillRef idx="0">
-            <a:schemeClr val="accent1"/>
-          </a:fillRef>
-          <a:effectRef idx="0">
-            <a:schemeClr val="accent1"/>
-          </a:effectRef>
-          <a:fontRef idx="minor">
-            <a:schemeClr val="tx1"/>
-          </a:fontRef>
-        </p:style>
-      </p:cxnSp>
-      <p:sp>
-        <p:nvSpPr>
-          <p:cNvPr id="15" name="TextBox 14">
-            <a:extLst>
-              <a:ext uri="{FF2B5EF4-FFF2-40B4-BE49-F238E27FC236}">
-                <a16:creationId xmlns:a16="http://schemas.microsoft.com/office/drawing/2014/main" id="{161D26EA-841B-4D86-8297-3597178695E0}"/>
-              </a:ext>
-            </a:extLst>
-          </p:cNvPr>
-          <p:cNvSpPr txBox="1"/>
-          <p:nvPr/>
-        </p:nvSpPr>
-        <p:spPr>
-          <a:xfrm>
-            <a:off x="4836873" y="2268921"/>
-            <a:ext cx="2518253" cy="369332"/>
-          </a:xfrm>
-          <a:prstGeom prst="rect">
-            <a:avLst/>
-          </a:prstGeom>
-          <a:noFill/>
-        </p:spPr>
-        <p:txBody>
-          <a:bodyPr wrap="none" rtlCol="0">
-            <a:spAutoFit/>
-          </a:bodyPr>
-          <a:lstStyle/>
-          <a:p>
-            <a:r>
-              <a:rPr lang="de-DE" dirty="0"/>
-              <a:t>In-Memory </a:t>
-            </a:r>
-            <a:r>
-              <a:rPr lang="de-DE" dirty="0" err="1"/>
-              <a:t>Operations</a:t>
-            </a:r>
-            <a:endParaRPr lang="en-DE" dirty="0"/>
-          </a:p>
-        </p:txBody>
-      </p:sp>
-    </p:spTree>
-    <p:extLst>
-      <p:ext uri="{BB962C8B-B14F-4D97-AF65-F5344CB8AC3E}">
-        <p14:creationId xmlns:p14="http://schemas.microsoft.com/office/powerpoint/2010/main" val="232286800"/>
-      </p:ext>
-    </p:extLst>
-  </p:cSld>
-  <p:clrMapOvr>
-    <a:masterClrMapping/>
-  </p:clrMapOvr>
-  <mc:AlternateContent xmlns:mc="http://schemas.openxmlformats.org/markup-compatibility/2006" xmlns:p14="http://schemas.microsoft.com/office/powerpoint/2010/main">
-    <mc:Choice Requires="p14">
-      <p:transition p14:dur="0"/>
-    </mc:Choice>
-    <mc:Fallback xmlns="">
-      <p:transition/>
-    </mc:Fallback>
-  </mc:AlternateContent>
-</p:sld>
-</file>
-
-<file path=ppt/slides/slide31.xml><?xml version="1.0" encoding="utf-8"?>
-<p:sld xmlns:a="http://schemas.openxmlformats.org/drawingml/2006/main" xmlns:r="http://schemas.openxmlformats.org/officeDocument/2006/relationships" xmlns:p="http://schemas.openxmlformats.org/presentationml/2006/main">
-  <p:cSld>
-    <p:spTree>
-      <p:nvGrpSpPr>
-        <p:cNvPr id="1" name=""/>
-        <p:cNvGrpSpPr/>
-        <p:nvPr/>
-      </p:nvGrpSpPr>
-      <p:grpSpPr>
-        <a:xfrm>
-          <a:off x="0" y="0"/>
-          <a:ext cx="0" cy="0"/>
-          <a:chOff x="0" y="0"/>
-          <a:chExt cx="0" cy="0"/>
-        </a:xfrm>
-      </p:grpSpPr>
-      <p:sp>
-        <p:nvSpPr>
-          <p:cNvPr id="2" name="Title 1">
-            <a:extLst>
-              <a:ext uri="{FF2B5EF4-FFF2-40B4-BE49-F238E27FC236}">
-                <a16:creationId xmlns:a16="http://schemas.microsoft.com/office/drawing/2014/main" id="{A8141555-C0E3-4352-85D3-9C82374DB945}"/>
-              </a:ext>
-            </a:extLst>
-          </p:cNvPr>
-          <p:cNvSpPr>
-            <a:spLocks noGrp="1"/>
-          </p:cNvSpPr>
-          <p:nvPr>
-            <p:ph type="title"/>
-          </p:nvPr>
-        </p:nvSpPr>
-        <p:spPr/>
-        <p:txBody>
-          <a:bodyPr/>
-          <a:lstStyle/>
-          <a:p>
-            <a:r>
-              <a:rPr lang="en-US" dirty="0"/>
-              <a:t>CHUC: Core – Humble Objects – Unit Tests – Composition Root</a:t>
-            </a:r>
-          </a:p>
-        </p:txBody>
-      </p:sp>
-      <p:sp>
-        <p:nvSpPr>
-          <p:cNvPr id="5" name="Footer Placeholder 4">
-            <a:extLst>
-              <a:ext uri="{FF2B5EF4-FFF2-40B4-BE49-F238E27FC236}">
-                <a16:creationId xmlns:a16="http://schemas.microsoft.com/office/drawing/2014/main" id="{98E54584-7053-4123-8FB2-3C1B0E48DD86}"/>
-              </a:ext>
-            </a:extLst>
-          </p:cNvPr>
-          <p:cNvSpPr>
-            <a:spLocks noGrp="1"/>
-          </p:cNvSpPr>
-          <p:nvPr>
-            <p:ph type="ftr" sz="quarter" idx="11"/>
-          </p:nvPr>
-        </p:nvSpPr>
-        <p:spPr/>
-        <p:txBody>
-          <a:bodyPr/>
-          <a:lstStyle/>
-          <a:p>
-            <a:r>
-              <a:rPr lang="de-DE"/>
-              <a:t>Design Principles vs. Performance - Kenny Pflug</a:t>
-            </a:r>
-          </a:p>
-        </p:txBody>
-      </p:sp>
-      <p:sp>
-        <p:nvSpPr>
-          <p:cNvPr id="6" name="Slide Number Placeholder 5">
-            <a:extLst>
-              <a:ext uri="{FF2B5EF4-FFF2-40B4-BE49-F238E27FC236}">
-                <a16:creationId xmlns:a16="http://schemas.microsoft.com/office/drawing/2014/main" id="{2CEFD4F9-4AB5-401D-970C-39A4787E79CA}"/>
-              </a:ext>
-            </a:extLst>
-          </p:cNvPr>
-          <p:cNvSpPr>
-            <a:spLocks noGrp="1"/>
-          </p:cNvSpPr>
-          <p:nvPr>
-            <p:ph type="sldNum" sz="quarter" idx="12"/>
-          </p:nvPr>
-        </p:nvSpPr>
-        <p:spPr/>
-        <p:txBody>
-          <a:bodyPr/>
-          <a:lstStyle/>
-          <a:p>
-            <a:fld id="{5A14344A-9BDE-4E14-9F68-42155428760A}" type="slidenum">
-              <a:rPr lang="de-DE" smtClean="0"/>
-              <a:t>31</a:t>
-            </a:fld>
-            <a:endParaRPr lang="de-DE"/>
-          </a:p>
-        </p:txBody>
-      </p:sp>
-      <p:sp>
-        <p:nvSpPr>
-          <p:cNvPr id="10" name="Rectangle 9">
-            <a:extLst>
-              <a:ext uri="{FF2B5EF4-FFF2-40B4-BE49-F238E27FC236}">
-                <a16:creationId xmlns:a16="http://schemas.microsoft.com/office/drawing/2014/main" id="{2FCB158F-FB21-4F12-94AD-14C7614A0154}"/>
-              </a:ext>
-            </a:extLst>
-          </p:cNvPr>
-          <p:cNvSpPr/>
-          <p:nvPr/>
-        </p:nvSpPr>
-        <p:spPr>
-          <a:xfrm>
-            <a:off x="4728339" y="3127090"/>
-            <a:ext cx="2259728" cy="1100873"/>
-          </a:xfrm>
-          <a:prstGeom prst="rect">
-            <a:avLst/>
-          </a:prstGeom>
-        </p:spPr>
-        <p:style>
-          <a:lnRef idx="2">
-            <a:schemeClr val="accent1">
-              <a:shade val="50000"/>
-            </a:schemeClr>
-          </a:lnRef>
-          <a:fillRef idx="1">
-            <a:schemeClr val="accent1"/>
-          </a:fillRef>
-          <a:effectRef idx="0">
-            <a:schemeClr val="accent1"/>
-          </a:effectRef>
-          <a:fontRef idx="minor">
-            <a:schemeClr val="lt1"/>
-          </a:fontRef>
-        </p:style>
-        <p:txBody>
-          <a:bodyPr rtlCol="0" anchor="ctr"/>
-          <a:lstStyle/>
-          <a:p>
-            <a:pPr algn="ctr"/>
-            <a:r>
-              <a:rPr lang="de-DE" dirty="0"/>
-              <a:t>Core</a:t>
-            </a:r>
-            <a:endParaRPr lang="en-DE" dirty="0"/>
-          </a:p>
-        </p:txBody>
-      </p:sp>
-      <p:sp>
-        <p:nvSpPr>
-          <p:cNvPr id="11" name="Oval 10">
-            <a:extLst>
-              <a:ext uri="{FF2B5EF4-FFF2-40B4-BE49-F238E27FC236}">
-                <a16:creationId xmlns:a16="http://schemas.microsoft.com/office/drawing/2014/main" id="{DA250D8A-0511-43AD-BA86-2A282C79FD07}"/>
-              </a:ext>
-            </a:extLst>
-          </p:cNvPr>
-          <p:cNvSpPr/>
-          <p:nvPr/>
-        </p:nvSpPr>
-        <p:spPr>
-          <a:xfrm>
-            <a:off x="3179379" y="998702"/>
-            <a:ext cx="5357648" cy="5357648"/>
-          </a:xfrm>
-          <a:prstGeom prst="ellipse">
-            <a:avLst/>
-          </a:prstGeom>
-          <a:noFill/>
-          <a:ln w="19050">
-            <a:solidFill>
-              <a:schemeClr val="accent6"/>
-            </a:solidFill>
-          </a:ln>
-        </p:spPr>
-        <p:style>
-          <a:lnRef idx="2">
-            <a:schemeClr val="accent1">
-              <a:shade val="50000"/>
-            </a:schemeClr>
-          </a:lnRef>
-          <a:fillRef idx="1">
-            <a:schemeClr val="accent1"/>
-          </a:fillRef>
-          <a:effectRef idx="0">
-            <a:schemeClr val="accent1"/>
-          </a:effectRef>
-          <a:fontRef idx="minor">
-            <a:schemeClr val="lt1"/>
-          </a:fontRef>
-        </p:style>
-        <p:txBody>
-          <a:bodyPr rtlCol="0" anchor="ctr"/>
-          <a:lstStyle/>
-          <a:p>
-            <a:pPr algn="ctr"/>
-            <a:endParaRPr lang="en-DE" dirty="0"/>
-          </a:p>
-        </p:txBody>
-      </p:sp>
-      <p:sp>
-        <p:nvSpPr>
-          <p:cNvPr id="12" name="TextBox 11">
-            <a:extLst>
-              <a:ext uri="{FF2B5EF4-FFF2-40B4-BE49-F238E27FC236}">
-                <a16:creationId xmlns:a16="http://schemas.microsoft.com/office/drawing/2014/main" id="{9BD4C132-9F5D-4D1A-A566-0F1BCB582841}"/>
-              </a:ext>
-            </a:extLst>
-          </p:cNvPr>
-          <p:cNvSpPr txBox="1"/>
-          <p:nvPr/>
-        </p:nvSpPr>
-        <p:spPr>
-          <a:xfrm>
-            <a:off x="7455657" y="1191071"/>
-            <a:ext cx="1994264" cy="369332"/>
-          </a:xfrm>
-          <a:prstGeom prst="rect">
-            <a:avLst/>
-          </a:prstGeom>
-          <a:noFill/>
-        </p:spPr>
-        <p:txBody>
-          <a:bodyPr wrap="none" rtlCol="0">
-            <a:spAutoFit/>
-          </a:bodyPr>
-          <a:lstStyle/>
-          <a:p>
-            <a:r>
-              <a:rPr lang="en-US" dirty="0">
-                <a:solidFill>
-                  <a:schemeClr val="accent6"/>
-                </a:solidFill>
-              </a:rPr>
-              <a:t>Process Boundary</a:t>
-            </a:r>
-          </a:p>
-        </p:txBody>
-      </p:sp>
-      <p:sp>
-        <p:nvSpPr>
-          <p:cNvPr id="13" name="Rectangle 12">
-            <a:extLst>
-              <a:ext uri="{FF2B5EF4-FFF2-40B4-BE49-F238E27FC236}">
-                <a16:creationId xmlns:a16="http://schemas.microsoft.com/office/drawing/2014/main" id="{A623AF40-4B79-4256-BD76-506772133444}"/>
-              </a:ext>
-            </a:extLst>
-          </p:cNvPr>
-          <p:cNvSpPr/>
-          <p:nvPr/>
-        </p:nvSpPr>
-        <p:spPr>
-          <a:xfrm>
-            <a:off x="5007895" y="5250227"/>
-            <a:ext cx="1700613" cy="675118"/>
-          </a:xfrm>
-          <a:prstGeom prst="rect">
-            <a:avLst/>
-          </a:prstGeom>
-        </p:spPr>
-        <p:style>
-          <a:lnRef idx="2">
-            <a:schemeClr val="accent3">
-              <a:shade val="50000"/>
-            </a:schemeClr>
-          </a:lnRef>
-          <a:fillRef idx="1">
-            <a:schemeClr val="accent3"/>
-          </a:fillRef>
-          <a:effectRef idx="0">
-            <a:schemeClr val="accent3"/>
-          </a:effectRef>
-          <a:fontRef idx="minor">
-            <a:schemeClr val="lt1"/>
-          </a:fontRef>
-        </p:style>
-        <p:txBody>
-          <a:bodyPr rtlCol="0" anchor="ctr"/>
-          <a:lstStyle/>
-          <a:p>
-            <a:pPr algn="ctr"/>
-            <a:r>
-              <a:rPr lang="de-DE" dirty="0" err="1"/>
-              <a:t>Composition</a:t>
-            </a:r>
-            <a:r>
-              <a:rPr lang="de-DE" dirty="0"/>
-              <a:t> Root</a:t>
-            </a:r>
-            <a:endParaRPr lang="en-DE" dirty="0"/>
-          </a:p>
-        </p:txBody>
-      </p:sp>
-      <p:sp>
-        <p:nvSpPr>
-          <p:cNvPr id="14" name="Rectangle 13">
-            <a:extLst>
-              <a:ext uri="{FF2B5EF4-FFF2-40B4-BE49-F238E27FC236}">
-                <a16:creationId xmlns:a16="http://schemas.microsoft.com/office/drawing/2014/main" id="{F3E4119E-2236-4BD8-AAD3-B5988C00F54F}"/>
-              </a:ext>
-            </a:extLst>
-          </p:cNvPr>
-          <p:cNvSpPr/>
-          <p:nvPr/>
-        </p:nvSpPr>
-        <p:spPr>
-          <a:xfrm>
-            <a:off x="2455993" y="3127090"/>
-            <a:ext cx="1446770" cy="1100873"/>
-          </a:xfrm>
-          <a:prstGeom prst="rect">
-            <a:avLst/>
-          </a:prstGeom>
-        </p:spPr>
-        <p:style>
-          <a:lnRef idx="2">
-            <a:schemeClr val="accent6">
-              <a:shade val="50000"/>
-            </a:schemeClr>
-          </a:lnRef>
-          <a:fillRef idx="1">
-            <a:schemeClr val="accent6"/>
-          </a:fillRef>
-          <a:effectRef idx="0">
-            <a:schemeClr val="accent6"/>
-          </a:effectRef>
-          <a:fontRef idx="minor">
-            <a:schemeClr val="lt1"/>
-          </a:fontRef>
-        </p:style>
-        <p:txBody>
-          <a:bodyPr rtlCol="0" anchor="ctr"/>
-          <a:lstStyle/>
-          <a:p>
-            <a:pPr algn="ctr"/>
-            <a:r>
-              <a:rPr lang="de-DE" dirty="0"/>
-              <a:t>Humble Objects</a:t>
-            </a:r>
-            <a:endParaRPr lang="en-DE" dirty="0"/>
-          </a:p>
-        </p:txBody>
-      </p:sp>
-      <p:sp>
-        <p:nvSpPr>
-          <p:cNvPr id="15" name="Arrow: Curved Right 14">
-            <a:extLst>
-              <a:ext uri="{FF2B5EF4-FFF2-40B4-BE49-F238E27FC236}">
-                <a16:creationId xmlns:a16="http://schemas.microsoft.com/office/drawing/2014/main" id="{DB79379F-2E96-45A5-BC49-39DCA5B3C318}"/>
-              </a:ext>
-            </a:extLst>
-          </p:cNvPr>
-          <p:cNvSpPr/>
-          <p:nvPr/>
-        </p:nvSpPr>
-        <p:spPr>
-          <a:xfrm rot="5400000">
-            <a:off x="4496859" y="1783108"/>
-            <a:ext cx="610914" cy="2494893"/>
-          </a:xfrm>
-          <a:prstGeom prst="curvedRightArrow">
-            <a:avLst/>
-          </a:prstGeom>
-        </p:spPr>
-        <p:style>
-          <a:lnRef idx="2">
-            <a:schemeClr val="accent1">
-              <a:shade val="50000"/>
-            </a:schemeClr>
-          </a:lnRef>
-          <a:fillRef idx="1">
-            <a:schemeClr val="accent1"/>
-          </a:fillRef>
-          <a:effectRef idx="0">
-            <a:schemeClr val="accent1"/>
-          </a:effectRef>
-          <a:fontRef idx="minor">
-            <a:schemeClr val="lt1"/>
-          </a:fontRef>
-        </p:style>
-        <p:txBody>
-          <a:bodyPr rtlCol="0" anchor="ctr"/>
-          <a:lstStyle/>
-          <a:p>
-            <a:pPr algn="ctr"/>
-            <a:endParaRPr lang="en-DE">
-              <a:solidFill>
-                <a:schemeClr val="tx1"/>
-              </a:solidFill>
-            </a:endParaRPr>
-          </a:p>
-        </p:txBody>
-      </p:sp>
-      <p:sp>
-        <p:nvSpPr>
-          <p:cNvPr id="16" name="Arrow: Curved Right 15">
-            <a:extLst>
-              <a:ext uri="{FF2B5EF4-FFF2-40B4-BE49-F238E27FC236}">
-                <a16:creationId xmlns:a16="http://schemas.microsoft.com/office/drawing/2014/main" id="{028B0947-657F-4C00-B5B0-2B25612DEB62}"/>
-              </a:ext>
-            </a:extLst>
-          </p:cNvPr>
-          <p:cNvSpPr/>
-          <p:nvPr/>
-        </p:nvSpPr>
-        <p:spPr>
-          <a:xfrm rot="16200000">
-            <a:off x="4623321" y="3173457"/>
-            <a:ext cx="610914" cy="2494893"/>
-          </a:xfrm>
-          <a:prstGeom prst="curvedRightArrow">
-            <a:avLst/>
-          </a:prstGeom>
-        </p:spPr>
-        <p:style>
-          <a:lnRef idx="2">
-            <a:schemeClr val="accent6">
-              <a:shade val="50000"/>
-            </a:schemeClr>
-          </a:lnRef>
-          <a:fillRef idx="1">
-            <a:schemeClr val="accent6"/>
-          </a:fillRef>
-          <a:effectRef idx="0">
-            <a:schemeClr val="accent6"/>
-          </a:effectRef>
-          <a:fontRef idx="minor">
-            <a:schemeClr val="lt1"/>
-          </a:fontRef>
-        </p:style>
-        <p:txBody>
-          <a:bodyPr rtlCol="0" anchor="ctr"/>
-          <a:lstStyle/>
-          <a:p>
-            <a:pPr algn="ctr"/>
-            <a:endParaRPr lang="en-DE">
-              <a:solidFill>
-                <a:schemeClr val="tx1"/>
-              </a:solidFill>
-            </a:endParaRPr>
-          </a:p>
-        </p:txBody>
-      </p:sp>
-      <p:sp>
-        <p:nvSpPr>
-          <p:cNvPr id="17" name="Isosceles Triangle 16">
-            <a:extLst>
-              <a:ext uri="{FF2B5EF4-FFF2-40B4-BE49-F238E27FC236}">
-                <a16:creationId xmlns:a16="http://schemas.microsoft.com/office/drawing/2014/main" id="{693DF0C8-ADE9-4591-BA15-74F3030BE983}"/>
-              </a:ext>
-            </a:extLst>
-          </p:cNvPr>
-          <p:cNvSpPr/>
-          <p:nvPr/>
-        </p:nvSpPr>
-        <p:spPr>
-          <a:xfrm>
-            <a:off x="8610600" y="3127090"/>
-            <a:ext cx="1360200" cy="1100873"/>
-          </a:xfrm>
-          <a:prstGeom prst="triangle">
-            <a:avLst>
-              <a:gd name="adj" fmla="val 50254"/>
-            </a:avLst>
-          </a:prstGeom>
-        </p:spPr>
-        <p:style>
-          <a:lnRef idx="2">
-            <a:schemeClr val="accent2">
-              <a:shade val="50000"/>
-            </a:schemeClr>
-          </a:lnRef>
-          <a:fillRef idx="1">
-            <a:schemeClr val="accent2"/>
-          </a:fillRef>
-          <a:effectRef idx="0">
-            <a:schemeClr val="accent2"/>
-          </a:effectRef>
-          <a:fontRef idx="minor">
-            <a:schemeClr val="lt1"/>
-          </a:fontRef>
-        </p:style>
-        <p:txBody>
-          <a:bodyPr rtlCol="0" anchor="ctr"/>
-          <a:lstStyle/>
-          <a:p>
-            <a:pPr algn="ctr"/>
-            <a:r>
-              <a:rPr lang="de-DE" dirty="0"/>
-              <a:t>Unit Tests</a:t>
-            </a:r>
-            <a:endParaRPr lang="en-DE" dirty="0"/>
-          </a:p>
-        </p:txBody>
-      </p:sp>
-      <p:sp>
-        <p:nvSpPr>
-          <p:cNvPr id="18" name="Arrow: Curved Right 17">
-            <a:extLst>
-              <a:ext uri="{FF2B5EF4-FFF2-40B4-BE49-F238E27FC236}">
-                <a16:creationId xmlns:a16="http://schemas.microsoft.com/office/drawing/2014/main" id="{7BAF4B60-CA9E-4F44-8547-E5A5205AA7B0}"/>
-              </a:ext>
-            </a:extLst>
-          </p:cNvPr>
-          <p:cNvSpPr/>
-          <p:nvPr/>
-        </p:nvSpPr>
-        <p:spPr>
-          <a:xfrm rot="5400000">
-            <a:off x="7621822" y="1587977"/>
-            <a:ext cx="610914" cy="2907270"/>
-          </a:xfrm>
-          <a:prstGeom prst="curvedRightArrow">
-            <a:avLst/>
-          </a:prstGeom>
-        </p:spPr>
-        <p:style>
-          <a:lnRef idx="2">
-            <a:schemeClr val="accent2">
-              <a:shade val="50000"/>
-            </a:schemeClr>
-          </a:lnRef>
-          <a:fillRef idx="1">
-            <a:schemeClr val="accent2"/>
-          </a:fillRef>
-          <a:effectRef idx="0">
-            <a:schemeClr val="accent2"/>
-          </a:effectRef>
-          <a:fontRef idx="minor">
-            <a:schemeClr val="lt1"/>
-          </a:fontRef>
-        </p:style>
-        <p:txBody>
-          <a:bodyPr rtlCol="0" anchor="ctr"/>
-          <a:lstStyle/>
-          <a:p>
-            <a:pPr algn="ctr"/>
-            <a:endParaRPr lang="en-DE">
-              <a:solidFill>
-                <a:schemeClr val="tx1"/>
-              </a:solidFill>
-            </a:endParaRPr>
-          </a:p>
-        </p:txBody>
-      </p:sp>
-      <p:cxnSp>
-        <p:nvCxnSpPr>
-          <p:cNvPr id="20" name="Straight Connector 19">
-            <a:extLst>
-              <a:ext uri="{FF2B5EF4-FFF2-40B4-BE49-F238E27FC236}">
-                <a16:creationId xmlns:a16="http://schemas.microsoft.com/office/drawing/2014/main" id="{67F00A2A-30E0-47D0-987D-7699C44D408F}"/>
-              </a:ext>
-            </a:extLst>
-          </p:cNvPr>
-          <p:cNvCxnSpPr/>
-          <p:nvPr/>
-        </p:nvCxnSpPr>
-        <p:spPr>
-          <a:xfrm>
-            <a:off x="4824603" y="2454831"/>
-            <a:ext cx="0" cy="472966"/>
-          </a:xfrm>
-          <a:prstGeom prst="line">
-            <a:avLst/>
-          </a:prstGeom>
-          <a:ln w="28575">
-            <a:prstDash val="sysDash"/>
-          </a:ln>
-        </p:spPr>
-        <p:style>
-          <a:lnRef idx="1">
-            <a:schemeClr val="accent1"/>
-          </a:lnRef>
-          <a:fillRef idx="0">
-            <a:schemeClr val="accent1"/>
-          </a:fillRef>
-          <a:effectRef idx="0">
-            <a:schemeClr val="accent1"/>
-          </a:effectRef>
-          <a:fontRef idx="minor">
-            <a:schemeClr val="tx1"/>
-          </a:fontRef>
-        </p:style>
-      </p:cxnSp>
-      <p:sp>
-        <p:nvSpPr>
-          <p:cNvPr id="21" name="Rectangle: Single Corner Snipped 20">
-            <a:extLst>
-              <a:ext uri="{FF2B5EF4-FFF2-40B4-BE49-F238E27FC236}">
-                <a16:creationId xmlns:a16="http://schemas.microsoft.com/office/drawing/2014/main" id="{CCABFC12-AFE9-48DE-8F70-BD9FC96258F3}"/>
-              </a:ext>
-            </a:extLst>
-          </p:cNvPr>
-          <p:cNvSpPr/>
-          <p:nvPr/>
-        </p:nvSpPr>
-        <p:spPr>
-          <a:xfrm>
-            <a:off x="4077712" y="2013910"/>
-            <a:ext cx="1493781" cy="366549"/>
-          </a:xfrm>
-          <a:prstGeom prst="snip1Rect">
-            <a:avLst/>
-          </a:prstGeom>
-        </p:spPr>
-        <p:style>
-          <a:lnRef idx="2">
-            <a:schemeClr val="accent1">
-              <a:shade val="50000"/>
-            </a:schemeClr>
-          </a:lnRef>
-          <a:fillRef idx="1">
-            <a:schemeClr val="accent1"/>
-          </a:fillRef>
-          <a:effectRef idx="0">
-            <a:schemeClr val="accent1"/>
-          </a:effectRef>
-          <a:fontRef idx="minor">
-            <a:schemeClr val="lt1"/>
-          </a:fontRef>
-        </p:style>
-        <p:txBody>
-          <a:bodyPr rtlCol="0" anchor="ctr"/>
-          <a:lstStyle/>
-          <a:p>
-            <a:pPr algn="ctr"/>
-            <a:r>
-              <a:rPr lang="en-US" dirty="0"/>
-              <a:t>Abstraction</a:t>
-            </a:r>
-          </a:p>
-        </p:txBody>
-      </p:sp>
-      <p:sp>
-        <p:nvSpPr>
-          <p:cNvPr id="19" name="Arrow: Curved Right 18">
-            <a:extLst>
-              <a:ext uri="{FF2B5EF4-FFF2-40B4-BE49-F238E27FC236}">
-                <a16:creationId xmlns:a16="http://schemas.microsoft.com/office/drawing/2014/main" id="{F2C0B9B5-D59B-4F55-A82B-BB0ADCA64B7C}"/>
-              </a:ext>
-            </a:extLst>
-          </p:cNvPr>
-          <p:cNvSpPr/>
-          <p:nvPr/>
-        </p:nvSpPr>
-        <p:spPr>
-          <a:xfrm rot="18852164" flipV="1">
-            <a:off x="3798787" y="3863802"/>
-            <a:ext cx="610914" cy="2414926"/>
-          </a:xfrm>
-          <a:prstGeom prst="curvedRightArrow">
-            <a:avLst/>
-          </a:prstGeom>
-          <a:solidFill>
-            <a:schemeClr val="accent3"/>
-          </a:solidFill>
-          <a:ln>
-            <a:solidFill>
-              <a:schemeClr val="accent3">
-                <a:lumMod val="50000"/>
-              </a:schemeClr>
-            </a:solidFill>
-          </a:ln>
-        </p:spPr>
-        <p:style>
-          <a:lnRef idx="2">
-            <a:schemeClr val="accent2">
-              <a:shade val="50000"/>
-            </a:schemeClr>
-          </a:lnRef>
-          <a:fillRef idx="1">
-            <a:schemeClr val="accent2"/>
-          </a:fillRef>
-          <a:effectRef idx="0">
-            <a:schemeClr val="accent2"/>
-          </a:effectRef>
-          <a:fontRef idx="minor">
-            <a:schemeClr val="lt1"/>
-          </a:fontRef>
-        </p:style>
-        <p:txBody>
-          <a:bodyPr rtlCol="0" anchor="ctr"/>
-          <a:lstStyle/>
-          <a:p>
-            <a:pPr algn="ctr"/>
-            <a:endParaRPr lang="en-DE">
-              <a:solidFill>
-                <a:schemeClr val="tx1"/>
-              </a:solidFill>
-            </a:endParaRPr>
-          </a:p>
-        </p:txBody>
-      </p:sp>
-      <p:sp>
-        <p:nvSpPr>
-          <p:cNvPr id="22" name="Arrow: Curved Right 21">
-            <a:extLst>
-              <a:ext uri="{FF2B5EF4-FFF2-40B4-BE49-F238E27FC236}">
-                <a16:creationId xmlns:a16="http://schemas.microsoft.com/office/drawing/2014/main" id="{F584417C-42E1-469C-A117-03C8F578736E}"/>
-              </a:ext>
-            </a:extLst>
-          </p:cNvPr>
-          <p:cNvSpPr/>
-          <p:nvPr/>
-        </p:nvSpPr>
-        <p:spPr>
-          <a:xfrm rot="476932" flipH="1" flipV="1">
-            <a:off x="6753907" y="3690199"/>
-            <a:ext cx="615465" cy="2005934"/>
-          </a:xfrm>
-          <a:prstGeom prst="curvedRightArrow">
-            <a:avLst/>
-          </a:prstGeom>
-          <a:solidFill>
-            <a:schemeClr val="accent3"/>
-          </a:solidFill>
-          <a:ln>
-            <a:solidFill>
-              <a:schemeClr val="accent3">
-                <a:lumMod val="50000"/>
-              </a:schemeClr>
-            </a:solidFill>
-          </a:ln>
-        </p:spPr>
-        <p:style>
-          <a:lnRef idx="2">
-            <a:schemeClr val="accent2">
-              <a:shade val="50000"/>
-            </a:schemeClr>
-          </a:lnRef>
-          <a:fillRef idx="1">
-            <a:schemeClr val="accent2"/>
-          </a:fillRef>
-          <a:effectRef idx="0">
-            <a:schemeClr val="accent2"/>
-          </a:effectRef>
-          <a:fontRef idx="minor">
-            <a:schemeClr val="lt1"/>
-          </a:fontRef>
-        </p:style>
-        <p:txBody>
-          <a:bodyPr rtlCol="0" anchor="ctr"/>
-          <a:lstStyle/>
-          <a:p>
-            <a:pPr algn="ctr"/>
-            <a:endParaRPr lang="en-DE">
-              <a:solidFill>
-                <a:schemeClr val="tx1"/>
-              </a:solidFill>
-            </a:endParaRPr>
-          </a:p>
-        </p:txBody>
-      </p:sp>
-    </p:spTree>
-    <p:extLst>
-      <p:ext uri="{BB962C8B-B14F-4D97-AF65-F5344CB8AC3E}">
-        <p14:creationId xmlns:p14="http://schemas.microsoft.com/office/powerpoint/2010/main" val="3783423526"/>
-      </p:ext>
-    </p:extLst>
-  </p:cSld>
-  <p:clrMapOvr>
-    <a:masterClrMapping/>
-  </p:clrMapOvr>
-  <mc:AlternateContent xmlns:mc="http://schemas.openxmlformats.org/markup-compatibility/2006" xmlns:p14="http://schemas.microsoft.com/office/powerpoint/2010/main">
-    <mc:Choice Requires="p14">
-      <p:transition p14:dur="0"/>
-    </mc:Choice>
-    <mc:Fallback xmlns="">
-      <p:transition/>
-    </mc:Fallback>
-  </mc:AlternateContent>
-</p:sld>
-</file>
-
-<file path=ppt/slides/slide32.xml><?xml version="1.0" encoding="utf-8"?>
-<p:sld xmlns:a="http://schemas.openxmlformats.org/drawingml/2006/main" xmlns:r="http://schemas.openxmlformats.org/officeDocument/2006/relationships" xmlns:p="http://schemas.openxmlformats.org/presentationml/2006/main">
-  <p:cSld>
-    <p:spTree>
-      <p:nvGrpSpPr>
-        <p:cNvPr id="1" name=""/>
-        <p:cNvGrpSpPr/>
-        <p:nvPr/>
-      </p:nvGrpSpPr>
-      <p:grpSpPr>
-        <a:xfrm>
-          <a:off x="0" y="0"/>
-          <a:ext cx="0" cy="0"/>
-          <a:chOff x="0" y="0"/>
-          <a:chExt cx="0" cy="0"/>
-        </a:xfrm>
-      </p:grpSpPr>
-      <p:sp>
-        <p:nvSpPr>
-          <p:cNvPr id="2" name="Title 1">
-            <a:extLst>
-              <a:ext uri="{FF2B5EF4-FFF2-40B4-BE49-F238E27FC236}">
-                <a16:creationId xmlns:a16="http://schemas.microsoft.com/office/drawing/2014/main" id="{7FB9EE16-2D24-4FD4-ADA0-3CCB995204D0}"/>
-              </a:ext>
-            </a:extLst>
-          </p:cNvPr>
-          <p:cNvSpPr>
-            <a:spLocks noGrp="1"/>
-          </p:cNvSpPr>
-          <p:nvPr>
-            <p:ph type="title"/>
-          </p:nvPr>
-        </p:nvSpPr>
-        <p:spPr/>
-        <p:txBody>
-          <a:bodyPr/>
-          <a:lstStyle/>
-          <a:p>
-            <a:r>
-              <a:rPr lang="de-DE" dirty="0"/>
-              <a:t>Quellen</a:t>
-            </a:r>
-            <a:endParaRPr lang="en-DE" dirty="0"/>
-          </a:p>
-        </p:txBody>
-      </p:sp>
-      <p:sp>
-        <p:nvSpPr>
-          <p:cNvPr id="3" name="Content Placeholder 2">
-            <a:extLst>
-              <a:ext uri="{FF2B5EF4-FFF2-40B4-BE49-F238E27FC236}">
-                <a16:creationId xmlns:a16="http://schemas.microsoft.com/office/drawing/2014/main" id="{A2745FB0-58DC-4EF6-9B93-99FBC58FD12B}"/>
-              </a:ext>
-            </a:extLst>
-          </p:cNvPr>
-          <p:cNvSpPr>
-            <a:spLocks noGrp="1"/>
-          </p:cNvSpPr>
-          <p:nvPr>
-            <p:ph idx="1"/>
-          </p:nvPr>
-        </p:nvSpPr>
-        <p:spPr/>
-        <p:txBody>
-          <a:bodyPr/>
-          <a:lstStyle/>
-          <a:p>
-            <a:r>
-              <a:rPr lang="de-DE" dirty="0"/>
-              <a:t>Matt Waren: </a:t>
-            </a:r>
-            <a:r>
-              <a:rPr lang="en-US" dirty="0">
-                <a:hlinkClick r:id="rId2"/>
-              </a:rPr>
-              <a:t>The 68 things the CLR does before executing a single line of your code (*)</a:t>
-            </a:r>
-            <a:endParaRPr lang="en-US" dirty="0"/>
-          </a:p>
-          <a:p>
-            <a:r>
-              <a:rPr lang="en-US" dirty="0"/>
-              <a:t>Konrad </a:t>
-            </a:r>
-            <a:r>
-              <a:rPr lang="en-US" dirty="0" err="1"/>
-              <a:t>Kokosa</a:t>
-            </a:r>
-            <a:r>
-              <a:rPr lang="en-US" dirty="0"/>
-              <a:t>: </a:t>
-            </a:r>
-            <a:r>
-              <a:rPr lang="en-US" dirty="0">
-                <a:hlinkClick r:id="rId3"/>
-              </a:rPr>
-              <a:t>Pro .NET Memory Management</a:t>
-            </a:r>
-            <a:endParaRPr lang="en-US" dirty="0"/>
-          </a:p>
-          <a:p>
-            <a:r>
-              <a:rPr lang="en-US" dirty="0"/>
-              <a:t>Jeffrey Richter: </a:t>
-            </a:r>
-            <a:r>
-              <a:rPr lang="en-US" dirty="0">
-                <a:hlinkClick r:id="rId4"/>
-              </a:rPr>
-              <a:t>Advanced Threading in .NET</a:t>
-            </a:r>
-            <a:endParaRPr lang="en-US" dirty="0"/>
-          </a:p>
-          <a:p>
-            <a:r>
-              <a:rPr lang="en-US" dirty="0"/>
-              <a:t>Daniel Palme: </a:t>
-            </a:r>
-            <a:r>
-              <a:rPr lang="en-US" dirty="0" err="1">
-                <a:hlinkClick r:id="rId5"/>
-              </a:rPr>
-              <a:t>IoC</a:t>
-            </a:r>
-            <a:r>
-              <a:rPr lang="en-US" dirty="0">
-                <a:hlinkClick r:id="rId5"/>
-              </a:rPr>
-              <a:t> Container Benchmark - Performance comparison</a:t>
-            </a:r>
-            <a:endParaRPr lang="en-US" dirty="0"/>
-          </a:p>
-          <a:p>
-            <a:r>
-              <a:rPr lang="en-US" dirty="0"/>
-              <a:t>Joseph </a:t>
-            </a:r>
-            <a:r>
-              <a:rPr lang="en-US" dirty="0" err="1"/>
-              <a:t>Albahari</a:t>
-            </a:r>
-            <a:r>
-              <a:rPr lang="en-US" dirty="0"/>
-              <a:t>: </a:t>
-            </a:r>
-            <a:r>
-              <a:rPr lang="en-US" dirty="0">
-                <a:hlinkClick r:id="rId6"/>
-              </a:rPr>
-              <a:t>Threading in C#</a:t>
-            </a:r>
-            <a:endParaRPr lang="en-US" dirty="0"/>
-          </a:p>
-          <a:p>
-            <a:r>
-              <a:rPr lang="en-US" dirty="0"/>
-              <a:t>John Skeet: </a:t>
-            </a:r>
-            <a:r>
-              <a:rPr lang="en-US" dirty="0">
-                <a:hlinkClick r:id="rId7"/>
-              </a:rPr>
-              <a:t>Asynchronous C# 5.0</a:t>
-            </a:r>
-            <a:endParaRPr lang="en-US" dirty="0"/>
-          </a:p>
-          <a:p>
-            <a:r>
-              <a:rPr lang="en-US" dirty="0"/>
-              <a:t>Robert C. Martin:  </a:t>
-            </a:r>
-            <a:r>
-              <a:rPr lang="en-US" dirty="0">
-                <a:hlinkClick r:id="rId8"/>
-              </a:rPr>
-              <a:t>Agile Principles, Patterns, and Practices in C#</a:t>
-            </a:r>
-            <a:endParaRPr lang="en-US" dirty="0"/>
-          </a:p>
-          <a:p>
-            <a:r>
-              <a:rPr lang="en-US" dirty="0"/>
-              <a:t>Andrey </a:t>
-            </a:r>
-            <a:r>
-              <a:rPr lang="en-US" dirty="0" err="1"/>
-              <a:t>Akinshin</a:t>
-            </a:r>
-            <a:r>
-              <a:rPr lang="en-US" dirty="0"/>
-              <a:t>: </a:t>
-            </a:r>
-            <a:r>
-              <a:rPr lang="en-US" dirty="0">
-                <a:hlinkClick r:id="rId9"/>
-              </a:rPr>
-              <a:t>Pro .NET Benchmarking – The Art of Performance Measurement</a:t>
-            </a:r>
-            <a:endParaRPr lang="en-US" dirty="0"/>
-          </a:p>
-          <a:p>
-            <a:r>
-              <a:rPr lang="en-US" dirty="0"/>
-              <a:t>Martin Fowler: </a:t>
-            </a:r>
-            <a:r>
-              <a:rPr lang="en-US" dirty="0">
-                <a:hlinkClick r:id="rId10"/>
-              </a:rPr>
-              <a:t>Patterns of Enterprise Application Architecture</a:t>
-            </a:r>
-            <a:endParaRPr lang="en-US" dirty="0"/>
-          </a:p>
-          <a:p>
-            <a:r>
-              <a:rPr lang="en-US" dirty="0"/>
-              <a:t>Mark Seemann: </a:t>
-            </a:r>
-            <a:r>
-              <a:rPr lang="en-US" dirty="0">
-                <a:hlinkClick r:id="rId11"/>
-              </a:rPr>
-              <a:t>Dependency Injection in .NET</a:t>
-            </a:r>
-            <a:endParaRPr lang="de-DE" dirty="0"/>
-          </a:p>
-        </p:txBody>
-      </p:sp>
-      <p:sp>
-        <p:nvSpPr>
-          <p:cNvPr id="5" name="Footer Placeholder 4">
-            <a:extLst>
-              <a:ext uri="{FF2B5EF4-FFF2-40B4-BE49-F238E27FC236}">
-                <a16:creationId xmlns:a16="http://schemas.microsoft.com/office/drawing/2014/main" id="{2C6714D2-92FC-4F3C-A26C-AA23D440502C}"/>
-              </a:ext>
-            </a:extLst>
-          </p:cNvPr>
-          <p:cNvSpPr>
-            <a:spLocks noGrp="1"/>
-          </p:cNvSpPr>
-          <p:nvPr>
-            <p:ph type="ftr" sz="quarter" idx="11"/>
-          </p:nvPr>
-        </p:nvSpPr>
-        <p:spPr/>
-        <p:txBody>
-          <a:bodyPr/>
-          <a:lstStyle/>
-          <a:p>
-            <a:r>
-              <a:rPr lang="de-DE"/>
-              <a:t>Design Principles vs. Performance - Kenny Pflug</a:t>
-            </a:r>
-          </a:p>
-        </p:txBody>
-      </p:sp>
-      <p:sp>
-        <p:nvSpPr>
-          <p:cNvPr id="6" name="Slide Number Placeholder 5">
-            <a:extLst>
-              <a:ext uri="{FF2B5EF4-FFF2-40B4-BE49-F238E27FC236}">
-                <a16:creationId xmlns:a16="http://schemas.microsoft.com/office/drawing/2014/main" id="{D33FDC53-6822-4AA2-B2DA-8F881610CA18}"/>
-              </a:ext>
-            </a:extLst>
-          </p:cNvPr>
-          <p:cNvSpPr>
-            <a:spLocks noGrp="1"/>
-          </p:cNvSpPr>
-          <p:nvPr>
-            <p:ph type="sldNum" sz="quarter" idx="12"/>
-          </p:nvPr>
-        </p:nvSpPr>
-        <p:spPr/>
-        <p:txBody>
-          <a:bodyPr/>
-          <a:lstStyle/>
-          <a:p>
-            <a:fld id="{5A14344A-9BDE-4E14-9F68-42155428760A}" type="slidenum">
-              <a:rPr lang="de-DE" smtClean="0"/>
-              <a:t>32</a:t>
-            </a:fld>
-            <a:endParaRPr lang="de-DE"/>
-          </a:p>
-        </p:txBody>
-      </p:sp>
-    </p:spTree>
-    <p:extLst>
-      <p:ext uri="{BB962C8B-B14F-4D97-AF65-F5344CB8AC3E}">
-        <p14:creationId xmlns:p14="http://schemas.microsoft.com/office/powerpoint/2010/main" val="3861238884"/>
-      </p:ext>
-    </p:extLst>
-  </p:cSld>
-  <p:clrMapOvr>
-    <a:masterClrMapping/>
-  </p:clrMapOvr>
-  <mc:AlternateContent xmlns:mc="http://schemas.openxmlformats.org/markup-compatibility/2006" xmlns:p14="http://schemas.microsoft.com/office/powerpoint/2010/main">
-    <mc:Choice Requires="p14">
-      <p:transition p14:dur="0"/>
-    </mc:Choice>
-    <mc:Fallback xmlns="">
-      <p:transition/>
-    </mc:Fallback>
-  </mc:AlternateContent>
-</p:sld>
-</file>
-
-<file path=ppt/slides/slide33.xml><?xml version="1.0" encoding="utf-8"?>
-<p:sld xmlns:a="http://schemas.openxmlformats.org/drawingml/2006/main" xmlns:r="http://schemas.openxmlformats.org/officeDocument/2006/relationships" xmlns:p="http://schemas.openxmlformats.org/presentationml/2006/main">
-  <p:cSld>
-    <p:spTree>
-      <p:nvGrpSpPr>
-        <p:cNvPr id="1" name=""/>
-        <p:cNvGrpSpPr/>
-        <p:nvPr/>
-      </p:nvGrpSpPr>
-      <p:grpSpPr>
-        <a:xfrm>
-          <a:off x="0" y="0"/>
-          <a:ext cx="0" cy="0"/>
-          <a:chOff x="0" y="0"/>
-          <a:chExt cx="0" cy="0"/>
-        </a:xfrm>
-      </p:grpSpPr>
-      <p:sp>
-        <p:nvSpPr>
-          <p:cNvPr id="7" name="Title 6">
-            <a:extLst>
-              <a:ext uri="{FF2B5EF4-FFF2-40B4-BE49-F238E27FC236}">
-                <a16:creationId xmlns:a16="http://schemas.microsoft.com/office/drawing/2014/main" id="{6B7AEEC0-EE74-432A-92F7-0FBE90A52BCC}"/>
-              </a:ext>
-            </a:extLst>
-          </p:cNvPr>
-          <p:cNvSpPr>
-            <a:spLocks noGrp="1"/>
-          </p:cNvSpPr>
-          <p:nvPr>
-            <p:ph type="title"/>
-          </p:nvPr>
-        </p:nvSpPr>
-        <p:spPr/>
-        <p:txBody>
-          <a:bodyPr/>
-          <a:lstStyle/>
-          <a:p>
-            <a:r>
-              <a:rPr lang="de-DE" dirty="0"/>
-              <a:t>Vielen Dank!</a:t>
-            </a:r>
-            <a:endParaRPr lang="en-DE" dirty="0"/>
-          </a:p>
-        </p:txBody>
-      </p:sp>
-      <p:sp>
-        <p:nvSpPr>
-          <p:cNvPr id="8" name="Text Placeholder 7">
-            <a:extLst>
-              <a:ext uri="{FF2B5EF4-FFF2-40B4-BE49-F238E27FC236}">
-                <a16:creationId xmlns:a16="http://schemas.microsoft.com/office/drawing/2014/main" id="{CF615A44-26DC-45BA-A630-252F59C41A67}"/>
-              </a:ext>
-            </a:extLst>
-          </p:cNvPr>
-          <p:cNvSpPr>
-            <a:spLocks noGrp="1"/>
-          </p:cNvSpPr>
-          <p:nvPr>
-            <p:ph type="body" idx="1"/>
-          </p:nvPr>
-        </p:nvSpPr>
-        <p:spPr/>
-        <p:txBody>
-          <a:bodyPr/>
-          <a:lstStyle/>
-          <a:p>
-            <a:r>
-              <a:rPr lang="de-DE" dirty="0"/>
-              <a:t>Haben Sie Fragen?</a:t>
-            </a:r>
-            <a:endParaRPr lang="en-DE" dirty="0"/>
-          </a:p>
-        </p:txBody>
-      </p:sp>
-      <p:sp>
-        <p:nvSpPr>
-          <p:cNvPr id="5" name="Footer Placeholder 4">
-            <a:extLst>
-              <a:ext uri="{FF2B5EF4-FFF2-40B4-BE49-F238E27FC236}">
-                <a16:creationId xmlns:a16="http://schemas.microsoft.com/office/drawing/2014/main" id="{F2D147BF-C84E-48BA-885D-108D7E4CB800}"/>
-              </a:ext>
-            </a:extLst>
-          </p:cNvPr>
-          <p:cNvSpPr>
-            <a:spLocks noGrp="1"/>
-          </p:cNvSpPr>
-          <p:nvPr>
-            <p:ph type="ftr" sz="quarter" idx="11"/>
-          </p:nvPr>
-        </p:nvSpPr>
-        <p:spPr/>
-        <p:txBody>
-          <a:bodyPr/>
-          <a:lstStyle/>
-          <a:p>
-            <a:r>
-              <a:rPr lang="de-DE"/>
-              <a:t>Design Principles vs. Performance - Kenny Pflug</a:t>
-            </a:r>
-          </a:p>
-        </p:txBody>
-      </p:sp>
-      <p:sp>
-        <p:nvSpPr>
-          <p:cNvPr id="6" name="Slide Number Placeholder 5">
-            <a:extLst>
-              <a:ext uri="{FF2B5EF4-FFF2-40B4-BE49-F238E27FC236}">
-                <a16:creationId xmlns:a16="http://schemas.microsoft.com/office/drawing/2014/main" id="{A47A0CC9-9D7D-409E-B48B-B3F1256B4CAF}"/>
-              </a:ext>
-            </a:extLst>
-          </p:cNvPr>
-          <p:cNvSpPr>
-            <a:spLocks noGrp="1"/>
-          </p:cNvSpPr>
-          <p:nvPr>
-            <p:ph type="sldNum" sz="quarter" idx="12"/>
-          </p:nvPr>
-        </p:nvSpPr>
-        <p:spPr/>
-        <p:txBody>
-          <a:bodyPr/>
-          <a:lstStyle/>
-          <a:p>
-            <a:fld id="{5A14344A-9BDE-4E14-9F68-42155428760A}" type="slidenum">
-              <a:rPr lang="de-DE" smtClean="0"/>
-              <a:t>33</a:t>
-            </a:fld>
-            <a:endParaRPr lang="de-DE"/>
-          </a:p>
-        </p:txBody>
-      </p:sp>
-    </p:spTree>
-    <p:extLst>
-      <p:ext uri="{BB962C8B-B14F-4D97-AF65-F5344CB8AC3E}">
-        <p14:creationId xmlns:p14="http://schemas.microsoft.com/office/powerpoint/2010/main" val="1262829508"/>
-      </p:ext>
-    </p:extLst>
-  </p:cSld>
-  <p:clrMapOvr>
-    <a:masterClrMapping/>
-  </p:clrMapOvr>
-  <p:transition spd="med">
-    <p:cover/>
-  </p:transition>
-</p:sld>
-</file>
-
 <file path=ppt/slides/slide4.xml><?xml version="1.0" encoding="utf-8"?>
 <p:sld xmlns:a="http://schemas.openxmlformats.org/drawingml/2006/main" xmlns:r="http://schemas.openxmlformats.org/officeDocument/2006/relationships" xmlns:p="http://schemas.openxmlformats.org/presentationml/2006/main">
   <p:cSld>
@@ -18508,15 +13693,15 @@
           <a:p>
             <a:r>
               <a:rPr lang="de-DE" dirty="0"/>
+              <a:t>Test Driven Development</a:t>
+            </a:r>
+            <a:endParaRPr lang="en-DE" dirty="0"/>
+          </a:p>
+          <a:p>
+            <a:r>
+              <a:rPr lang="de-DE" dirty="0"/>
               <a:t>Einsatz etablierter Design Patterns</a:t>
             </a:r>
-          </a:p>
-          <a:p>
-            <a:r>
-              <a:rPr lang="de-DE" dirty="0"/>
-              <a:t>Test Driven Development</a:t>
-            </a:r>
-            <a:endParaRPr lang="en-DE" dirty="0"/>
           </a:p>
         </p:txBody>
       </p:sp>
